--- a/UX(박성원 초안).pptx
+++ b/UX(박성원 초안).pptx
@@ -6256,14 +6256,14 @@
           <p:nvPr>
             <p:extLst>
               <p:ext uri="{D42A27DB-BD31-4B8C-83A1-F6EECF244321}">
-                <p14:modId xmlns:p14="http://schemas.microsoft.com/office/powerpoint/2010/main" val="2087026910"/>
+                <p14:modId xmlns:p14="http://schemas.microsoft.com/office/powerpoint/2010/main" val="1842379903"/>
               </p:ext>
             </p:extLst>
           </p:nvPr>
         </p:nvGraphicFramePr>
         <p:xfrm>
-          <a:off x="796065" y="1341588"/>
-          <a:ext cx="10832003" cy="5295017"/>
+          <a:off x="696686" y="1240876"/>
+          <a:ext cx="10855185" cy="5355860"/>
         </p:xfrm>
         <a:graphic>
           <a:graphicData uri="http://schemas.openxmlformats.org/drawingml/2006/table">
@@ -6272,35 +6272,35 @@
                 <a:tableStyleId>{2D5ABB26-0587-4C30-8999-92F81FD0307C}</a:tableStyleId>
               </a:tblPr>
               <a:tblGrid>
-                <a:gridCol w="1624406">
+                <a:gridCol w="1627883">
                   <a:extLst>
                     <a:ext uri="{9D8B030D-6E8A-4147-A177-3AD203B41FA5}">
                       <a16:colId xmlns:a16="http://schemas.microsoft.com/office/drawing/2014/main" val="2748037351"/>
                     </a:ext>
                   </a:extLst>
                 </a:gridCol>
-                <a:gridCol w="2366682">
+                <a:gridCol w="2258316">
                   <a:extLst>
                     <a:ext uri="{9D8B030D-6E8A-4147-A177-3AD203B41FA5}">
                       <a16:colId xmlns:a16="http://schemas.microsoft.com/office/drawing/2014/main" val="820828031"/>
                     </a:ext>
                   </a:extLst>
                 </a:gridCol>
-                <a:gridCol w="2485016">
+                <a:gridCol w="2449285">
                   <a:extLst>
                     <a:ext uri="{9D8B030D-6E8A-4147-A177-3AD203B41FA5}">
                       <a16:colId xmlns:a16="http://schemas.microsoft.com/office/drawing/2014/main" val="2763012128"/>
                     </a:ext>
                   </a:extLst>
                 </a:gridCol>
-                <a:gridCol w="2312895">
+                <a:gridCol w="2307772">
                   <a:extLst>
                     <a:ext uri="{9D8B030D-6E8A-4147-A177-3AD203B41FA5}">
                       <a16:colId xmlns:a16="http://schemas.microsoft.com/office/drawing/2014/main" val="3343017508"/>
                     </a:ext>
                   </a:extLst>
                 </a:gridCol>
-                <a:gridCol w="2043004">
+                <a:gridCol w="2211929">
                   <a:extLst>
                     <a:ext uri="{9D8B030D-6E8A-4147-A177-3AD203B41FA5}">
                       <a16:colId xmlns:a16="http://schemas.microsoft.com/office/drawing/2014/main" val="2030726938"/>
@@ -6308,7 +6308,7 @@
                   </a:extLst>
                 </a:gridCol>
               </a:tblGrid>
-              <a:tr h="2033698">
+              <a:tr h="1528237">
                 <a:tc>
                   <a:txBody>
                     <a:bodyPr/>
@@ -6324,45 +6324,41 @@
                           <a:ea typeface="+mj-ea"/>
                           <a:cs typeface="+mn-cs"/>
                         </a:rPr>
-                        <a:t>장면</a:t>
+                        <a:t>시나리오</a:t>
                       </a:r>
-                      <a:endParaRPr lang="en-US" altLang="ko-KR" sz="2400" kern="1200" dirty="0">
-                        <a:solidFill>
-                          <a:schemeClr val="bg1"/>
-                        </a:solidFill>
-                        <a:latin typeface="+mj-ea"/>
-                        <a:ea typeface="+mj-ea"/>
-                        <a:cs typeface="+mn-cs"/>
-                      </a:endParaRPr>
                     </a:p>
                   </a:txBody>
                   <a:tcPr anchor="ctr">
-                    <a:lnL>
-                      <a:noFill/>
+                    <a:lnL w="12700" cap="flat" cmpd="sng" algn="ctr">
+                      <a:solidFill>
+                        <a:schemeClr val="tx1"/>
+                      </a:solidFill>
+                      <a:prstDash val="solid"/>
+                      <a:round/>
+                      <a:headEnd type="none" w="med" len="med"/>
+                      <a:tailEnd type="none" w="med" len="med"/>
                     </a:lnL>
-                    <a:lnR w="6350" cap="flat" cmpd="sng" algn="ctr">
+                    <a:lnR w="12700" cap="flat" cmpd="sng" algn="ctr">
                       <a:solidFill>
-                        <a:schemeClr val="bg1">
-                          <a:lumMod val="50000"/>
-                        </a:schemeClr>
+                        <a:schemeClr val="tx1"/>
                       </a:solidFill>
                       <a:prstDash val="solid"/>
                       <a:round/>
                       <a:headEnd type="none" w="med" len="med"/>
                       <a:tailEnd type="none" w="med" len="med"/>
                     </a:lnR>
-                    <a:lnT w="28575" cap="flat" cmpd="sng" algn="ctr">
-                      <a:noFill/>
+                    <a:lnT w="12700" cap="flat" cmpd="sng" algn="ctr">
+                      <a:solidFill>
+                        <a:schemeClr val="tx1"/>
+                      </a:solidFill>
                       <a:prstDash val="solid"/>
                       <a:round/>
                       <a:headEnd type="none" w="med" len="med"/>
                       <a:tailEnd type="none" w="med" len="med"/>
                     </a:lnT>
-                    <a:lnB w="6350" cap="flat" cmpd="sng" algn="ctr">
+                    <a:lnB w="12700" cap="flat" cmpd="sng" algn="ctr">
                       <a:solidFill>
-                        <a:schemeClr val="bg1">
-                          <a:lumMod val="50000"/>
-                        </a:schemeClr>
+                        <a:schemeClr val="tx1"/>
                       </a:solidFill>
                       <a:prstDash val="solid"/>
                       <a:round/>
@@ -6387,67 +6383,73 @@
                     <a:bodyPr/>
                     <a:lstStyle/>
                     <a:p>
-                      <a:pPr marL="0" marR="0" lvl="0" indent="0" algn="ctr" defTabSz="914400" rtl="0" eaLnBrk="1" fontAlgn="auto" latinLnBrk="1" hangingPunct="1">
-                        <a:lnSpc>
-                          <a:spcPct val="100000"/>
-                        </a:lnSpc>
-                        <a:spcBef>
-                          <a:spcPts val="0"/>
-                        </a:spcBef>
-                        <a:spcAft>
-                          <a:spcPts val="0"/>
-                        </a:spcAft>
-                        <a:buClrTx/>
-                        <a:buSzTx/>
-                        <a:buFontTx/>
-                        <a:buNone/>
-                        <a:tabLst/>
-                        <a:defRPr/>
-                      </a:pPr>
-                      <a:endParaRPr lang="ko-KR" altLang="en-US" sz="2400" dirty="0">
-                        <a:solidFill>
-                          <a:schemeClr val="bg1"/>
-                        </a:solidFill>
-                        <a:latin typeface="+mj-ea"/>
-                        <a:ea typeface="+mj-ea"/>
-                      </a:endParaRPr>
+                      <a:pPr marL="0" algn="ctr" defTabSz="914400" rtl="0" eaLnBrk="1" latinLnBrk="1" hangingPunct="1"/>
+                      <a:r>
+                        <a:rPr lang="ko-KR" altLang="en-US" sz="1400" kern="1200" spc="-150" dirty="0">
+                          <a:solidFill>
+                            <a:srgbClr val="40474D"/>
+                          </a:solidFill>
+                          <a:latin typeface="+mn-ea"/>
+                          <a:ea typeface="+mn-ea"/>
+                          <a:cs typeface="+mn-cs"/>
+                        </a:rPr>
+                        <a:t>회사 가야 하는데 전철역까지 멀어서 </a:t>
+                      </a:r>
+                      <a:r>
+                        <a:rPr lang="ko-KR" altLang="en-US" sz="1400" kern="1200" spc="-150" dirty="0" err="1">
+                          <a:solidFill>
+                            <a:srgbClr val="40474D"/>
+                          </a:solidFill>
+                          <a:latin typeface="+mn-ea"/>
+                          <a:ea typeface="+mn-ea"/>
+                          <a:cs typeface="+mn-cs"/>
+                        </a:rPr>
+                        <a:t>버스타려면</a:t>
+                      </a:r>
+                      <a:r>
+                        <a:rPr lang="ko-KR" altLang="en-US" sz="1400" kern="1200" spc="-150" dirty="0">
+                          <a:solidFill>
+                            <a:srgbClr val="40474D"/>
+                          </a:solidFill>
+                          <a:latin typeface="+mn-ea"/>
+                          <a:ea typeface="+mn-ea"/>
+                          <a:cs typeface="+mn-cs"/>
+                        </a:rPr>
+                        <a:t> 한참 걸어야 하고 시간이 너무 걸린다</a:t>
+                      </a:r>
                     </a:p>
                   </a:txBody>
                   <a:tcPr anchor="ctr">
-                    <a:lnL w="6350" cap="flat" cmpd="sng" algn="ctr">
+                    <a:lnL w="12700" cap="flat" cmpd="sng" algn="ctr">
                       <a:solidFill>
-                        <a:schemeClr val="bg1">
-                          <a:lumMod val="50000"/>
-                        </a:schemeClr>
+                        <a:schemeClr val="tx1"/>
                       </a:solidFill>
                       <a:prstDash val="solid"/>
                       <a:round/>
                       <a:headEnd type="none" w="med" len="med"/>
                       <a:tailEnd type="none" w="med" len="med"/>
                     </a:lnL>
-                    <a:lnR w="6350" cap="flat" cmpd="sng" algn="ctr">
+                    <a:lnR w="12700" cap="flat" cmpd="sng" algn="ctr">
                       <a:solidFill>
-                        <a:schemeClr val="bg1">
-                          <a:lumMod val="50000"/>
-                        </a:schemeClr>
+                        <a:schemeClr val="tx1"/>
                       </a:solidFill>
                       <a:prstDash val="solid"/>
                       <a:round/>
                       <a:headEnd type="none" w="med" len="med"/>
                       <a:tailEnd type="none" w="med" len="med"/>
                     </a:lnR>
-                    <a:lnT w="28575" cap="flat" cmpd="sng" algn="ctr">
-                      <a:noFill/>
+                    <a:lnT w="12700" cap="flat" cmpd="sng" algn="ctr">
+                      <a:solidFill>
+                        <a:schemeClr val="tx1"/>
+                      </a:solidFill>
                       <a:prstDash val="solid"/>
                       <a:round/>
                       <a:headEnd type="none" w="med" len="med"/>
                       <a:tailEnd type="none" w="med" len="med"/>
                     </a:lnT>
-                    <a:lnB w="6350" cap="flat" cmpd="sng" algn="ctr">
+                    <a:lnB w="12700" cap="flat" cmpd="sng" algn="ctr">
                       <a:solidFill>
-                        <a:schemeClr val="bg1">
-                          <a:lumMod val="50000"/>
-                        </a:schemeClr>
+                        <a:schemeClr val="tx1"/>
                       </a:solidFill>
                       <a:prstDash val="solid"/>
                       <a:round/>
@@ -6463,7 +6465,7 @@
                       <a:prstDash val="solid"/>
                     </a:lnBlToTr>
                     <a:solidFill>
-                      <a:schemeClr val="accent2"/>
+                      <a:schemeClr val="bg1"/>
                     </a:solidFill>
                   </a:tcPr>
                 </a:tc>
@@ -6472,67 +6474,51 @@
                     <a:bodyPr/>
                     <a:lstStyle/>
                     <a:p>
-                      <a:pPr marL="0" marR="0" lvl="0" indent="0" algn="ctr" defTabSz="914400" rtl="0" eaLnBrk="1" fontAlgn="auto" latinLnBrk="1" hangingPunct="1">
-                        <a:lnSpc>
-                          <a:spcPct val="100000"/>
-                        </a:lnSpc>
-                        <a:spcBef>
-                          <a:spcPts val="0"/>
-                        </a:spcBef>
-                        <a:spcAft>
-                          <a:spcPts val="0"/>
-                        </a:spcAft>
-                        <a:buClrTx/>
-                        <a:buSzTx/>
-                        <a:buFontTx/>
-                        <a:buNone/>
-                        <a:tabLst/>
-                        <a:defRPr/>
-                      </a:pPr>
-                      <a:endParaRPr lang="ko-KR" altLang="en-US" sz="2400" dirty="0">
-                        <a:solidFill>
-                          <a:schemeClr val="bg1"/>
-                        </a:solidFill>
-                        <a:latin typeface="+mj-ea"/>
-                        <a:ea typeface="+mj-ea"/>
-                      </a:endParaRPr>
+                      <a:pPr marL="0" algn="ctr" defTabSz="914400" rtl="0" eaLnBrk="1" latinLnBrk="1" hangingPunct="1"/>
+                      <a:r>
+                        <a:rPr lang="ko-KR" altLang="en-US" sz="1400" kern="1200" spc="-150" dirty="0">
+                          <a:solidFill>
+                            <a:srgbClr val="40474D"/>
+                          </a:solidFill>
+                          <a:latin typeface="+mn-ea"/>
+                          <a:ea typeface="+mn-ea"/>
+                          <a:cs typeface="+mn-cs"/>
+                        </a:rPr>
+                        <a:t>킥보드를 검색해보지만 회사마다 어플이 달라 필요한 킥보드에 따라 다른 어플을 실행시는 것이 매우 불편하다</a:t>
+                      </a:r>
                     </a:p>
                   </a:txBody>
                   <a:tcPr anchor="ctr">
-                    <a:lnL w="6350" cap="flat" cmpd="sng" algn="ctr">
+                    <a:lnL w="12700" cap="flat" cmpd="sng" algn="ctr">
                       <a:solidFill>
-                        <a:schemeClr val="bg1">
-                          <a:lumMod val="50000"/>
-                        </a:schemeClr>
+                        <a:schemeClr val="tx1"/>
                       </a:solidFill>
                       <a:prstDash val="solid"/>
                       <a:round/>
                       <a:headEnd type="none" w="med" len="med"/>
                       <a:tailEnd type="none" w="med" len="med"/>
                     </a:lnL>
-                    <a:lnR w="6350" cap="flat" cmpd="sng" algn="ctr">
+                    <a:lnR w="12700" cap="flat" cmpd="sng" algn="ctr">
                       <a:solidFill>
-                        <a:schemeClr val="bg1">
-                          <a:lumMod val="50000"/>
-                        </a:schemeClr>
+                        <a:schemeClr val="tx1"/>
                       </a:solidFill>
                       <a:prstDash val="solid"/>
                       <a:round/>
                       <a:headEnd type="none" w="med" len="med"/>
                       <a:tailEnd type="none" w="med" len="med"/>
                     </a:lnR>
-                    <a:lnT w="28575" cap="flat" cmpd="sng" algn="ctr">
-                      <a:noFill/>
+                    <a:lnT w="12700" cap="flat" cmpd="sng" algn="ctr">
+                      <a:solidFill>
+                        <a:schemeClr val="tx1"/>
+                      </a:solidFill>
                       <a:prstDash val="solid"/>
                       <a:round/>
                       <a:headEnd type="none" w="med" len="med"/>
                       <a:tailEnd type="none" w="med" len="med"/>
                     </a:lnT>
-                    <a:lnB w="6350" cap="flat" cmpd="sng" algn="ctr">
+                    <a:lnB w="12700" cap="flat" cmpd="sng" algn="ctr">
                       <a:solidFill>
-                        <a:schemeClr val="bg1">
-                          <a:lumMod val="50000"/>
-                        </a:schemeClr>
+                        <a:schemeClr val="tx1"/>
                       </a:solidFill>
                       <a:prstDash val="solid"/>
                       <a:round/>
@@ -6548,7 +6534,7 @@
                       <a:prstDash val="solid"/>
                     </a:lnBlToTr>
                     <a:solidFill>
-                      <a:schemeClr val="accent2"/>
+                      <a:schemeClr val="bg1"/>
                     </a:solidFill>
                   </a:tcPr>
                 </a:tc>
@@ -6557,410 +6543,7 @@
                     <a:bodyPr/>
                     <a:lstStyle/>
                     <a:p>
-                      <a:pPr marL="0" marR="0" lvl="0" indent="0" algn="ctr" defTabSz="914400" rtl="0" eaLnBrk="1" fontAlgn="auto" latinLnBrk="1" hangingPunct="1">
-                        <a:lnSpc>
-                          <a:spcPct val="100000"/>
-                        </a:lnSpc>
-                        <a:spcBef>
-                          <a:spcPts val="0"/>
-                        </a:spcBef>
-                        <a:spcAft>
-                          <a:spcPts val="0"/>
-                        </a:spcAft>
-                        <a:buClrTx/>
-                        <a:buSzTx/>
-                        <a:buFontTx/>
-                        <a:buNone/>
-                        <a:tabLst/>
-                        <a:defRPr/>
-                      </a:pPr>
-                      <a:endParaRPr lang="ko-KR" altLang="en-US" sz="2400" dirty="0">
-                        <a:solidFill>
-                          <a:schemeClr val="bg1"/>
-                        </a:solidFill>
-                        <a:latin typeface="+mj-ea"/>
-                        <a:ea typeface="+mj-ea"/>
-                      </a:endParaRPr>
-                    </a:p>
-                  </a:txBody>
-                  <a:tcPr anchor="ctr">
-                    <a:lnL w="6350" cap="flat" cmpd="sng" algn="ctr">
-                      <a:solidFill>
-                        <a:schemeClr val="bg1">
-                          <a:lumMod val="50000"/>
-                        </a:schemeClr>
-                      </a:solidFill>
-                      <a:prstDash val="solid"/>
-                      <a:round/>
-                      <a:headEnd type="none" w="med" len="med"/>
-                      <a:tailEnd type="none" w="med" len="med"/>
-                    </a:lnL>
-                    <a:lnR w="6350" cap="flat" cmpd="sng" algn="ctr">
-                      <a:noFill/>
-                      <a:prstDash val="solid"/>
-                      <a:round/>
-                      <a:headEnd type="none" w="med" len="med"/>
-                      <a:tailEnd type="none" w="med" len="med"/>
-                    </a:lnR>
-                    <a:lnT w="28575" cap="flat" cmpd="sng" algn="ctr">
-                      <a:noFill/>
-                      <a:prstDash val="solid"/>
-                      <a:round/>
-                      <a:headEnd type="none" w="med" len="med"/>
-                      <a:tailEnd type="none" w="med" len="med"/>
-                    </a:lnT>
-                    <a:lnB w="6350" cap="flat" cmpd="sng" algn="ctr">
-                      <a:solidFill>
-                        <a:schemeClr val="bg1">
-                          <a:lumMod val="50000"/>
-                        </a:schemeClr>
-                      </a:solidFill>
-                      <a:prstDash val="solid"/>
-                      <a:round/>
-                      <a:headEnd type="none" w="med" len="med"/>
-                      <a:tailEnd type="none" w="med" len="med"/>
-                    </a:lnB>
-                    <a:lnTlToBr w="12700" cmpd="sng">
-                      <a:noFill/>
-                      <a:prstDash val="solid"/>
-                    </a:lnTlToBr>
-                    <a:lnBlToTr w="12700" cmpd="sng">
-                      <a:noFill/>
-                      <a:prstDash val="solid"/>
-                    </a:lnBlToTr>
-                    <a:solidFill>
-                      <a:schemeClr val="accent2"/>
-                    </a:solidFill>
-                  </a:tcPr>
-                </a:tc>
-                <a:tc>
-                  <a:txBody>
-                    <a:bodyPr/>
-                    <a:lstStyle/>
-                    <a:p>
-                      <a:pPr marL="0" marR="0" lvl="0" indent="0" algn="ctr" defTabSz="914400" rtl="0" eaLnBrk="1" fontAlgn="auto" latinLnBrk="1" hangingPunct="1">
-                        <a:lnSpc>
-                          <a:spcPct val="100000"/>
-                        </a:lnSpc>
-                        <a:spcBef>
-                          <a:spcPts val="0"/>
-                        </a:spcBef>
-                        <a:spcAft>
-                          <a:spcPts val="0"/>
-                        </a:spcAft>
-                        <a:buClrTx/>
-                        <a:buSzTx/>
-                        <a:buFontTx/>
-                        <a:buNone/>
-                        <a:tabLst/>
-                        <a:defRPr/>
-                      </a:pPr>
-                      <a:endParaRPr lang="ko-KR" altLang="en-US" sz="2400" dirty="0">
-                        <a:solidFill>
-                          <a:schemeClr val="bg1"/>
-                        </a:solidFill>
-                        <a:latin typeface="+mj-ea"/>
-                        <a:ea typeface="+mj-ea"/>
-                      </a:endParaRPr>
-                    </a:p>
-                  </a:txBody>
-                  <a:tcPr anchor="ctr">
-                    <a:lnL w="6350" cap="flat" cmpd="sng" algn="ctr">
-                      <a:noFill/>
-                      <a:prstDash val="solid"/>
-                      <a:round/>
-                      <a:headEnd type="none" w="med" len="med"/>
-                      <a:tailEnd type="none" w="med" len="med"/>
-                    </a:lnL>
-                    <a:lnR w="6350" cap="flat" cmpd="sng" algn="ctr">
-                      <a:noFill/>
-                      <a:prstDash val="solid"/>
-                      <a:round/>
-                      <a:headEnd type="none" w="med" len="med"/>
-                      <a:tailEnd type="none" w="med" len="med"/>
-                    </a:lnR>
-                    <a:lnT w="28575" cap="flat" cmpd="sng" algn="ctr">
-                      <a:noFill/>
-                      <a:prstDash val="solid"/>
-                      <a:round/>
-                      <a:headEnd type="none" w="med" len="med"/>
-                      <a:tailEnd type="none" w="med" len="med"/>
-                    </a:lnT>
-                    <a:lnB w="6350" cap="flat" cmpd="sng" algn="ctr">
-                      <a:solidFill>
-                        <a:schemeClr val="bg1">
-                          <a:lumMod val="50000"/>
-                        </a:schemeClr>
-                      </a:solidFill>
-                      <a:prstDash val="solid"/>
-                      <a:round/>
-                      <a:headEnd type="none" w="med" len="med"/>
-                      <a:tailEnd type="none" w="med" len="med"/>
-                    </a:lnB>
-                    <a:lnTlToBr w="12700" cmpd="sng">
-                      <a:noFill/>
-                      <a:prstDash val="solid"/>
-                    </a:lnTlToBr>
-                    <a:lnBlToTr w="12700" cmpd="sng">
-                      <a:noFill/>
-                      <a:prstDash val="solid"/>
-                    </a:lnBlToTr>
-                    <a:solidFill>
-                      <a:schemeClr val="accent2"/>
-                    </a:solidFill>
-                  </a:tcPr>
-                </a:tc>
-                <a:extLst>
-                  <a:ext uri="{0D108BD9-81ED-4DB2-BD59-A6C34878D82A}">
-                    <a16:rowId xmlns:a16="http://schemas.microsoft.com/office/drawing/2014/main" val="1650703200"/>
-                  </a:ext>
-                </a:extLst>
-              </a:tr>
-              <a:tr h="887476">
-                <a:tc>
-                  <a:txBody>
-                    <a:bodyPr/>
-                    <a:lstStyle/>
-                    <a:p>
-                      <a:pPr algn="ctr" latinLnBrk="1"/>
-                      <a:r>
-                        <a:rPr lang="ko-KR" altLang="en-US" sz="2400" kern="1200" dirty="0">
-                          <a:solidFill>
-                            <a:schemeClr val="bg1"/>
-                          </a:solidFill>
-                          <a:latin typeface="+mj-ea"/>
-                          <a:ea typeface="+mj-ea"/>
-                          <a:cs typeface="+mn-cs"/>
-                        </a:rPr>
-                        <a:t>시나리오</a:t>
-                      </a:r>
-                    </a:p>
-                  </a:txBody>
-                  <a:tcPr anchor="ctr">
-                    <a:lnL>
-                      <a:noFill/>
-                    </a:lnL>
-                    <a:lnR w="6350" cap="flat" cmpd="sng" algn="ctr">
-                      <a:solidFill>
-                        <a:schemeClr val="bg1">
-                          <a:lumMod val="50000"/>
-                        </a:schemeClr>
-                      </a:solidFill>
-                      <a:prstDash val="solid"/>
-                      <a:round/>
-                      <a:headEnd type="none" w="med" len="med"/>
-                      <a:tailEnd type="none" w="med" len="med"/>
-                    </a:lnR>
-                    <a:lnT w="6350" cap="flat" cmpd="sng" algn="ctr">
-                      <a:solidFill>
-                        <a:schemeClr val="bg1">
-                          <a:lumMod val="50000"/>
-                        </a:schemeClr>
-                      </a:solidFill>
-                      <a:prstDash val="solid"/>
-                      <a:round/>
-                      <a:headEnd type="none" w="med" len="med"/>
-                      <a:tailEnd type="none" w="med" len="med"/>
-                    </a:lnT>
-                    <a:lnB w="6350" cap="flat" cmpd="sng" algn="ctr">
-                      <a:solidFill>
-                        <a:schemeClr val="bg1">
-                          <a:lumMod val="50000"/>
-                        </a:schemeClr>
-                      </a:solidFill>
-                      <a:prstDash val="solid"/>
-                      <a:round/>
-                      <a:headEnd type="none" w="med" len="med"/>
-                      <a:tailEnd type="none" w="med" len="med"/>
-                    </a:lnB>
-                    <a:lnTlToBr w="12700" cmpd="sng">
-                      <a:noFill/>
-                      <a:prstDash val="solid"/>
-                    </a:lnTlToBr>
-                    <a:lnBlToTr w="12700" cmpd="sng">
-                      <a:noFill/>
-                      <a:prstDash val="solid"/>
-                    </a:lnBlToTr>
-                    <a:solidFill>
-                      <a:schemeClr val="accent2"/>
-                    </a:solidFill>
-                  </a:tcPr>
-                </a:tc>
-                <a:tc>
-                  <a:txBody>
-                    <a:bodyPr/>
-                    <a:lstStyle/>
-                    <a:p>
-                      <a:pPr algn="ctr" latinLnBrk="1"/>
-                      <a:r>
-                        <a:rPr lang="ko-KR" altLang="en-US" sz="1400" spc="-150" dirty="0">
-                          <a:solidFill>
-                            <a:srgbClr val="40474D"/>
-                          </a:solidFill>
-                          <a:latin typeface="+mn-ea"/>
-                          <a:ea typeface="+mn-ea"/>
-                        </a:rPr>
-                        <a:t>회사 가야 하는데 전철역까지 멀어서 </a:t>
-                      </a:r>
-                      <a:r>
-                        <a:rPr lang="ko-KR" altLang="en-US" sz="1400" spc="-150" dirty="0" err="1">
-                          <a:solidFill>
-                            <a:srgbClr val="40474D"/>
-                          </a:solidFill>
-                          <a:latin typeface="+mn-ea"/>
-                          <a:ea typeface="+mn-ea"/>
-                        </a:rPr>
-                        <a:t>버스타려면</a:t>
-                      </a:r>
-                      <a:r>
-                        <a:rPr lang="ko-KR" altLang="en-US" sz="1400" spc="-150" dirty="0">
-                          <a:solidFill>
-                            <a:srgbClr val="40474D"/>
-                          </a:solidFill>
-                          <a:latin typeface="+mn-ea"/>
-                          <a:ea typeface="+mn-ea"/>
-                        </a:rPr>
-                        <a:t> 한참 걸어야 하고 시간이 너무 걸린다</a:t>
-                      </a:r>
-                    </a:p>
-                  </a:txBody>
-                  <a:tcPr anchor="ctr">
-                    <a:lnL w="6350" cap="flat" cmpd="sng" algn="ctr">
-                      <a:solidFill>
-                        <a:schemeClr val="bg1">
-                          <a:lumMod val="50000"/>
-                        </a:schemeClr>
-                      </a:solidFill>
-                      <a:prstDash val="solid"/>
-                      <a:round/>
-                      <a:headEnd type="none" w="med" len="med"/>
-                      <a:tailEnd type="none" w="med" len="med"/>
-                    </a:lnL>
-                    <a:lnR w="6350" cap="flat" cmpd="sng" algn="ctr">
-                      <a:solidFill>
-                        <a:schemeClr val="bg1">
-                          <a:lumMod val="50000"/>
-                        </a:schemeClr>
-                      </a:solidFill>
-                      <a:prstDash val="solid"/>
-                      <a:round/>
-                      <a:headEnd type="none" w="med" len="med"/>
-                      <a:tailEnd type="none" w="med" len="med"/>
-                    </a:lnR>
-                    <a:lnT w="6350" cap="flat" cmpd="sng" algn="ctr">
-                      <a:solidFill>
-                        <a:schemeClr val="bg1">
-                          <a:lumMod val="50000"/>
-                        </a:schemeClr>
-                      </a:solidFill>
-                      <a:prstDash val="solid"/>
-                      <a:round/>
-                      <a:headEnd type="none" w="med" len="med"/>
-                      <a:tailEnd type="none" w="med" len="med"/>
-                    </a:lnT>
-                    <a:lnB w="6350" cap="flat" cmpd="sng" algn="ctr">
-                      <a:solidFill>
-                        <a:schemeClr val="bg1">
-                          <a:lumMod val="50000"/>
-                        </a:schemeClr>
-                      </a:solidFill>
-                      <a:prstDash val="solid"/>
-                      <a:round/>
-                      <a:headEnd type="none" w="med" len="med"/>
-                      <a:tailEnd type="none" w="med" len="med"/>
-                    </a:lnB>
-                    <a:lnTlToBr w="12700" cmpd="sng">
-                      <a:noFill/>
-                      <a:prstDash val="solid"/>
-                    </a:lnTlToBr>
-                    <a:lnBlToTr w="12700" cmpd="sng">
-                      <a:noFill/>
-                      <a:prstDash val="solid"/>
-                    </a:lnBlToTr>
-                    <a:noFill/>
-                  </a:tcPr>
-                </a:tc>
-                <a:tc>
-                  <a:txBody>
-                    <a:bodyPr/>
-                    <a:lstStyle/>
-                    <a:p>
-                      <a:pPr algn="ctr" latinLnBrk="1"/>
-                      <a:r>
-                        <a:rPr lang="ko-KR" altLang="en-US" sz="1400" kern="1200" spc="-150" dirty="0">
-                          <a:solidFill>
-                            <a:srgbClr val="40474D"/>
-                          </a:solidFill>
-                          <a:latin typeface="+mn-ea"/>
-                          <a:ea typeface="+mn-ea"/>
-                          <a:cs typeface="+mn-cs"/>
-                        </a:rPr>
-                        <a:t>킥보드를 검색해보지만 회사마다 어플이 달라 필요한 킥보드에 따라 다른 어플을 실행시는 것이 매우 불편하다</a:t>
-                      </a:r>
-                    </a:p>
-                  </a:txBody>
-                  <a:tcPr anchor="ctr">
-                    <a:lnL w="6350" cap="flat" cmpd="sng" algn="ctr">
-                      <a:solidFill>
-                        <a:schemeClr val="bg1">
-                          <a:lumMod val="50000"/>
-                        </a:schemeClr>
-                      </a:solidFill>
-                      <a:prstDash val="solid"/>
-                      <a:round/>
-                      <a:headEnd type="none" w="med" len="med"/>
-                      <a:tailEnd type="none" w="med" len="med"/>
-                    </a:lnL>
-                    <a:lnR w="6350" cap="flat" cmpd="sng" algn="ctr">
-                      <a:solidFill>
-                        <a:schemeClr val="bg1">
-                          <a:lumMod val="50000"/>
-                        </a:schemeClr>
-                      </a:solidFill>
-                      <a:prstDash val="solid"/>
-                      <a:round/>
-                      <a:headEnd type="none" w="med" len="med"/>
-                      <a:tailEnd type="none" w="med" len="med"/>
-                    </a:lnR>
-                    <a:lnT w="6350" cap="flat" cmpd="sng" algn="ctr">
-                      <a:solidFill>
-                        <a:schemeClr val="bg1">
-                          <a:lumMod val="50000"/>
-                        </a:schemeClr>
-                      </a:solidFill>
-                      <a:prstDash val="solid"/>
-                      <a:round/>
-                      <a:headEnd type="none" w="med" len="med"/>
-                      <a:tailEnd type="none" w="med" len="med"/>
-                    </a:lnT>
-                    <a:lnB w="6350" cap="flat" cmpd="sng" algn="ctr">
-                      <a:solidFill>
-                        <a:schemeClr val="bg1">
-                          <a:lumMod val="50000"/>
-                        </a:schemeClr>
-                      </a:solidFill>
-                      <a:prstDash val="solid"/>
-                      <a:round/>
-                      <a:headEnd type="none" w="med" len="med"/>
-                      <a:tailEnd type="none" w="med" len="med"/>
-                    </a:lnB>
-                    <a:lnTlToBr w="12700" cmpd="sng">
-                      <a:noFill/>
-                      <a:prstDash val="solid"/>
-                    </a:lnTlToBr>
-                    <a:lnBlToTr w="12700" cmpd="sng">
-                      <a:noFill/>
-                      <a:prstDash val="solid"/>
-                    </a:lnBlToTr>
-                    <a:noFill/>
-                  </a:tcPr>
-                </a:tc>
-                <a:tc>
-                  <a:txBody>
-                    <a:bodyPr/>
-                    <a:lstStyle/>
-                    <a:p>
-                      <a:pPr algn="ctr" latinLnBrk="1"/>
+                      <a:pPr marL="0" algn="ctr" defTabSz="914400" rtl="0" eaLnBrk="1" latinLnBrk="1" hangingPunct="1"/>
                       <a:r>
                         <a:rPr lang="ko-KR" altLang="en-US" sz="1400" kern="1200" spc="-150" dirty="0">
                           <a:solidFill>
@@ -6992,7 +6575,7 @@
                           <a:ea typeface="+mn-ea"/>
                           <a:cs typeface="+mn-cs"/>
                         </a:rPr>
-                        <a:t>편의 기능 등을 찾아보고 마음에 드는 킥보드를 선택하여 결제한다</a:t>
+                        <a:t>편의 기능 등을 찾아보고 마음에 드는 킥보드를 선택하여 이용한다</a:t>
                       </a:r>
                       <a:r>
                         <a:rPr lang="en-US" altLang="ko-KR" sz="1400" kern="1200" spc="-150" dirty="0">
@@ -7016,11 +6599,9 @@
                     </a:p>
                   </a:txBody>
                   <a:tcPr anchor="ctr">
-                    <a:lnL w="6350" cap="flat" cmpd="sng" algn="ctr">
+                    <a:lnL w="12700" cap="flat" cmpd="sng" algn="ctr">
                       <a:solidFill>
-                        <a:schemeClr val="bg1">
-                          <a:lumMod val="50000"/>
-                        </a:schemeClr>
+                        <a:schemeClr val="tx1"/>
                       </a:solidFill>
                       <a:prstDash val="solid"/>
                       <a:round/>
@@ -7028,28 +6609,26 @@
                       <a:tailEnd type="none" w="med" len="med"/>
                     </a:lnL>
                     <a:lnR w="12700" cap="flat" cmpd="sng" algn="ctr">
-                      <a:noFill/>
+                      <a:solidFill>
+                        <a:schemeClr val="tx1"/>
+                      </a:solidFill>
                       <a:prstDash val="solid"/>
                       <a:round/>
                       <a:headEnd type="none" w="med" len="med"/>
                       <a:tailEnd type="none" w="med" len="med"/>
                     </a:lnR>
-                    <a:lnT w="6350" cap="flat" cmpd="sng" algn="ctr">
+                    <a:lnT w="12700" cap="flat" cmpd="sng" algn="ctr">
                       <a:solidFill>
-                        <a:schemeClr val="bg1">
-                          <a:lumMod val="50000"/>
-                        </a:schemeClr>
+                        <a:schemeClr val="tx1"/>
                       </a:solidFill>
                       <a:prstDash val="solid"/>
                       <a:round/>
                       <a:headEnd type="none" w="med" len="med"/>
                       <a:tailEnd type="none" w="med" len="med"/>
                     </a:lnT>
-                    <a:lnB w="6350" cap="flat" cmpd="sng" algn="ctr">
+                    <a:lnB w="12700" cap="flat" cmpd="sng" algn="ctr">
                       <a:solidFill>
-                        <a:schemeClr val="bg1">
-                          <a:lumMod val="50000"/>
-                        </a:schemeClr>
+                        <a:schemeClr val="tx1"/>
                       </a:solidFill>
                       <a:prstDash val="solid"/>
                       <a:round/>
@@ -7064,7 +6643,9 @@
                       <a:noFill/>
                       <a:prstDash val="solid"/>
                     </a:lnBlToTr>
-                    <a:noFill/>
+                    <a:solidFill>
+                      <a:schemeClr val="bg1"/>
+                    </a:solidFill>
                   </a:tcPr>
                 </a:tc>
                 <a:tc>
@@ -7072,7 +6653,45 @@
                     <a:bodyPr/>
                     <a:lstStyle/>
                     <a:p>
-                      <a:pPr algn="ctr" latinLnBrk="1"/>
+                      <a:pPr marL="0" marR="0" lvl="0" indent="0" algn="ctr" defTabSz="914400" rtl="0" eaLnBrk="1" fontAlgn="auto" latinLnBrk="1" hangingPunct="1">
+                        <a:lnSpc>
+                          <a:spcPct val="100000"/>
+                        </a:lnSpc>
+                        <a:spcBef>
+                          <a:spcPts val="0"/>
+                        </a:spcBef>
+                        <a:spcAft>
+                          <a:spcPts val="0"/>
+                        </a:spcAft>
+                        <a:buClrTx/>
+                        <a:buSzTx/>
+                        <a:buFontTx/>
+                        <a:buNone/>
+                        <a:tabLst/>
+                        <a:defRPr/>
+                      </a:pPr>
+                      <a:r>
+                        <a:rPr lang="ko-KR" altLang="en-US" sz="1400" kern="1200" spc="-150" dirty="0">
+                          <a:solidFill>
+                            <a:srgbClr val="40474D"/>
+                          </a:solidFill>
+                          <a:latin typeface="+mn-ea"/>
+                          <a:ea typeface="+mn-ea"/>
+                          <a:cs typeface="+mn-cs"/>
+                        </a:rPr>
+                        <a:t>목적지에 도착하여 사용한 킥보드를 반납한다</a:t>
+                      </a:r>
+                      <a:r>
+                        <a:rPr lang="en-US" altLang="ko-KR" sz="1400" kern="1200" spc="-150" dirty="0">
+                          <a:solidFill>
+                            <a:srgbClr val="40474D"/>
+                          </a:solidFill>
+                          <a:latin typeface="+mn-ea"/>
+                          <a:ea typeface="+mn-ea"/>
+                          <a:cs typeface="+mn-cs"/>
+                        </a:rPr>
+                        <a:t>.</a:t>
+                      </a:r>
                       <a:endParaRPr lang="ko-KR" altLang="en-US" sz="1400" kern="1200" spc="-150" dirty="0">
                         <a:solidFill>
                           <a:srgbClr val="40474D"/>
@@ -7084,36 +6703,36 @@
                     </a:p>
                   </a:txBody>
                   <a:tcPr anchor="ctr">
-                    <a:lnL w="6350" cap="flat" cmpd="sng" algn="ctr">
-                      <a:noFill/>
+                    <a:lnL w="12700" cap="flat" cmpd="sng" algn="ctr">
+                      <a:solidFill>
+                        <a:schemeClr val="tx1"/>
+                      </a:solidFill>
                       <a:prstDash val="solid"/>
                       <a:round/>
                       <a:headEnd type="none" w="med" len="med"/>
                       <a:tailEnd type="none" w="med" len="med"/>
                     </a:lnL>
                     <a:lnR w="12700" cap="flat" cmpd="sng" algn="ctr">
-                      <a:noFill/>
+                      <a:solidFill>
+                        <a:schemeClr val="tx1"/>
+                      </a:solidFill>
                       <a:prstDash val="solid"/>
                       <a:round/>
                       <a:headEnd type="none" w="med" len="med"/>
                       <a:tailEnd type="none" w="med" len="med"/>
                     </a:lnR>
-                    <a:lnT w="6350" cap="flat" cmpd="sng" algn="ctr">
+                    <a:lnT w="12700" cap="flat" cmpd="sng" algn="ctr">
                       <a:solidFill>
-                        <a:schemeClr val="bg1">
-                          <a:lumMod val="50000"/>
-                        </a:schemeClr>
+                        <a:schemeClr val="tx1"/>
                       </a:solidFill>
                       <a:prstDash val="solid"/>
                       <a:round/>
                       <a:headEnd type="none" w="med" len="med"/>
                       <a:tailEnd type="none" w="med" len="med"/>
                     </a:lnT>
-                    <a:lnB w="6350" cap="flat" cmpd="sng" algn="ctr">
+                    <a:lnB w="12700" cap="flat" cmpd="sng" algn="ctr">
                       <a:solidFill>
-                        <a:schemeClr val="bg1">
-                          <a:lumMod val="50000"/>
-                        </a:schemeClr>
+                        <a:schemeClr val="tx1"/>
                       </a:solidFill>
                       <a:prstDash val="solid"/>
                       <a:round/>
@@ -7128,16 +6747,18 @@
                       <a:noFill/>
                       <a:prstDash val="solid"/>
                     </a:lnBlToTr>
-                    <a:noFill/>
+                    <a:solidFill>
+                      <a:schemeClr val="bg1"/>
+                    </a:solidFill>
                   </a:tcPr>
                 </a:tc>
                 <a:extLst>
                   <a:ext uri="{0D108BD9-81ED-4DB2-BD59-A6C34878D82A}">
-                    <a16:rowId xmlns:a16="http://schemas.microsoft.com/office/drawing/2014/main" val="2069100695"/>
+                    <a16:rowId xmlns:a16="http://schemas.microsoft.com/office/drawing/2014/main" val="1650703200"/>
                   </a:ext>
                 </a:extLst>
               </a:tr>
-              <a:tr h="750528">
+              <a:tr h="1528138">
                 <a:tc>
                   <a:txBody>
                     <a:bodyPr/>
@@ -7188,36 +6809,36 @@
                     </a:p>
                   </a:txBody>
                   <a:tcPr anchor="ctr">
-                    <a:lnL>
-                      <a:noFill/>
+                    <a:lnL w="12700" cap="flat" cmpd="sng" algn="ctr">
+                      <a:solidFill>
+                        <a:schemeClr val="tx1"/>
+                      </a:solidFill>
+                      <a:prstDash val="solid"/>
+                      <a:round/>
+                      <a:headEnd type="none" w="med" len="med"/>
+                      <a:tailEnd type="none" w="med" len="med"/>
                     </a:lnL>
-                    <a:lnR w="6350" cap="flat" cmpd="sng" algn="ctr">
+                    <a:lnR w="12700" cap="flat" cmpd="sng" algn="ctr">
                       <a:solidFill>
-                        <a:schemeClr val="bg1">
-                          <a:lumMod val="50000"/>
-                        </a:schemeClr>
+                        <a:schemeClr val="tx1"/>
                       </a:solidFill>
                       <a:prstDash val="solid"/>
                       <a:round/>
                       <a:headEnd type="none" w="med" len="med"/>
                       <a:tailEnd type="none" w="med" len="med"/>
                     </a:lnR>
-                    <a:lnT w="6350" cap="flat" cmpd="sng" algn="ctr">
+                    <a:lnT w="12700" cap="flat" cmpd="sng" algn="ctr">
                       <a:solidFill>
-                        <a:schemeClr val="bg1">
-                          <a:lumMod val="50000"/>
-                        </a:schemeClr>
+                        <a:schemeClr val="tx1"/>
                       </a:solidFill>
                       <a:prstDash val="solid"/>
                       <a:round/>
                       <a:headEnd type="none" w="med" len="med"/>
                       <a:tailEnd type="none" w="med" len="med"/>
                     </a:lnT>
-                    <a:lnB w="6350" cap="flat" cmpd="sng" algn="ctr">
+                    <a:lnB w="12700" cap="flat" cmpd="sng" algn="ctr">
                       <a:solidFill>
-                        <a:schemeClr val="bg1">
-                          <a:lumMod val="50000"/>
-                        </a:schemeClr>
+                        <a:schemeClr val="tx1"/>
                       </a:solidFill>
                       <a:prstDash val="solid"/>
                       <a:round/>
@@ -7257,44 +6878,36 @@
                     </a:p>
                   </a:txBody>
                   <a:tcPr anchor="ctr">
-                    <a:lnL w="6350" cap="flat" cmpd="sng" algn="ctr">
+                    <a:lnL w="12700" cap="flat" cmpd="sng" algn="ctr">
                       <a:solidFill>
-                        <a:schemeClr val="bg1">
-                          <a:lumMod val="50000"/>
-                        </a:schemeClr>
+                        <a:schemeClr val="tx1"/>
                       </a:solidFill>
                       <a:prstDash val="solid"/>
                       <a:round/>
                       <a:headEnd type="none" w="med" len="med"/>
                       <a:tailEnd type="none" w="med" len="med"/>
                     </a:lnL>
-                    <a:lnR w="6350" cap="flat" cmpd="sng" algn="ctr">
+                    <a:lnR w="12700" cap="flat" cmpd="sng" algn="ctr">
                       <a:solidFill>
-                        <a:schemeClr val="bg1">
-                          <a:lumMod val="50000"/>
-                        </a:schemeClr>
+                        <a:schemeClr val="tx1"/>
                       </a:solidFill>
                       <a:prstDash val="solid"/>
                       <a:round/>
                       <a:headEnd type="none" w="med" len="med"/>
                       <a:tailEnd type="none" w="med" len="med"/>
                     </a:lnR>
-                    <a:lnT w="6350" cap="flat" cmpd="sng" algn="ctr">
+                    <a:lnT w="12700" cap="flat" cmpd="sng" algn="ctr">
                       <a:solidFill>
-                        <a:schemeClr val="bg1">
-                          <a:lumMod val="50000"/>
-                        </a:schemeClr>
+                        <a:schemeClr val="tx1"/>
                       </a:solidFill>
                       <a:prstDash val="solid"/>
                       <a:round/>
                       <a:headEnd type="none" w="med" len="med"/>
                       <a:tailEnd type="none" w="med" len="med"/>
                     </a:lnT>
-                    <a:lnB w="6350" cap="flat" cmpd="sng" algn="ctr">
+                    <a:lnB w="12700" cap="flat" cmpd="sng" algn="ctr">
                       <a:solidFill>
-                        <a:schemeClr val="bg1">
-                          <a:lumMod val="50000"/>
-                        </a:schemeClr>
+                        <a:schemeClr val="tx1"/>
                       </a:solidFill>
                       <a:prstDash val="solid"/>
                       <a:round/>
@@ -7356,44 +6969,36 @@
                     </a:p>
                   </a:txBody>
                   <a:tcPr anchor="ctr">
-                    <a:lnL w="6350" cap="flat" cmpd="sng" algn="ctr">
+                    <a:lnL w="12700" cap="flat" cmpd="sng" algn="ctr">
                       <a:solidFill>
-                        <a:schemeClr val="bg1">
-                          <a:lumMod val="50000"/>
-                        </a:schemeClr>
+                        <a:schemeClr val="tx1"/>
                       </a:solidFill>
                       <a:prstDash val="solid"/>
                       <a:round/>
                       <a:headEnd type="none" w="med" len="med"/>
                       <a:tailEnd type="none" w="med" len="med"/>
                     </a:lnL>
-                    <a:lnR w="6350" cap="flat" cmpd="sng" algn="ctr">
+                    <a:lnR w="12700" cap="flat" cmpd="sng" algn="ctr">
                       <a:solidFill>
-                        <a:schemeClr val="bg1">
-                          <a:lumMod val="50000"/>
-                        </a:schemeClr>
+                        <a:schemeClr val="tx1"/>
                       </a:solidFill>
                       <a:prstDash val="solid"/>
                       <a:round/>
                       <a:headEnd type="none" w="med" len="med"/>
                       <a:tailEnd type="none" w="med" len="med"/>
                     </a:lnR>
-                    <a:lnT w="6350" cap="flat" cmpd="sng" algn="ctr">
+                    <a:lnT w="12700" cap="flat" cmpd="sng" algn="ctr">
                       <a:solidFill>
-                        <a:schemeClr val="bg1">
-                          <a:lumMod val="50000"/>
-                        </a:schemeClr>
+                        <a:schemeClr val="tx1"/>
                       </a:solidFill>
                       <a:prstDash val="solid"/>
                       <a:round/>
                       <a:headEnd type="none" w="med" len="med"/>
                       <a:tailEnd type="none" w="med" len="med"/>
                     </a:lnT>
-                    <a:lnB w="6350" cap="flat" cmpd="sng" algn="ctr">
+                    <a:lnB w="12700" cap="flat" cmpd="sng" algn="ctr">
                       <a:solidFill>
-                        <a:schemeClr val="bg1">
-                          <a:lumMod val="50000"/>
-                        </a:schemeClr>
+                        <a:schemeClr val="tx1"/>
                       </a:solidFill>
                       <a:prstDash val="solid"/>
                       <a:round/>
@@ -7433,11 +7038,9 @@
                     </a:p>
                   </a:txBody>
                   <a:tcPr anchor="ctr">
-                    <a:lnL w="6350" cap="flat" cmpd="sng" algn="ctr">
+                    <a:lnL w="12700" cap="flat" cmpd="sng" algn="ctr">
                       <a:solidFill>
-                        <a:schemeClr val="bg1">
-                          <a:lumMod val="50000"/>
-                        </a:schemeClr>
+                        <a:schemeClr val="tx1"/>
                       </a:solidFill>
                       <a:prstDash val="solid"/>
                       <a:round/>
@@ -7445,28 +7048,26 @@
                       <a:tailEnd type="none" w="med" len="med"/>
                     </a:lnL>
                     <a:lnR w="12700" cap="flat" cmpd="sng" algn="ctr">
-                      <a:noFill/>
+                      <a:solidFill>
+                        <a:schemeClr val="tx1"/>
+                      </a:solidFill>
                       <a:prstDash val="solid"/>
                       <a:round/>
                       <a:headEnd type="none" w="med" len="med"/>
                       <a:tailEnd type="none" w="med" len="med"/>
                     </a:lnR>
-                    <a:lnT w="6350" cap="flat" cmpd="sng" algn="ctr">
+                    <a:lnT w="12700" cap="flat" cmpd="sng" algn="ctr">
                       <a:solidFill>
-                        <a:schemeClr val="bg1">
-                          <a:lumMod val="50000"/>
-                        </a:schemeClr>
+                        <a:schemeClr val="tx1"/>
                       </a:solidFill>
                       <a:prstDash val="solid"/>
                       <a:round/>
                       <a:headEnd type="none" w="med" len="med"/>
                       <a:tailEnd type="none" w="med" len="med"/>
                     </a:lnT>
-                    <a:lnB w="6350" cap="flat" cmpd="sng" algn="ctr">
+                    <a:lnB w="12700" cap="flat" cmpd="sng" algn="ctr">
                       <a:solidFill>
-                        <a:schemeClr val="bg1">
-                          <a:lumMod val="50000"/>
-                        </a:schemeClr>
+                        <a:schemeClr val="tx1"/>
                       </a:solidFill>
                       <a:prstDash val="solid"/>
                       <a:round/>
@@ -7491,7 +7092,29 @@
                     <a:bodyPr/>
                     <a:lstStyle/>
                     <a:p>
-                      <a:pPr algn="ctr" latinLnBrk="1"/>
+                      <a:pPr marL="0" algn="ctr" defTabSz="914400" rtl="0" eaLnBrk="1" latinLnBrk="1" hangingPunct="1"/>
+                      <a:r>
+                        <a:rPr lang="ko-KR" altLang="en-US" sz="1400" kern="1200" spc="-150" dirty="0">
+                          <a:solidFill>
+                            <a:srgbClr val="40474D"/>
+                          </a:solidFill>
+                          <a:latin typeface="+mn-ea"/>
+                          <a:ea typeface="+mn-ea"/>
+                          <a:cs typeface="+mn-cs"/>
+                        </a:rPr>
+                        <a:t>사전에 등록한 결제수단으로 자동결제를 진행하고 싶다</a:t>
+                      </a:r>
+                      <a:r>
+                        <a:rPr lang="en-US" altLang="ko-KR" sz="1400" kern="1200" spc="-150" dirty="0">
+                          <a:solidFill>
+                            <a:srgbClr val="40474D"/>
+                          </a:solidFill>
+                          <a:latin typeface="+mn-ea"/>
+                          <a:ea typeface="+mn-ea"/>
+                          <a:cs typeface="+mn-cs"/>
+                        </a:rPr>
+                        <a:t>.</a:t>
+                      </a:r>
                       <a:endParaRPr lang="ko-KR" altLang="en-US" sz="1400" kern="1200" spc="-150" dirty="0">
                         <a:solidFill>
                           <a:srgbClr val="40474D"/>
@@ -7503,36 +7126,36 @@
                     </a:p>
                   </a:txBody>
                   <a:tcPr anchor="ctr">
-                    <a:lnL w="6350" cap="flat" cmpd="sng" algn="ctr">
-                      <a:noFill/>
+                    <a:lnL w="12700" cap="flat" cmpd="sng" algn="ctr">
+                      <a:solidFill>
+                        <a:schemeClr val="tx1"/>
+                      </a:solidFill>
                       <a:prstDash val="solid"/>
                       <a:round/>
                       <a:headEnd type="none" w="med" len="med"/>
                       <a:tailEnd type="none" w="med" len="med"/>
                     </a:lnL>
                     <a:lnR w="12700" cap="flat" cmpd="sng" algn="ctr">
-                      <a:noFill/>
+                      <a:solidFill>
+                        <a:schemeClr val="tx1"/>
+                      </a:solidFill>
                       <a:prstDash val="solid"/>
                       <a:round/>
                       <a:headEnd type="none" w="med" len="med"/>
                       <a:tailEnd type="none" w="med" len="med"/>
                     </a:lnR>
-                    <a:lnT w="6350" cap="flat" cmpd="sng" algn="ctr">
+                    <a:lnT w="12700" cap="flat" cmpd="sng" algn="ctr">
                       <a:solidFill>
-                        <a:schemeClr val="bg1">
-                          <a:lumMod val="50000"/>
-                        </a:schemeClr>
+                        <a:schemeClr val="tx1"/>
                       </a:solidFill>
                       <a:prstDash val="solid"/>
                       <a:round/>
                       <a:headEnd type="none" w="med" len="med"/>
                       <a:tailEnd type="none" w="med" len="med"/>
                     </a:lnT>
-                    <a:lnB w="6350" cap="flat" cmpd="sng" algn="ctr">
+                    <a:lnB w="12700" cap="flat" cmpd="sng" algn="ctr">
                       <a:solidFill>
-                        <a:schemeClr val="bg1">
-                          <a:lumMod val="50000"/>
-                        </a:schemeClr>
+                        <a:schemeClr val="tx1"/>
                       </a:solidFill>
                       <a:prstDash val="solid"/>
                       <a:round/>
@@ -7558,7 +7181,7 @@
                   </a:ext>
                 </a:extLst>
               </a:tr>
-              <a:tr h="967338">
+              <a:tr h="1385182">
                 <a:tc>
                   <a:txBody>
                     <a:bodyPr/>
@@ -7601,36 +7224,36 @@
                     </a:p>
                   </a:txBody>
                   <a:tcPr anchor="ctr">
-                    <a:lnL>
-                      <a:noFill/>
+                    <a:lnL w="12700" cap="flat" cmpd="sng" algn="ctr">
+                      <a:solidFill>
+                        <a:schemeClr val="tx1"/>
+                      </a:solidFill>
+                      <a:prstDash val="solid"/>
+                      <a:round/>
+                      <a:headEnd type="none" w="med" len="med"/>
+                      <a:tailEnd type="none" w="med" len="med"/>
                     </a:lnL>
-                    <a:lnR w="6350" cap="flat" cmpd="sng" algn="ctr">
+                    <a:lnR w="12700" cap="flat" cmpd="sng" algn="ctr">
                       <a:solidFill>
-                        <a:schemeClr val="bg1">
-                          <a:lumMod val="50000"/>
-                        </a:schemeClr>
+                        <a:schemeClr val="tx1"/>
                       </a:solidFill>
                       <a:prstDash val="solid"/>
                       <a:round/>
                       <a:headEnd type="none" w="med" len="med"/>
                       <a:tailEnd type="none" w="med" len="med"/>
                     </a:lnR>
-                    <a:lnT w="6350" cap="flat" cmpd="sng" algn="ctr">
+                    <a:lnT w="12700" cap="flat" cmpd="sng" algn="ctr">
                       <a:solidFill>
-                        <a:schemeClr val="bg1">
-                          <a:lumMod val="50000"/>
-                        </a:schemeClr>
+                        <a:schemeClr val="tx1"/>
                       </a:solidFill>
                       <a:prstDash val="solid"/>
                       <a:round/>
                       <a:headEnd type="none" w="med" len="med"/>
                       <a:tailEnd type="none" w="med" len="med"/>
                     </a:lnT>
-                    <a:lnB w="6350" cap="flat" cmpd="sng" algn="ctr">
+                    <a:lnB w="12700" cap="flat" cmpd="sng" algn="ctr">
                       <a:solidFill>
-                        <a:schemeClr val="bg1">
-                          <a:lumMod val="50000"/>
-                        </a:schemeClr>
+                        <a:schemeClr val="tx1"/>
                       </a:solidFill>
                       <a:prstDash val="solid"/>
                       <a:round/>
@@ -7692,44 +7315,36 @@
                     </a:p>
                   </a:txBody>
                   <a:tcPr anchor="ctr">
-                    <a:lnL w="6350" cap="flat" cmpd="sng" algn="ctr">
+                    <a:lnL w="12700" cap="flat" cmpd="sng" algn="ctr">
                       <a:solidFill>
-                        <a:schemeClr val="bg1">
-                          <a:lumMod val="50000"/>
-                        </a:schemeClr>
+                        <a:schemeClr val="tx1"/>
                       </a:solidFill>
                       <a:prstDash val="solid"/>
                       <a:round/>
                       <a:headEnd type="none" w="med" len="med"/>
                       <a:tailEnd type="none" w="med" len="med"/>
                     </a:lnL>
-                    <a:lnR w="6350" cap="flat" cmpd="sng" algn="ctr">
+                    <a:lnR w="12700" cap="flat" cmpd="sng" algn="ctr">
                       <a:solidFill>
-                        <a:schemeClr val="bg1">
-                          <a:lumMod val="50000"/>
-                        </a:schemeClr>
+                        <a:schemeClr val="tx1"/>
                       </a:solidFill>
                       <a:prstDash val="solid"/>
                       <a:round/>
                       <a:headEnd type="none" w="med" len="med"/>
                       <a:tailEnd type="none" w="med" len="med"/>
                     </a:lnR>
-                    <a:lnT w="6350" cap="flat" cmpd="sng" algn="ctr">
+                    <a:lnT w="12700" cap="flat" cmpd="sng" algn="ctr">
                       <a:solidFill>
-                        <a:schemeClr val="bg1">
-                          <a:lumMod val="50000"/>
-                        </a:schemeClr>
+                        <a:schemeClr val="tx1"/>
                       </a:solidFill>
                       <a:prstDash val="solid"/>
                       <a:round/>
                       <a:headEnd type="none" w="med" len="med"/>
                       <a:tailEnd type="none" w="med" len="med"/>
                     </a:lnT>
-                    <a:lnB w="6350" cap="flat" cmpd="sng" algn="ctr">
+                    <a:lnB w="12700" cap="flat" cmpd="sng" algn="ctr">
                       <a:solidFill>
-                        <a:schemeClr val="bg1">
-                          <a:lumMod val="50000"/>
-                        </a:schemeClr>
+                        <a:schemeClr val="tx1"/>
                       </a:solidFill>
                       <a:prstDash val="solid"/>
                       <a:round/>
@@ -7769,44 +7384,36 @@
                     </a:p>
                   </a:txBody>
                   <a:tcPr anchor="ctr">
-                    <a:lnL w="6350" cap="flat" cmpd="sng" algn="ctr">
+                    <a:lnL w="12700" cap="flat" cmpd="sng" algn="ctr">
                       <a:solidFill>
-                        <a:schemeClr val="bg1">
-                          <a:lumMod val="50000"/>
-                        </a:schemeClr>
+                        <a:schemeClr val="tx1"/>
                       </a:solidFill>
                       <a:prstDash val="solid"/>
                       <a:round/>
                       <a:headEnd type="none" w="med" len="med"/>
                       <a:tailEnd type="none" w="med" len="med"/>
                     </a:lnL>
-                    <a:lnR w="6350" cap="flat" cmpd="sng" algn="ctr">
+                    <a:lnR w="12700" cap="flat" cmpd="sng" algn="ctr">
                       <a:solidFill>
-                        <a:schemeClr val="bg1">
-                          <a:lumMod val="50000"/>
-                        </a:schemeClr>
+                        <a:schemeClr val="tx1"/>
                       </a:solidFill>
                       <a:prstDash val="solid"/>
                       <a:round/>
                       <a:headEnd type="none" w="med" len="med"/>
                       <a:tailEnd type="none" w="med" len="med"/>
                     </a:lnR>
-                    <a:lnT w="6350" cap="flat" cmpd="sng" algn="ctr">
+                    <a:lnT w="12700" cap="flat" cmpd="sng" algn="ctr">
                       <a:solidFill>
-                        <a:schemeClr val="bg1">
-                          <a:lumMod val="50000"/>
-                        </a:schemeClr>
+                        <a:schemeClr val="tx1"/>
                       </a:solidFill>
                       <a:prstDash val="solid"/>
                       <a:round/>
                       <a:headEnd type="none" w="med" len="med"/>
                       <a:tailEnd type="none" w="med" len="med"/>
                     </a:lnT>
-                    <a:lnB w="6350" cap="flat" cmpd="sng" algn="ctr">
+                    <a:lnB w="12700" cap="flat" cmpd="sng" algn="ctr">
                       <a:solidFill>
-                        <a:schemeClr val="bg1">
-                          <a:lumMod val="50000"/>
-                        </a:schemeClr>
+                        <a:schemeClr val="tx1"/>
                       </a:solidFill>
                       <a:prstDash val="solid"/>
                       <a:round/>
@@ -7865,11 +7472,9 @@
                     </a:p>
                   </a:txBody>
                   <a:tcPr anchor="ctr">
-                    <a:lnL w="6350" cap="flat" cmpd="sng" algn="ctr">
+                    <a:lnL w="12700" cap="flat" cmpd="sng" algn="ctr">
                       <a:solidFill>
-                        <a:schemeClr val="bg1">
-                          <a:lumMod val="50000"/>
-                        </a:schemeClr>
+                        <a:schemeClr val="tx1"/>
                       </a:solidFill>
                       <a:prstDash val="solid"/>
                       <a:round/>
@@ -7877,28 +7482,26 @@
                       <a:tailEnd type="none" w="med" len="med"/>
                     </a:lnL>
                     <a:lnR w="12700" cap="flat" cmpd="sng" algn="ctr">
-                      <a:noFill/>
+                      <a:solidFill>
+                        <a:schemeClr val="tx1"/>
+                      </a:solidFill>
                       <a:prstDash val="solid"/>
                       <a:round/>
                       <a:headEnd type="none" w="med" len="med"/>
                       <a:tailEnd type="none" w="med" len="med"/>
                     </a:lnR>
-                    <a:lnT w="6350" cap="flat" cmpd="sng" algn="ctr">
+                    <a:lnT w="12700" cap="flat" cmpd="sng" algn="ctr">
                       <a:solidFill>
-                        <a:schemeClr val="bg1">
-                          <a:lumMod val="50000"/>
-                        </a:schemeClr>
+                        <a:schemeClr val="tx1"/>
                       </a:solidFill>
                       <a:prstDash val="solid"/>
                       <a:round/>
                       <a:headEnd type="none" w="med" len="med"/>
                       <a:tailEnd type="none" w="med" len="med"/>
                     </a:lnT>
-                    <a:lnB w="6350" cap="flat" cmpd="sng" algn="ctr">
+                    <a:lnB w="12700" cap="flat" cmpd="sng" algn="ctr">
                       <a:solidFill>
-                        <a:schemeClr val="bg1">
-                          <a:lumMod val="50000"/>
-                        </a:schemeClr>
+                        <a:schemeClr val="tx1"/>
                       </a:solidFill>
                       <a:prstDash val="solid"/>
                       <a:round/>
@@ -7923,7 +7526,29 @@
                     <a:bodyPr/>
                     <a:lstStyle/>
                     <a:p>
-                      <a:pPr algn="ctr" latinLnBrk="1"/>
+                      <a:pPr marL="0" algn="ctr" defTabSz="914400" rtl="0" eaLnBrk="1" latinLnBrk="1" hangingPunct="1"/>
+                      <a:r>
+                        <a:rPr lang="ko-KR" altLang="en-US" sz="1400" kern="1200" spc="-150" dirty="0">
+                          <a:solidFill>
+                            <a:srgbClr val="40474D"/>
+                          </a:solidFill>
+                          <a:latin typeface="+mn-ea"/>
+                          <a:ea typeface="+mn-ea"/>
+                          <a:cs typeface="+mn-cs"/>
+                        </a:rPr>
+                        <a:t>목적지에 킥보드를 반납하고 지금까지 계산된 요금을 결제한다</a:t>
+                      </a:r>
+                      <a:r>
+                        <a:rPr lang="en-US" altLang="ko-KR" sz="1400" kern="1200" spc="-150" dirty="0">
+                          <a:solidFill>
+                            <a:srgbClr val="40474D"/>
+                          </a:solidFill>
+                          <a:latin typeface="+mn-ea"/>
+                          <a:ea typeface="+mn-ea"/>
+                          <a:cs typeface="+mn-cs"/>
+                        </a:rPr>
+                        <a:t>.</a:t>
+                      </a:r>
                       <a:endParaRPr lang="ko-KR" altLang="en-US" sz="1400" kern="1200" spc="-150" dirty="0">
                         <a:solidFill>
                           <a:srgbClr val="40474D"/>
@@ -7935,36 +7560,36 @@
                     </a:p>
                   </a:txBody>
                   <a:tcPr anchor="ctr">
-                    <a:lnL w="6350" cap="flat" cmpd="sng" algn="ctr">
-                      <a:noFill/>
+                    <a:lnL w="12700" cap="flat" cmpd="sng" algn="ctr">
+                      <a:solidFill>
+                        <a:schemeClr val="tx1"/>
+                      </a:solidFill>
                       <a:prstDash val="solid"/>
                       <a:round/>
                       <a:headEnd type="none" w="med" len="med"/>
                       <a:tailEnd type="none" w="med" len="med"/>
                     </a:lnL>
                     <a:lnR w="12700" cap="flat" cmpd="sng" algn="ctr">
-                      <a:noFill/>
+                      <a:solidFill>
+                        <a:schemeClr val="tx1"/>
+                      </a:solidFill>
                       <a:prstDash val="solid"/>
                       <a:round/>
                       <a:headEnd type="none" w="med" len="med"/>
                       <a:tailEnd type="none" w="med" len="med"/>
                     </a:lnR>
-                    <a:lnT w="6350" cap="flat" cmpd="sng" algn="ctr">
+                    <a:lnT w="12700" cap="flat" cmpd="sng" algn="ctr">
                       <a:solidFill>
-                        <a:schemeClr val="bg1">
-                          <a:lumMod val="50000"/>
-                        </a:schemeClr>
+                        <a:schemeClr val="tx1"/>
                       </a:solidFill>
                       <a:prstDash val="solid"/>
                       <a:round/>
                       <a:headEnd type="none" w="med" len="med"/>
                       <a:tailEnd type="none" w="med" len="med"/>
                     </a:lnT>
-                    <a:lnB w="6350" cap="flat" cmpd="sng" algn="ctr">
+                    <a:lnB w="12700" cap="flat" cmpd="sng" algn="ctr">
                       <a:solidFill>
-                        <a:schemeClr val="bg1">
-                          <a:lumMod val="50000"/>
-                        </a:schemeClr>
+                        <a:schemeClr val="tx1"/>
                       </a:solidFill>
                       <a:prstDash val="solid"/>
                       <a:round/>
@@ -7990,7 +7615,7 @@
                   </a:ext>
                 </a:extLst>
               </a:tr>
-              <a:tr h="598573">
+              <a:tr h="914303">
                 <a:tc>
                   <a:txBody>
                     <a:bodyPr/>
@@ -8011,36 +7636,36 @@
                     </a:p>
                   </a:txBody>
                   <a:tcPr anchor="ctr">
-                    <a:lnL>
-                      <a:noFill/>
+                    <a:lnL w="12700" cap="flat" cmpd="sng" algn="ctr">
+                      <a:solidFill>
+                        <a:schemeClr val="tx1"/>
+                      </a:solidFill>
+                      <a:prstDash val="solid"/>
+                      <a:round/>
+                      <a:headEnd type="none" w="med" len="med"/>
+                      <a:tailEnd type="none" w="med" len="med"/>
                     </a:lnL>
-                    <a:lnR w="6350" cap="flat" cmpd="sng" algn="ctr">
+                    <a:lnR w="12700" cap="flat" cmpd="sng" algn="ctr">
                       <a:solidFill>
-                        <a:schemeClr val="bg1">
-                          <a:lumMod val="50000"/>
-                        </a:schemeClr>
+                        <a:schemeClr val="tx1"/>
                       </a:solidFill>
                       <a:prstDash val="solid"/>
                       <a:round/>
                       <a:headEnd type="none" w="med" len="med"/>
                       <a:tailEnd type="none" w="med" len="med"/>
                     </a:lnR>
-                    <a:lnT w="6350" cap="flat" cmpd="sng" algn="ctr">
+                    <a:lnT w="12700" cap="flat" cmpd="sng" algn="ctr">
                       <a:solidFill>
-                        <a:schemeClr val="bg1">
-                          <a:lumMod val="50000"/>
-                        </a:schemeClr>
+                        <a:schemeClr val="tx1"/>
                       </a:solidFill>
                       <a:prstDash val="solid"/>
                       <a:round/>
                       <a:headEnd type="none" w="med" len="med"/>
                       <a:tailEnd type="none" w="med" len="med"/>
                     </a:lnT>
-                    <a:lnB w="6350" cap="flat" cmpd="sng" algn="ctr">
+                    <a:lnB w="12700" cap="flat" cmpd="sng" algn="ctr">
                       <a:solidFill>
-                        <a:schemeClr val="bg1">
-                          <a:lumMod val="50000"/>
-                        </a:schemeClr>
+                        <a:schemeClr val="tx1"/>
                       </a:solidFill>
                       <a:prstDash val="solid"/>
                       <a:round/>
@@ -8102,44 +7727,36 @@
                     </a:p>
                   </a:txBody>
                   <a:tcPr anchor="ctr">
-                    <a:lnL w="6350" cap="flat" cmpd="sng" algn="ctr">
+                    <a:lnL w="12700" cap="flat" cmpd="sng" algn="ctr">
                       <a:solidFill>
-                        <a:schemeClr val="bg1">
-                          <a:lumMod val="50000"/>
-                        </a:schemeClr>
+                        <a:schemeClr val="tx1"/>
                       </a:solidFill>
                       <a:prstDash val="solid"/>
                       <a:round/>
                       <a:headEnd type="none" w="med" len="med"/>
                       <a:tailEnd type="none" w="med" len="med"/>
                     </a:lnL>
-                    <a:lnR w="6350" cap="flat" cmpd="sng" algn="ctr">
+                    <a:lnR w="12700" cap="flat" cmpd="sng" algn="ctr">
                       <a:solidFill>
-                        <a:schemeClr val="bg1">
-                          <a:lumMod val="50000"/>
-                        </a:schemeClr>
+                        <a:schemeClr val="tx1"/>
                       </a:solidFill>
                       <a:prstDash val="solid"/>
                       <a:round/>
                       <a:headEnd type="none" w="med" len="med"/>
                       <a:tailEnd type="none" w="med" len="med"/>
                     </a:lnR>
-                    <a:lnT w="6350" cap="flat" cmpd="sng" algn="ctr">
+                    <a:lnT w="12700" cap="flat" cmpd="sng" algn="ctr">
                       <a:solidFill>
-                        <a:schemeClr val="bg1">
-                          <a:lumMod val="50000"/>
-                        </a:schemeClr>
+                        <a:schemeClr val="tx1"/>
                       </a:solidFill>
                       <a:prstDash val="solid"/>
                       <a:round/>
                       <a:headEnd type="none" w="med" len="med"/>
                       <a:tailEnd type="none" w="med" len="med"/>
                     </a:lnT>
-                    <a:lnB w="6350" cap="flat" cmpd="sng" algn="ctr">
+                    <a:lnB w="12700" cap="flat" cmpd="sng" algn="ctr">
                       <a:solidFill>
-                        <a:schemeClr val="bg1">
-                          <a:lumMod val="50000"/>
-                        </a:schemeClr>
+                        <a:schemeClr val="tx1"/>
                       </a:solidFill>
                       <a:prstDash val="solid"/>
                       <a:round/>
@@ -8201,44 +7818,36 @@
                     </a:p>
                   </a:txBody>
                   <a:tcPr anchor="ctr">
-                    <a:lnL w="6350" cap="flat" cmpd="sng" algn="ctr">
+                    <a:lnL w="12700" cap="flat" cmpd="sng" algn="ctr">
                       <a:solidFill>
-                        <a:schemeClr val="bg1">
-                          <a:lumMod val="50000"/>
-                        </a:schemeClr>
+                        <a:schemeClr val="tx1"/>
                       </a:solidFill>
                       <a:prstDash val="solid"/>
                       <a:round/>
                       <a:headEnd type="none" w="med" len="med"/>
                       <a:tailEnd type="none" w="med" len="med"/>
                     </a:lnL>
-                    <a:lnR w="6350" cap="flat" cmpd="sng" algn="ctr">
+                    <a:lnR w="12700" cap="flat" cmpd="sng" algn="ctr">
                       <a:solidFill>
-                        <a:schemeClr val="bg1">
-                          <a:lumMod val="50000"/>
-                        </a:schemeClr>
+                        <a:schemeClr val="tx1"/>
                       </a:solidFill>
                       <a:prstDash val="solid"/>
                       <a:round/>
                       <a:headEnd type="none" w="med" len="med"/>
                       <a:tailEnd type="none" w="med" len="med"/>
                     </a:lnR>
-                    <a:lnT w="6350" cap="flat" cmpd="sng" algn="ctr">
+                    <a:lnT w="12700" cap="flat" cmpd="sng" algn="ctr">
                       <a:solidFill>
-                        <a:schemeClr val="bg1">
-                          <a:lumMod val="50000"/>
-                        </a:schemeClr>
+                        <a:schemeClr val="tx1"/>
                       </a:solidFill>
                       <a:prstDash val="solid"/>
                       <a:round/>
                       <a:headEnd type="none" w="med" len="med"/>
                       <a:tailEnd type="none" w="med" len="med"/>
                     </a:lnT>
-                    <a:lnB w="6350" cap="flat" cmpd="sng" algn="ctr">
+                    <a:lnB w="12700" cap="flat" cmpd="sng" algn="ctr">
                       <a:solidFill>
-                        <a:schemeClr val="bg1">
-                          <a:lumMod val="50000"/>
-                        </a:schemeClr>
+                        <a:schemeClr val="tx1"/>
                       </a:solidFill>
                       <a:prstDash val="solid"/>
                       <a:round/>
@@ -8273,7 +7882,7 @@
                           <a:ea typeface="+mn-ea"/>
                           <a:cs typeface="+mn-cs"/>
                         </a:rPr>
-                        <a:t>해당 킥보드를 선택하면 통합 결제 시스템으로 이동된다</a:t>
+                        <a:t>해당 킥보드를 선택하면 통합 결제 시스템에 연동되어 요금계산이 시작된다</a:t>
                       </a:r>
                       <a:r>
                         <a:rPr lang="en-US" altLang="ko-KR" sz="1400" kern="1200" spc="-150" dirty="0">
@@ -8297,11 +7906,9 @@
                     </a:p>
                   </a:txBody>
                   <a:tcPr anchor="ctr">
-                    <a:lnL w="6350" cap="flat" cmpd="sng" algn="ctr">
+                    <a:lnL w="12700" cap="flat" cmpd="sng" algn="ctr">
                       <a:solidFill>
-                        <a:schemeClr val="bg1">
-                          <a:lumMod val="50000"/>
-                        </a:schemeClr>
+                        <a:schemeClr val="tx1"/>
                       </a:solidFill>
                       <a:prstDash val="solid"/>
                       <a:round/>
@@ -8309,28 +7916,26 @@
                       <a:tailEnd type="none" w="med" len="med"/>
                     </a:lnL>
                     <a:lnR w="12700" cap="flat" cmpd="sng" algn="ctr">
-                      <a:noFill/>
+                      <a:solidFill>
+                        <a:schemeClr val="tx1"/>
+                      </a:solidFill>
                       <a:prstDash val="solid"/>
                       <a:round/>
                       <a:headEnd type="none" w="med" len="med"/>
                       <a:tailEnd type="none" w="med" len="med"/>
                     </a:lnR>
-                    <a:lnT w="6350" cap="flat" cmpd="sng" algn="ctr">
+                    <a:lnT w="12700" cap="flat" cmpd="sng" algn="ctr">
                       <a:solidFill>
-                        <a:schemeClr val="bg1">
-                          <a:lumMod val="50000"/>
-                        </a:schemeClr>
+                        <a:schemeClr val="tx1"/>
                       </a:solidFill>
                       <a:prstDash val="solid"/>
                       <a:round/>
                       <a:headEnd type="none" w="med" len="med"/>
                       <a:tailEnd type="none" w="med" len="med"/>
                     </a:lnT>
-                    <a:lnB w="6350" cap="flat" cmpd="sng" algn="ctr">
+                    <a:lnB w="12700" cap="flat" cmpd="sng" algn="ctr">
                       <a:solidFill>
-                        <a:schemeClr val="bg1">
-                          <a:lumMod val="50000"/>
-                        </a:schemeClr>
+                        <a:schemeClr val="tx1"/>
                       </a:solidFill>
                       <a:prstDash val="solid"/>
                       <a:round/>
@@ -8355,7 +7960,29 @@
                     <a:bodyPr/>
                     <a:lstStyle/>
                     <a:p>
-                      <a:pPr algn="ctr" latinLnBrk="1"/>
+                      <a:pPr marL="0" algn="ctr" defTabSz="914400" rtl="0" eaLnBrk="1" latinLnBrk="1" hangingPunct="1"/>
+                      <a:r>
+                        <a:rPr lang="ko-KR" altLang="en-US" sz="1400" kern="1200" spc="-150" dirty="0">
+                          <a:solidFill>
+                            <a:srgbClr val="40474D"/>
+                          </a:solidFill>
+                          <a:latin typeface="+mn-ea"/>
+                          <a:ea typeface="+mn-ea"/>
+                          <a:cs typeface="+mn-cs"/>
+                        </a:rPr>
+                        <a:t>결제 시스템에 의하여 요금이 자동으로 결제되고 완료된다</a:t>
+                      </a:r>
+                      <a:r>
+                        <a:rPr lang="en-US" altLang="ko-KR" sz="1400" kern="1200" spc="-150" dirty="0">
+                          <a:solidFill>
+                            <a:srgbClr val="40474D"/>
+                          </a:solidFill>
+                          <a:latin typeface="+mn-ea"/>
+                          <a:ea typeface="+mn-ea"/>
+                          <a:cs typeface="+mn-cs"/>
+                        </a:rPr>
+                        <a:t>.</a:t>
+                      </a:r>
                       <a:endParaRPr lang="ko-KR" altLang="en-US" sz="1400" kern="1200" spc="-150" dirty="0">
                         <a:solidFill>
                           <a:srgbClr val="40474D"/>
@@ -8367,36 +7994,36 @@
                     </a:p>
                   </a:txBody>
                   <a:tcPr anchor="ctr">
-                    <a:lnL w="6350" cap="flat" cmpd="sng" algn="ctr">
-                      <a:noFill/>
+                    <a:lnL w="12700" cap="flat" cmpd="sng" algn="ctr">
+                      <a:solidFill>
+                        <a:schemeClr val="tx1"/>
+                      </a:solidFill>
                       <a:prstDash val="solid"/>
                       <a:round/>
                       <a:headEnd type="none" w="med" len="med"/>
                       <a:tailEnd type="none" w="med" len="med"/>
                     </a:lnL>
                     <a:lnR w="12700" cap="flat" cmpd="sng" algn="ctr">
-                      <a:noFill/>
+                      <a:solidFill>
+                        <a:schemeClr val="tx1"/>
+                      </a:solidFill>
                       <a:prstDash val="solid"/>
                       <a:round/>
                       <a:headEnd type="none" w="med" len="med"/>
                       <a:tailEnd type="none" w="med" len="med"/>
                     </a:lnR>
-                    <a:lnT w="6350" cap="flat" cmpd="sng" algn="ctr">
+                    <a:lnT w="12700" cap="flat" cmpd="sng" algn="ctr">
                       <a:solidFill>
-                        <a:schemeClr val="bg1">
-                          <a:lumMod val="50000"/>
-                        </a:schemeClr>
+                        <a:schemeClr val="tx1"/>
                       </a:solidFill>
                       <a:prstDash val="solid"/>
                       <a:round/>
                       <a:headEnd type="none" w="med" len="med"/>
                       <a:tailEnd type="none" w="med" len="med"/>
                     </a:lnT>
-                    <a:lnB w="6350" cap="flat" cmpd="sng" algn="ctr">
+                    <a:lnB w="12700" cap="flat" cmpd="sng" algn="ctr">
                       <a:solidFill>
-                        <a:schemeClr val="bg1">
-                          <a:lumMod val="50000"/>
-                        </a:schemeClr>
+                        <a:schemeClr val="tx1"/>
                       </a:solidFill>
                       <a:prstDash val="solid"/>
                       <a:round/>

--- a/UX(박성원 초안).pptx
+++ b/UX(박성원 초안).pptx
@@ -11,16 +11,17 @@
     <p:sldId id="297" r:id="rId5"/>
     <p:sldId id="298" r:id="rId6"/>
     <p:sldId id="276" r:id="rId7"/>
-    <p:sldId id="277" r:id="rId8"/>
-    <p:sldId id="299" r:id="rId9"/>
-    <p:sldId id="281" r:id="rId10"/>
-    <p:sldId id="282" r:id="rId11"/>
-    <p:sldId id="283" r:id="rId12"/>
-    <p:sldId id="284" r:id="rId13"/>
-    <p:sldId id="285" r:id="rId14"/>
-    <p:sldId id="286" r:id="rId15"/>
-    <p:sldId id="287" r:id="rId16"/>
-    <p:sldId id="261" r:id="rId17"/>
+    <p:sldId id="300" r:id="rId8"/>
+    <p:sldId id="277" r:id="rId9"/>
+    <p:sldId id="299" r:id="rId10"/>
+    <p:sldId id="281" r:id="rId11"/>
+    <p:sldId id="282" r:id="rId12"/>
+    <p:sldId id="283" r:id="rId13"/>
+    <p:sldId id="284" r:id="rId14"/>
+    <p:sldId id="285" r:id="rId15"/>
+    <p:sldId id="286" r:id="rId16"/>
+    <p:sldId id="287" r:id="rId17"/>
+    <p:sldId id="261" r:id="rId18"/>
   </p:sldIdLst>
   <p:sldSz cx="12192000" cy="6858000"/>
   <p:notesSz cx="6858000" cy="9144000"/>
@@ -3847,14 +3848,6 @@
 <file path=ppt/slides/slide10.xml><?xml version="1.0" encoding="utf-8"?>
 <p:sld xmlns:a="http://schemas.openxmlformats.org/drawingml/2006/main" xmlns:r="http://schemas.openxmlformats.org/officeDocument/2006/relationships" xmlns:p="http://schemas.openxmlformats.org/presentationml/2006/main">
   <p:cSld>
-    <p:bg>
-      <p:bgPr>
-        <a:solidFill>
-          <a:schemeClr val="accent1"/>
-        </a:solidFill>
-        <a:effectLst/>
-      </p:bgPr>
-    </p:bg>
     <p:spTree>
       <p:nvGrpSpPr>
         <p:cNvPr id="1" name=""/>
@@ -3871,50 +3864,152 @@
       </p:grpSpPr>
       <p:sp>
         <p:nvSpPr>
-          <p:cNvPr id="6" name="TextBox 5">
-            <a:extLst>
-              <a:ext uri="{FF2B5EF4-FFF2-40B4-BE49-F238E27FC236}">
-                <a16:creationId xmlns:a16="http://schemas.microsoft.com/office/drawing/2014/main" id="{A8B2E78A-DD76-4579-AE6D-036298A78335}"/>
-              </a:ext>
-            </a:extLst>
-          </p:cNvPr>
-          <p:cNvSpPr txBox="1"/>
+          <p:cNvPr id="4" name="순서도: 수행의 시작/종료 3">
+            <a:extLst>
+              <a:ext uri="{FF2B5EF4-FFF2-40B4-BE49-F238E27FC236}">
+                <a16:creationId xmlns:a16="http://schemas.microsoft.com/office/drawing/2014/main" id="{DBB2DDD9-D7E4-435B-A972-99C72A3D2779}"/>
+              </a:ext>
+            </a:extLst>
+          </p:cNvPr>
+          <p:cNvSpPr/>
           <p:nvPr/>
         </p:nvSpPr>
         <p:spPr>
           <a:xfrm>
-            <a:off x="3560693" y="2824480"/>
-            <a:ext cx="5070619" cy="923330"/>
+            <a:off x="7594878" y="129093"/>
+            <a:ext cx="1990165" cy="527130"/>
+          </a:xfrm>
+          <a:prstGeom prst="flowChartTerminator">
+            <a:avLst/>
+          </a:prstGeom>
+          <a:solidFill>
+            <a:schemeClr val="accent1">
+              <a:lumMod val="20000"/>
+              <a:lumOff val="80000"/>
+            </a:schemeClr>
+          </a:solidFill>
+        </p:spPr>
+        <p:style>
+          <a:lnRef idx="2">
+            <a:schemeClr val="accent1">
+              <a:shade val="50000"/>
+            </a:schemeClr>
+          </a:lnRef>
+          <a:fillRef idx="1">
+            <a:schemeClr val="accent1"/>
+          </a:fillRef>
+          <a:effectRef idx="0">
+            <a:schemeClr val="accent1"/>
+          </a:effectRef>
+          <a:fontRef idx="minor">
+            <a:schemeClr val="lt1"/>
+          </a:fontRef>
+        </p:style>
+        <p:txBody>
+          <a:bodyPr rtlCol="0" anchor="ctr"/>
+          <a:lstStyle/>
+          <a:p>
+            <a:pPr algn="ctr"/>
+            <a:r>
+              <a:rPr lang="ko-KR" altLang="en-US" sz="1700" dirty="0">
+                <a:solidFill>
+                  <a:schemeClr val="tx1"/>
+                </a:solidFill>
+              </a:rPr>
+              <a:t>메인 페이지</a:t>
+            </a:r>
+          </a:p>
+        </p:txBody>
+      </p:sp>
+      <p:sp>
+        <p:nvSpPr>
+          <p:cNvPr id="5" name="직사각형 4">
+            <a:extLst>
+              <a:ext uri="{FF2B5EF4-FFF2-40B4-BE49-F238E27FC236}">
+                <a16:creationId xmlns:a16="http://schemas.microsoft.com/office/drawing/2014/main" id="{332F21F7-E692-4F40-B00E-CEC6A09F212B}"/>
+              </a:ext>
+            </a:extLst>
+          </p:cNvPr>
+          <p:cNvSpPr/>
+          <p:nvPr/>
+        </p:nvSpPr>
+        <p:spPr>
+          <a:xfrm>
+            <a:off x="7616394" y="2743192"/>
+            <a:ext cx="1947594" cy="527130"/>
           </a:xfrm>
           <a:prstGeom prst="rect">
             <a:avLst/>
           </a:prstGeom>
-          <a:noFill/>
-        </p:spPr>
-        <p:txBody>
-          <a:bodyPr wrap="none" rtlCol="0">
-            <a:spAutoFit/>
-          </a:bodyPr>
+          <a:solidFill>
+            <a:schemeClr val="accent1">
+              <a:lumMod val="20000"/>
+              <a:lumOff val="80000"/>
+            </a:schemeClr>
+          </a:solidFill>
+        </p:spPr>
+        <p:style>
+          <a:lnRef idx="2">
+            <a:schemeClr val="accent1">
+              <a:shade val="50000"/>
+            </a:schemeClr>
+          </a:lnRef>
+          <a:fillRef idx="1">
+            <a:schemeClr val="accent1"/>
+          </a:fillRef>
+          <a:effectRef idx="0">
+            <a:schemeClr val="accent1"/>
+          </a:effectRef>
+          <a:fontRef idx="minor">
+            <a:schemeClr val="lt1"/>
+          </a:fontRef>
+        </p:style>
+        <p:txBody>
+          <a:bodyPr rtlCol="0" anchor="ctr"/>
           <a:lstStyle/>
           <a:p>
             <a:pPr algn="ctr"/>
             <a:r>
-              <a:rPr lang="ko-KR" altLang="en-US" sz="5400" spc="-300" dirty="0">
-                <a:solidFill>
-                  <a:schemeClr val="bg1"/>
-                </a:solidFill>
-              </a:rPr>
-              <a:t>내용을 입력하세요</a:t>
-            </a:r>
-          </a:p>
-        </p:txBody>
-      </p:sp>
-      <p:sp>
-        <p:nvSpPr>
-          <p:cNvPr id="7" name="양쪽 대괄호 6">
-            <a:extLst>
-              <a:ext uri="{FF2B5EF4-FFF2-40B4-BE49-F238E27FC236}">
-                <a16:creationId xmlns:a16="http://schemas.microsoft.com/office/drawing/2014/main" id="{97AE4A29-2593-4900-B755-39346EFAB482}"/>
+              <a:rPr lang="ko-KR" altLang="en-US" sz="1700" dirty="0">
+                <a:solidFill>
+                  <a:schemeClr val="tx1"/>
+                </a:solidFill>
+              </a:rPr>
+              <a:t>지도정보 연동</a:t>
+            </a:r>
+            <a:endParaRPr lang="en-US" altLang="ko-KR" sz="1700" dirty="0">
+              <a:solidFill>
+                <a:schemeClr val="tx1"/>
+              </a:solidFill>
+            </a:endParaRPr>
+          </a:p>
+          <a:p>
+            <a:pPr algn="ctr"/>
+            <a:r>
+              <a:rPr lang="ko-KR" altLang="en-US" sz="1700" dirty="0" err="1">
+                <a:solidFill>
+                  <a:schemeClr val="tx1"/>
+                </a:solidFill>
+              </a:rPr>
+              <a:t>킥보드</a:t>
+            </a:r>
+            <a:r>
+              <a:rPr lang="ko-KR" altLang="en-US" sz="1700" dirty="0">
+                <a:solidFill>
+                  <a:schemeClr val="tx1"/>
+                </a:solidFill>
+              </a:rPr>
+              <a:t> 탐색</a:t>
+            </a:r>
+          </a:p>
+        </p:txBody>
+      </p:sp>
+      <p:sp>
+        <p:nvSpPr>
+          <p:cNvPr id="14" name="직사각형 13">
+            <a:extLst>
+              <a:ext uri="{FF2B5EF4-FFF2-40B4-BE49-F238E27FC236}">
+                <a16:creationId xmlns:a16="http://schemas.microsoft.com/office/drawing/2014/main" id="{AB68E748-4194-4748-892F-B83F4215201C}"/>
               </a:ext>
             </a:extLst>
           </p:cNvPr>
@@ -3923,20 +4018,417 @@
         </p:nvSpPr>
         <p:spPr>
           <a:xfrm>
-            <a:off x="2153919" y="2009279"/>
-            <a:ext cx="7884160" cy="2369066"/>
-          </a:xfrm>
-          <a:prstGeom prst="bracketPair">
-            <a:avLst>
-              <a:gd name="adj" fmla="val 10867"/>
-            </a:avLst>
+            <a:off x="7594878" y="968188"/>
+            <a:ext cx="1947594" cy="527130"/>
+          </a:xfrm>
+          <a:prstGeom prst="rect">
+            <a:avLst/>
+          </a:prstGeom>
+          <a:solidFill>
+            <a:schemeClr val="accent1">
+              <a:lumMod val="20000"/>
+              <a:lumOff val="80000"/>
+            </a:schemeClr>
+          </a:solidFill>
+        </p:spPr>
+        <p:style>
+          <a:lnRef idx="2">
+            <a:schemeClr val="accent1">
+              <a:shade val="50000"/>
+            </a:schemeClr>
+          </a:lnRef>
+          <a:fillRef idx="1">
+            <a:schemeClr val="accent1"/>
+          </a:fillRef>
+          <a:effectRef idx="0">
+            <a:schemeClr val="accent1"/>
+          </a:effectRef>
+          <a:fontRef idx="minor">
+            <a:schemeClr val="lt1"/>
+          </a:fontRef>
+        </p:style>
+        <p:txBody>
+          <a:bodyPr rtlCol="0" anchor="ctr"/>
+          <a:lstStyle/>
+          <a:p>
+            <a:pPr algn="ctr"/>
+            <a:r>
+              <a:rPr lang="ko-KR" altLang="en-US" sz="1700" dirty="0">
+                <a:solidFill>
+                  <a:schemeClr val="tx1"/>
+                </a:solidFill>
+              </a:rPr>
+              <a:t>회원가입</a:t>
+            </a:r>
+          </a:p>
+        </p:txBody>
+      </p:sp>
+      <p:sp>
+        <p:nvSpPr>
+          <p:cNvPr id="15" name="직사각형 14">
+            <a:extLst>
+              <a:ext uri="{FF2B5EF4-FFF2-40B4-BE49-F238E27FC236}">
+                <a16:creationId xmlns:a16="http://schemas.microsoft.com/office/drawing/2014/main" id="{2FFA98FD-D4A0-4143-8622-ECF9B7674513}"/>
+              </a:ext>
+            </a:extLst>
+          </p:cNvPr>
+          <p:cNvSpPr/>
+          <p:nvPr/>
+        </p:nvSpPr>
+        <p:spPr>
+          <a:xfrm>
+            <a:off x="7616394" y="1861069"/>
+            <a:ext cx="1947594" cy="527130"/>
+          </a:xfrm>
+          <a:prstGeom prst="rect">
+            <a:avLst/>
+          </a:prstGeom>
+          <a:solidFill>
+            <a:schemeClr val="accent1">
+              <a:lumMod val="20000"/>
+              <a:lumOff val="80000"/>
+            </a:schemeClr>
+          </a:solidFill>
+        </p:spPr>
+        <p:style>
+          <a:lnRef idx="2">
+            <a:schemeClr val="accent1">
+              <a:shade val="50000"/>
+            </a:schemeClr>
+          </a:lnRef>
+          <a:fillRef idx="1">
+            <a:schemeClr val="accent1"/>
+          </a:fillRef>
+          <a:effectRef idx="0">
+            <a:schemeClr val="accent1"/>
+          </a:effectRef>
+          <a:fontRef idx="minor">
+            <a:schemeClr val="lt1"/>
+          </a:fontRef>
+        </p:style>
+        <p:txBody>
+          <a:bodyPr rtlCol="0" anchor="ctr"/>
+          <a:lstStyle/>
+          <a:p>
+            <a:pPr algn="ctr"/>
+            <a:r>
+              <a:rPr lang="ko-KR" altLang="en-US" sz="1700" dirty="0" err="1">
+                <a:solidFill>
+                  <a:schemeClr val="tx1"/>
+                </a:solidFill>
+              </a:rPr>
+              <a:t>미로그인시</a:t>
+            </a:r>
+            <a:endParaRPr lang="en-US" altLang="ko-KR" sz="1700" dirty="0">
+              <a:solidFill>
+                <a:schemeClr val="tx1"/>
+              </a:solidFill>
+            </a:endParaRPr>
+          </a:p>
+          <a:p>
+            <a:pPr algn="ctr"/>
+            <a:r>
+              <a:rPr lang="ko-KR" altLang="en-US" sz="1700" dirty="0">
+                <a:solidFill>
+                  <a:schemeClr val="tx1"/>
+                </a:solidFill>
+              </a:rPr>
+              <a:t>로그인</a:t>
+            </a:r>
+          </a:p>
+        </p:txBody>
+      </p:sp>
+      <p:sp>
+        <p:nvSpPr>
+          <p:cNvPr id="16" name="직사각형 15">
+            <a:extLst>
+              <a:ext uri="{FF2B5EF4-FFF2-40B4-BE49-F238E27FC236}">
+                <a16:creationId xmlns:a16="http://schemas.microsoft.com/office/drawing/2014/main" id="{E81E1C51-4A89-4A76-9F3D-215434B0EAC1}"/>
+              </a:ext>
+            </a:extLst>
+          </p:cNvPr>
+          <p:cNvSpPr/>
+          <p:nvPr/>
+        </p:nvSpPr>
+        <p:spPr>
+          <a:xfrm>
+            <a:off x="7594878" y="3636075"/>
+            <a:ext cx="1947594" cy="527130"/>
+          </a:xfrm>
+          <a:prstGeom prst="rect">
+            <a:avLst/>
+          </a:prstGeom>
+          <a:solidFill>
+            <a:schemeClr val="accent1">
+              <a:lumMod val="20000"/>
+              <a:lumOff val="80000"/>
+            </a:schemeClr>
+          </a:solidFill>
+        </p:spPr>
+        <p:style>
+          <a:lnRef idx="2">
+            <a:schemeClr val="accent1">
+              <a:shade val="50000"/>
+            </a:schemeClr>
+          </a:lnRef>
+          <a:fillRef idx="1">
+            <a:schemeClr val="accent1"/>
+          </a:fillRef>
+          <a:effectRef idx="0">
+            <a:schemeClr val="accent1"/>
+          </a:effectRef>
+          <a:fontRef idx="minor">
+            <a:schemeClr val="lt1"/>
+          </a:fontRef>
+        </p:style>
+        <p:txBody>
+          <a:bodyPr rtlCol="0" anchor="ctr"/>
+          <a:lstStyle/>
+          <a:p>
+            <a:pPr algn="ctr"/>
+            <a:r>
+              <a:rPr lang="ko-KR" altLang="en-US" sz="1700" dirty="0" err="1">
+                <a:solidFill>
+                  <a:schemeClr val="tx1"/>
+                </a:solidFill>
+              </a:rPr>
+              <a:t>킥보드</a:t>
+            </a:r>
+            <a:r>
+              <a:rPr lang="ko-KR" altLang="en-US" sz="1700" dirty="0">
+                <a:solidFill>
+                  <a:schemeClr val="tx1"/>
+                </a:solidFill>
+              </a:rPr>
+              <a:t> 선택</a:t>
+            </a:r>
+          </a:p>
+        </p:txBody>
+      </p:sp>
+      <p:sp>
+        <p:nvSpPr>
+          <p:cNvPr id="17" name="직사각형 16">
+            <a:extLst>
+              <a:ext uri="{FF2B5EF4-FFF2-40B4-BE49-F238E27FC236}">
+                <a16:creationId xmlns:a16="http://schemas.microsoft.com/office/drawing/2014/main" id="{B61ED718-F7D0-43D7-8A90-225AA77D4C6E}"/>
+              </a:ext>
+            </a:extLst>
+          </p:cNvPr>
+          <p:cNvSpPr/>
+          <p:nvPr/>
+        </p:nvSpPr>
+        <p:spPr>
+          <a:xfrm>
+            <a:off x="7594877" y="4528959"/>
+            <a:ext cx="1947594" cy="527130"/>
+          </a:xfrm>
+          <a:prstGeom prst="rect">
+            <a:avLst/>
+          </a:prstGeom>
+          <a:solidFill>
+            <a:schemeClr val="accent1">
+              <a:lumMod val="20000"/>
+              <a:lumOff val="80000"/>
+            </a:schemeClr>
+          </a:solidFill>
+        </p:spPr>
+        <p:style>
+          <a:lnRef idx="2">
+            <a:schemeClr val="accent1">
+              <a:shade val="50000"/>
+            </a:schemeClr>
+          </a:lnRef>
+          <a:fillRef idx="1">
+            <a:schemeClr val="accent1"/>
+          </a:fillRef>
+          <a:effectRef idx="0">
+            <a:schemeClr val="accent1"/>
+          </a:effectRef>
+          <a:fontRef idx="minor">
+            <a:schemeClr val="lt1"/>
+          </a:fontRef>
+        </p:style>
+        <p:txBody>
+          <a:bodyPr rtlCol="0" anchor="ctr"/>
+          <a:lstStyle/>
+          <a:p>
+            <a:pPr algn="ctr"/>
+            <a:r>
+              <a:rPr lang="ko-KR" altLang="en-US" sz="1700" dirty="0">
+                <a:solidFill>
+                  <a:schemeClr val="tx1"/>
+                </a:solidFill>
+              </a:rPr>
+              <a:t>결제수단 선택</a:t>
+            </a:r>
+            <a:endParaRPr lang="en-US" altLang="ko-KR" sz="1700" dirty="0">
+              <a:solidFill>
+                <a:schemeClr val="tx1"/>
+              </a:solidFill>
+            </a:endParaRPr>
+          </a:p>
+        </p:txBody>
+      </p:sp>
+      <p:sp>
+        <p:nvSpPr>
+          <p:cNvPr id="18" name="직사각형 17">
+            <a:extLst>
+              <a:ext uri="{FF2B5EF4-FFF2-40B4-BE49-F238E27FC236}">
+                <a16:creationId xmlns:a16="http://schemas.microsoft.com/office/drawing/2014/main" id="{606E0437-8A8E-4331-84EA-95DCD1A9F6AE}"/>
+              </a:ext>
+            </a:extLst>
+          </p:cNvPr>
+          <p:cNvSpPr/>
+          <p:nvPr/>
+        </p:nvSpPr>
+        <p:spPr>
+          <a:xfrm>
+            <a:off x="7594876" y="5389570"/>
+            <a:ext cx="1947594" cy="527130"/>
+          </a:xfrm>
+          <a:prstGeom prst="rect">
+            <a:avLst/>
+          </a:prstGeom>
+          <a:solidFill>
+            <a:schemeClr val="accent1">
+              <a:lumMod val="20000"/>
+              <a:lumOff val="80000"/>
+            </a:schemeClr>
+          </a:solidFill>
+        </p:spPr>
+        <p:style>
+          <a:lnRef idx="2">
+            <a:schemeClr val="accent1">
+              <a:shade val="50000"/>
+            </a:schemeClr>
+          </a:lnRef>
+          <a:fillRef idx="1">
+            <a:schemeClr val="accent1"/>
+          </a:fillRef>
+          <a:effectRef idx="0">
+            <a:schemeClr val="accent1"/>
+          </a:effectRef>
+          <a:fontRef idx="minor">
+            <a:schemeClr val="lt1"/>
+          </a:fontRef>
+        </p:style>
+        <p:txBody>
+          <a:bodyPr rtlCol="0" anchor="ctr"/>
+          <a:lstStyle/>
+          <a:p>
+            <a:pPr algn="ctr"/>
+            <a:r>
+              <a:rPr lang="ko-KR" altLang="en-US" sz="1700" dirty="0" err="1">
+                <a:solidFill>
+                  <a:schemeClr val="tx1"/>
+                </a:solidFill>
+              </a:rPr>
+              <a:t>킥보드</a:t>
+            </a:r>
+            <a:r>
+              <a:rPr lang="ko-KR" altLang="en-US" sz="1700" dirty="0">
+                <a:solidFill>
+                  <a:schemeClr val="tx1"/>
+                </a:solidFill>
+              </a:rPr>
+              <a:t> 반납</a:t>
+            </a:r>
+            <a:endParaRPr lang="en-US" altLang="ko-KR" sz="1700" dirty="0">
+              <a:solidFill>
+                <a:schemeClr val="tx1"/>
+              </a:solidFill>
+            </a:endParaRPr>
+          </a:p>
+        </p:txBody>
+      </p:sp>
+      <p:sp>
+        <p:nvSpPr>
+          <p:cNvPr id="19" name="직사각형 18">
+            <a:extLst>
+              <a:ext uri="{FF2B5EF4-FFF2-40B4-BE49-F238E27FC236}">
+                <a16:creationId xmlns:a16="http://schemas.microsoft.com/office/drawing/2014/main" id="{AB6562A4-89EA-479F-886B-0C7CAC5288CA}"/>
+              </a:ext>
+            </a:extLst>
+          </p:cNvPr>
+          <p:cNvSpPr/>
+          <p:nvPr/>
+        </p:nvSpPr>
+        <p:spPr>
+          <a:xfrm>
+            <a:off x="7594876" y="6228665"/>
+            <a:ext cx="1947594" cy="527130"/>
+          </a:xfrm>
+          <a:prstGeom prst="rect">
+            <a:avLst/>
+          </a:prstGeom>
+          <a:solidFill>
+            <a:schemeClr val="accent1">
+              <a:lumMod val="20000"/>
+              <a:lumOff val="80000"/>
+            </a:schemeClr>
+          </a:solidFill>
+        </p:spPr>
+        <p:style>
+          <a:lnRef idx="2">
+            <a:schemeClr val="accent1">
+              <a:shade val="50000"/>
+            </a:schemeClr>
+          </a:lnRef>
+          <a:fillRef idx="1">
+            <a:schemeClr val="accent1"/>
+          </a:fillRef>
+          <a:effectRef idx="0">
+            <a:schemeClr val="accent1"/>
+          </a:effectRef>
+          <a:fontRef idx="minor">
+            <a:schemeClr val="lt1"/>
+          </a:fontRef>
+        </p:style>
+        <p:txBody>
+          <a:bodyPr rtlCol="0" anchor="ctr"/>
+          <a:lstStyle/>
+          <a:p>
+            <a:pPr algn="ctr"/>
+            <a:r>
+              <a:rPr lang="ko-KR" altLang="en-US" sz="1700" dirty="0">
+                <a:solidFill>
+                  <a:schemeClr val="tx1"/>
+                </a:solidFill>
+              </a:rPr>
+              <a:t>반납확인 종료</a:t>
+            </a:r>
+            <a:endParaRPr lang="en-US" altLang="ko-KR" sz="1700" dirty="0">
+              <a:solidFill>
+                <a:schemeClr val="tx1"/>
+              </a:solidFill>
+            </a:endParaRPr>
+          </a:p>
+        </p:txBody>
+      </p:sp>
+      <p:cxnSp>
+        <p:nvCxnSpPr>
+          <p:cNvPr id="3" name="직선 화살표 연결선 2">
+            <a:extLst>
+              <a:ext uri="{FF2B5EF4-FFF2-40B4-BE49-F238E27FC236}">
+                <a16:creationId xmlns:a16="http://schemas.microsoft.com/office/drawing/2014/main" id="{FE2ACFF0-A552-44FB-996C-424AAA4E7697}"/>
+              </a:ext>
+            </a:extLst>
+          </p:cNvPr>
+          <p:cNvCxnSpPr>
+            <a:cxnSpLocks/>
+          </p:cNvCxnSpPr>
+          <p:nvPr/>
+        </p:nvCxnSpPr>
+        <p:spPr>
+          <a:xfrm>
+            <a:off x="8563066" y="710003"/>
+            <a:ext cx="0" cy="225911"/>
+          </a:xfrm>
+          <a:prstGeom prst="straightConnector1">
+            <a:avLst/>
           </a:prstGeom>
           <a:ln>
-            <a:solidFill>
-              <a:schemeClr val="bg1">
-                <a:lumMod val="95000"/>
-              </a:schemeClr>
-            </a:solidFill>
+            <a:tailEnd type="triangle"/>
           </a:ln>
         </p:spPr>
         <p:style>
@@ -3953,19 +4445,316 @@
             <a:schemeClr val="tx1"/>
           </a:fontRef>
         </p:style>
+      </p:cxnSp>
+      <p:cxnSp>
+        <p:nvCxnSpPr>
+          <p:cNvPr id="13" name="직선 화살표 연결선 12">
+            <a:extLst>
+              <a:ext uri="{FF2B5EF4-FFF2-40B4-BE49-F238E27FC236}">
+                <a16:creationId xmlns:a16="http://schemas.microsoft.com/office/drawing/2014/main" id="{7DCF8DA5-26E3-4C49-A514-778351580260}"/>
+              </a:ext>
+            </a:extLst>
+          </p:cNvPr>
+          <p:cNvCxnSpPr>
+            <a:cxnSpLocks/>
+          </p:cNvCxnSpPr>
+          <p:nvPr/>
+        </p:nvCxnSpPr>
+        <p:spPr>
+          <a:xfrm>
+            <a:off x="8595339" y="1570610"/>
+            <a:ext cx="0" cy="225911"/>
+          </a:xfrm>
+          <a:prstGeom prst="straightConnector1">
+            <a:avLst/>
+          </a:prstGeom>
+          <a:ln>
+            <a:tailEnd type="triangle"/>
+          </a:ln>
+        </p:spPr>
+        <p:style>
+          <a:lnRef idx="1">
+            <a:schemeClr val="accent1"/>
+          </a:lnRef>
+          <a:fillRef idx="0">
+            <a:schemeClr val="accent1"/>
+          </a:fillRef>
+          <a:effectRef idx="0">
+            <a:schemeClr val="accent1"/>
+          </a:effectRef>
+          <a:fontRef idx="minor">
+            <a:schemeClr val="tx1"/>
+          </a:fontRef>
+        </p:style>
+      </p:cxnSp>
+      <p:cxnSp>
+        <p:nvCxnSpPr>
+          <p:cNvPr id="20" name="직선 화살표 연결선 19">
+            <a:extLst>
+              <a:ext uri="{FF2B5EF4-FFF2-40B4-BE49-F238E27FC236}">
+                <a16:creationId xmlns:a16="http://schemas.microsoft.com/office/drawing/2014/main" id="{77BBA47E-EDFE-4060-B940-9A1C5381D260}"/>
+              </a:ext>
+            </a:extLst>
+          </p:cNvPr>
+          <p:cNvCxnSpPr>
+            <a:cxnSpLocks/>
+          </p:cNvCxnSpPr>
+          <p:nvPr/>
+        </p:nvCxnSpPr>
+        <p:spPr>
+          <a:xfrm>
+            <a:off x="8573823" y="2474249"/>
+            <a:ext cx="0" cy="225911"/>
+          </a:xfrm>
+          <a:prstGeom prst="straightConnector1">
+            <a:avLst/>
+          </a:prstGeom>
+          <a:ln>
+            <a:tailEnd type="triangle"/>
+          </a:ln>
+        </p:spPr>
+        <p:style>
+          <a:lnRef idx="1">
+            <a:schemeClr val="accent1"/>
+          </a:lnRef>
+          <a:fillRef idx="0">
+            <a:schemeClr val="accent1"/>
+          </a:fillRef>
+          <a:effectRef idx="0">
+            <a:schemeClr val="accent1"/>
+          </a:effectRef>
+          <a:fontRef idx="minor">
+            <a:schemeClr val="tx1"/>
+          </a:fontRef>
+        </p:style>
+      </p:cxnSp>
+      <p:cxnSp>
+        <p:nvCxnSpPr>
+          <p:cNvPr id="21" name="직선 화살표 연결선 20">
+            <a:extLst>
+              <a:ext uri="{FF2B5EF4-FFF2-40B4-BE49-F238E27FC236}">
+                <a16:creationId xmlns:a16="http://schemas.microsoft.com/office/drawing/2014/main" id="{261CECB3-2D78-4FF6-B77F-CBE751A6A748}"/>
+              </a:ext>
+            </a:extLst>
+          </p:cNvPr>
+          <p:cNvCxnSpPr>
+            <a:cxnSpLocks/>
+          </p:cNvCxnSpPr>
+          <p:nvPr/>
+        </p:nvCxnSpPr>
+        <p:spPr>
+          <a:xfrm>
+            <a:off x="8573823" y="3326802"/>
+            <a:ext cx="0" cy="225911"/>
+          </a:xfrm>
+          <a:prstGeom prst="straightConnector1">
+            <a:avLst/>
+          </a:prstGeom>
+          <a:ln>
+            <a:tailEnd type="triangle"/>
+          </a:ln>
+        </p:spPr>
+        <p:style>
+          <a:lnRef idx="1">
+            <a:schemeClr val="accent1"/>
+          </a:lnRef>
+          <a:fillRef idx="0">
+            <a:schemeClr val="accent1"/>
+          </a:fillRef>
+          <a:effectRef idx="0">
+            <a:schemeClr val="accent1"/>
+          </a:effectRef>
+          <a:fontRef idx="minor">
+            <a:schemeClr val="tx1"/>
+          </a:fontRef>
+        </p:style>
+      </p:cxnSp>
+      <p:cxnSp>
+        <p:nvCxnSpPr>
+          <p:cNvPr id="22" name="직선 화살표 연결선 21">
+            <a:extLst>
+              <a:ext uri="{FF2B5EF4-FFF2-40B4-BE49-F238E27FC236}">
+                <a16:creationId xmlns:a16="http://schemas.microsoft.com/office/drawing/2014/main" id="{6DC92B9D-3117-40AD-9C6F-2A8BB871FBE7}"/>
+              </a:ext>
+            </a:extLst>
+          </p:cNvPr>
+          <p:cNvCxnSpPr>
+            <a:cxnSpLocks/>
+          </p:cNvCxnSpPr>
+          <p:nvPr/>
+        </p:nvCxnSpPr>
+        <p:spPr>
+          <a:xfrm>
+            <a:off x="8563066" y="4184721"/>
+            <a:ext cx="0" cy="225911"/>
+          </a:xfrm>
+          <a:prstGeom prst="straightConnector1">
+            <a:avLst/>
+          </a:prstGeom>
+          <a:ln>
+            <a:tailEnd type="triangle"/>
+          </a:ln>
+        </p:spPr>
+        <p:style>
+          <a:lnRef idx="1">
+            <a:schemeClr val="accent1"/>
+          </a:lnRef>
+          <a:fillRef idx="0">
+            <a:schemeClr val="accent1"/>
+          </a:fillRef>
+          <a:effectRef idx="0">
+            <a:schemeClr val="accent1"/>
+          </a:effectRef>
+          <a:fontRef idx="minor">
+            <a:schemeClr val="tx1"/>
+          </a:fontRef>
+        </p:style>
+      </p:cxnSp>
+      <p:cxnSp>
+        <p:nvCxnSpPr>
+          <p:cNvPr id="23" name="직선 화살표 연결선 22">
+            <a:extLst>
+              <a:ext uri="{FF2B5EF4-FFF2-40B4-BE49-F238E27FC236}">
+                <a16:creationId xmlns:a16="http://schemas.microsoft.com/office/drawing/2014/main" id="{986D86D0-2686-462E-BFF6-55B982568072}"/>
+              </a:ext>
+            </a:extLst>
+          </p:cNvPr>
+          <p:cNvCxnSpPr>
+            <a:cxnSpLocks/>
+          </p:cNvCxnSpPr>
+          <p:nvPr/>
+        </p:nvCxnSpPr>
+        <p:spPr>
+          <a:xfrm>
+            <a:off x="8573823" y="5077605"/>
+            <a:ext cx="0" cy="225911"/>
+          </a:xfrm>
+          <a:prstGeom prst="straightConnector1">
+            <a:avLst/>
+          </a:prstGeom>
+          <a:ln>
+            <a:tailEnd type="triangle"/>
+          </a:ln>
+        </p:spPr>
+        <p:style>
+          <a:lnRef idx="1">
+            <a:schemeClr val="accent1"/>
+          </a:lnRef>
+          <a:fillRef idx="0">
+            <a:schemeClr val="accent1"/>
+          </a:fillRef>
+          <a:effectRef idx="0">
+            <a:schemeClr val="accent1"/>
+          </a:effectRef>
+          <a:fontRef idx="minor">
+            <a:schemeClr val="tx1"/>
+          </a:fontRef>
+        </p:style>
+      </p:cxnSp>
+      <p:cxnSp>
+        <p:nvCxnSpPr>
+          <p:cNvPr id="24" name="직선 화살표 연결선 23">
+            <a:extLst>
+              <a:ext uri="{FF2B5EF4-FFF2-40B4-BE49-F238E27FC236}">
+                <a16:creationId xmlns:a16="http://schemas.microsoft.com/office/drawing/2014/main" id="{D1574DB9-947D-4F6F-9107-0BE1BA02771A}"/>
+              </a:ext>
+            </a:extLst>
+          </p:cNvPr>
+          <p:cNvCxnSpPr>
+            <a:cxnSpLocks/>
+          </p:cNvCxnSpPr>
+          <p:nvPr/>
+        </p:nvCxnSpPr>
+        <p:spPr>
+          <a:xfrm>
+            <a:off x="8563066" y="5938216"/>
+            <a:ext cx="0" cy="225911"/>
+          </a:xfrm>
+          <a:prstGeom prst="straightConnector1">
+            <a:avLst/>
+          </a:prstGeom>
+          <a:ln>
+            <a:tailEnd type="triangle"/>
+          </a:ln>
+        </p:spPr>
+        <p:style>
+          <a:lnRef idx="1">
+            <a:schemeClr val="accent1"/>
+          </a:lnRef>
+          <a:fillRef idx="0">
+            <a:schemeClr val="accent1"/>
+          </a:fillRef>
+          <a:effectRef idx="0">
+            <a:schemeClr val="accent1"/>
+          </a:effectRef>
+          <a:fontRef idx="minor">
+            <a:schemeClr val="tx1"/>
+          </a:fontRef>
+        </p:style>
+      </p:cxnSp>
+      <p:sp>
+        <p:nvSpPr>
+          <p:cNvPr id="25" name="직사각형 24">
+            <a:extLst>
+              <a:ext uri="{FF2B5EF4-FFF2-40B4-BE49-F238E27FC236}">
+                <a16:creationId xmlns:a16="http://schemas.microsoft.com/office/drawing/2014/main" id="{1FF780C1-4F6F-4299-A569-15AD97D7D33B}"/>
+              </a:ext>
+            </a:extLst>
+          </p:cNvPr>
+          <p:cNvSpPr/>
+          <p:nvPr/>
+        </p:nvSpPr>
+        <p:spPr>
+          <a:xfrm>
+            <a:off x="1721233" y="357692"/>
+            <a:ext cx="3872719" cy="1320502"/>
+          </a:xfrm>
+          <a:prstGeom prst="rect">
+            <a:avLst/>
+          </a:prstGeom>
+          <a:solidFill>
+            <a:schemeClr val="accent3"/>
+          </a:solidFill>
+          <a:ln>
+            <a:noFill/>
+          </a:ln>
+        </p:spPr>
+        <p:style>
+          <a:lnRef idx="2">
+            <a:schemeClr val="accent1">
+              <a:shade val="50000"/>
+            </a:schemeClr>
+          </a:lnRef>
+          <a:fillRef idx="1">
+            <a:schemeClr val="accent1"/>
+          </a:fillRef>
+          <a:effectRef idx="0">
+            <a:schemeClr val="accent1"/>
+          </a:effectRef>
+          <a:fontRef idx="minor">
+            <a:schemeClr val="lt1"/>
+          </a:fontRef>
+        </p:style>
         <p:txBody>
           <a:bodyPr rtlCol="0" anchor="ctr"/>
           <a:lstStyle/>
           <a:p>
             <a:pPr algn="ctr"/>
-            <a:endParaRPr lang="ko-KR" altLang="en-US"/>
+            <a:r>
+              <a:rPr lang="ko-KR" altLang="en-US" dirty="0" err="1"/>
+              <a:t>테스크</a:t>
+            </a:r>
+            <a:r>
+              <a:rPr lang="ko-KR" altLang="en-US" dirty="0"/>
+              <a:t> 플로우</a:t>
+            </a:r>
           </a:p>
         </p:txBody>
       </p:sp>
     </p:spTree>
     <p:extLst>
       <p:ext uri="{BB962C8B-B14F-4D97-AF65-F5344CB8AC3E}">
-        <p14:creationId xmlns:p14="http://schemas.microsoft.com/office/powerpoint/2010/main" val="1899598418"/>
+        <p14:creationId xmlns:p14="http://schemas.microsoft.com/office/powerpoint/2010/main" val="1111075636"/>
       </p:ext>
     </p:extLst>
   </p:cSld>
@@ -3993,7 +4782,7 @@
     <p:bg>
       <p:bgPr>
         <a:solidFill>
-          <a:schemeClr val="accent2"/>
+          <a:schemeClr val="accent1"/>
         </a:solidFill>
         <a:effectLst/>
       </p:bgPr>
@@ -4014,10 +4803,10 @@
       </p:grpSpPr>
       <p:sp>
         <p:nvSpPr>
-          <p:cNvPr id="9" name="TextBox 8">
-            <a:extLst>
-              <a:ext uri="{FF2B5EF4-FFF2-40B4-BE49-F238E27FC236}">
-                <a16:creationId xmlns:a16="http://schemas.microsoft.com/office/drawing/2014/main" id="{6FEE7F62-C20B-4071-9D3D-B76ABFF40067}"/>
+          <p:cNvPr id="6" name="TextBox 5">
+            <a:extLst>
+              <a:ext uri="{FF2B5EF4-FFF2-40B4-BE49-F238E27FC236}">
+                <a16:creationId xmlns:a16="http://schemas.microsoft.com/office/drawing/2014/main" id="{A8B2E78A-DD76-4579-AE6D-036298A78335}"/>
               </a:ext>
             </a:extLst>
           </p:cNvPr>
@@ -4026,8 +4815,8 @@
         </p:nvSpPr>
         <p:spPr>
           <a:xfrm>
-            <a:off x="1212348" y="1627613"/>
-            <a:ext cx="2641589" cy="2215991"/>
+            <a:off x="3560693" y="2824480"/>
+            <a:ext cx="5070619" cy="923330"/>
           </a:xfrm>
           <a:prstGeom prst="rect">
             <a:avLst/>
@@ -4035,213 +4824,80 @@
           <a:noFill/>
         </p:spPr>
         <p:txBody>
-          <a:bodyPr wrap="square" rtlCol="0">
+          <a:bodyPr wrap="none" rtlCol="0">
             <a:spAutoFit/>
           </a:bodyPr>
           <a:lstStyle/>
           <a:p>
-            <a:r>
-              <a:rPr lang="ko-KR" altLang="en-US" sz="13800" dirty="0">
+            <a:pPr algn="ctr"/>
+            <a:r>
+              <a:rPr lang="ko-KR" altLang="en-US" sz="5400" spc="-300" dirty="0">
                 <a:solidFill>
                   <a:schemeClr val="bg1"/>
                 </a:solidFill>
               </a:rPr>
-              <a:t> 「</a:t>
-            </a:r>
-          </a:p>
-        </p:txBody>
-      </p:sp>
-      <p:sp>
-        <p:nvSpPr>
-          <p:cNvPr id="10" name="TextBox 9">
-            <a:extLst>
-              <a:ext uri="{FF2B5EF4-FFF2-40B4-BE49-F238E27FC236}">
-                <a16:creationId xmlns:a16="http://schemas.microsoft.com/office/drawing/2014/main" id="{79A151CF-30D6-4926-B0EE-1D081AF1F004}"/>
-              </a:ext>
-            </a:extLst>
-          </p:cNvPr>
-          <p:cNvSpPr txBox="1"/>
+              <a:t>내용을 입력하세요</a:t>
+            </a:r>
+          </a:p>
+        </p:txBody>
+      </p:sp>
+      <p:sp>
+        <p:nvSpPr>
+          <p:cNvPr id="7" name="양쪽 대괄호 6">
+            <a:extLst>
+              <a:ext uri="{FF2B5EF4-FFF2-40B4-BE49-F238E27FC236}">
+                <a16:creationId xmlns:a16="http://schemas.microsoft.com/office/drawing/2014/main" id="{97AE4A29-2593-4900-B755-39346EFAB482}"/>
+              </a:ext>
+            </a:extLst>
+          </p:cNvPr>
+          <p:cNvSpPr/>
           <p:nvPr/>
         </p:nvSpPr>
         <p:spPr>
           <a:xfrm>
-            <a:off x="9774465" y="2931203"/>
-            <a:ext cx="1298753" cy="2215991"/>
-          </a:xfrm>
-          <a:prstGeom prst="rect">
-            <a:avLst/>
+            <a:off x="2153919" y="2009279"/>
+            <a:ext cx="7884160" cy="2369066"/>
+          </a:xfrm>
+          <a:prstGeom prst="bracketPair">
+            <a:avLst>
+              <a:gd name="adj" fmla="val 10867"/>
+            </a:avLst>
           </a:prstGeom>
-          <a:noFill/>
-        </p:spPr>
-        <p:txBody>
-          <a:bodyPr wrap="square" rtlCol="0">
-            <a:spAutoFit/>
-          </a:bodyPr>
-          <a:lstStyle>
-            <a:defPPr>
-              <a:defRPr lang="ko-KR"/>
-            </a:defPPr>
-            <a:lvl1pPr>
-              <a:defRPr sz="13800">
-                <a:solidFill>
-                  <a:srgbClr val="0194E7"/>
-                </a:solidFill>
-              </a:defRPr>
-            </a:lvl1pPr>
-          </a:lstStyle>
-          <a:p>
-            <a:r>
-              <a:rPr lang="ko-KR" altLang="en-US" dirty="0">
-                <a:solidFill>
-                  <a:schemeClr val="bg1"/>
-                </a:solidFill>
-              </a:rPr>
-              <a:t>」 </a:t>
-            </a:r>
-          </a:p>
-        </p:txBody>
-      </p:sp>
-      <p:sp>
-        <p:nvSpPr>
-          <p:cNvPr id="11" name="TextBox 10">
-            <a:extLst>
-              <a:ext uri="{FF2B5EF4-FFF2-40B4-BE49-F238E27FC236}">
-                <a16:creationId xmlns:a16="http://schemas.microsoft.com/office/drawing/2014/main" id="{111B9053-7F76-4FFD-B914-FC2DACD95A56}"/>
-              </a:ext>
-            </a:extLst>
-          </p:cNvPr>
-          <p:cNvSpPr txBox="1"/>
-          <p:nvPr/>
-        </p:nvSpPr>
-        <p:spPr>
-          <a:xfrm>
-            <a:off x="3048886" y="2931203"/>
-            <a:ext cx="6097772" cy="995594"/>
-          </a:xfrm>
-          <a:prstGeom prst="rect">
-            <a:avLst/>
-          </a:prstGeom>
-          <a:noFill/>
-        </p:spPr>
-        <p:txBody>
-          <a:bodyPr wrap="square">
-            <a:spAutoFit/>
-          </a:bodyPr>
+          <a:ln>
+            <a:solidFill>
+              <a:schemeClr val="bg1">
+                <a:lumMod val="95000"/>
+              </a:schemeClr>
+            </a:solidFill>
+          </a:ln>
+        </p:spPr>
+        <p:style>
+          <a:lnRef idx="1">
+            <a:schemeClr val="accent1"/>
+          </a:lnRef>
+          <a:fillRef idx="0">
+            <a:schemeClr val="accent1"/>
+          </a:fillRef>
+          <a:effectRef idx="0">
+            <a:schemeClr val="accent1"/>
+          </a:effectRef>
+          <a:fontRef idx="minor">
+            <a:schemeClr val="tx1"/>
+          </a:fontRef>
+        </p:style>
+        <p:txBody>
+          <a:bodyPr rtlCol="0" anchor="ctr"/>
           <a:lstStyle/>
           <a:p>
-            <a:pPr algn="just">
-              <a:lnSpc>
-                <a:spcPct val="110000"/>
-              </a:lnSpc>
-            </a:pPr>
-            <a:r>
-              <a:rPr lang="ko-KR" altLang="en-US" sz="1800" i="1" spc="-150" dirty="0">
-                <a:solidFill>
-                  <a:schemeClr val="bg1"/>
-                </a:solidFill>
-              </a:rPr>
-              <a:t>그리워 멀리 하나에 이름과</a:t>
-            </a:r>
-            <a:r>
-              <a:rPr lang="en-US" altLang="ko-KR" sz="1800" i="1" spc="-150" dirty="0">
-                <a:solidFill>
-                  <a:schemeClr val="bg1"/>
-                </a:solidFill>
-              </a:rPr>
-              <a:t>, </a:t>
-            </a:r>
-            <a:r>
-              <a:rPr lang="ko-KR" altLang="en-US" sz="1800" i="1" spc="-150" dirty="0">
-                <a:solidFill>
-                  <a:schemeClr val="bg1"/>
-                </a:solidFill>
-              </a:rPr>
-              <a:t>무엇인지 별에도 어머니 이름자 </a:t>
-            </a:r>
-            <a:r>
-              <a:rPr lang="ko-KR" altLang="en-US" sz="1800" i="1" spc="-150" dirty="0" err="1">
-                <a:solidFill>
-                  <a:schemeClr val="bg1"/>
-                </a:solidFill>
-              </a:rPr>
-              <a:t>거외다</a:t>
-            </a:r>
-            <a:r>
-              <a:rPr lang="en-US" altLang="ko-KR" sz="1800" i="1" spc="-150" dirty="0">
-                <a:solidFill>
-                  <a:schemeClr val="bg1"/>
-                </a:solidFill>
-              </a:rPr>
-              <a:t>. </a:t>
-            </a:r>
-            <a:r>
-              <a:rPr lang="ko-KR" altLang="en-US" sz="1800" i="1" spc="-150" dirty="0">
-                <a:solidFill>
-                  <a:schemeClr val="bg1"/>
-                </a:solidFill>
-              </a:rPr>
-              <a:t>하나에 슬퍼하는 너무나 위에 된 봅니다</a:t>
-            </a:r>
-            <a:r>
-              <a:rPr lang="en-US" altLang="ko-KR" sz="1800" i="1" spc="-150" dirty="0">
-                <a:solidFill>
-                  <a:schemeClr val="bg1"/>
-                </a:solidFill>
-              </a:rPr>
-              <a:t>. </a:t>
-            </a:r>
-            <a:r>
-              <a:rPr lang="ko-KR" altLang="en-US" sz="1800" i="1" spc="-150" dirty="0">
-                <a:solidFill>
-                  <a:schemeClr val="bg1"/>
-                </a:solidFill>
-              </a:rPr>
-              <a:t>없이 별에도 이름을 나는 풀이 </a:t>
-            </a:r>
-            <a:r>
-              <a:rPr lang="ko-KR" altLang="en-US" sz="1800" i="1" spc="-150" dirty="0" err="1">
-                <a:solidFill>
-                  <a:schemeClr val="bg1"/>
-                </a:solidFill>
-              </a:rPr>
-              <a:t>거외다</a:t>
-            </a:r>
-            <a:r>
-              <a:rPr lang="en-US" altLang="ko-KR" sz="1800" i="1" spc="-150" dirty="0">
-                <a:solidFill>
-                  <a:schemeClr val="bg1"/>
-                </a:solidFill>
-              </a:rPr>
-              <a:t>. </a:t>
-            </a:r>
-            <a:r>
-              <a:rPr lang="ko-KR" altLang="en-US" sz="1800" i="1" spc="-150" dirty="0">
-                <a:solidFill>
-                  <a:schemeClr val="bg1"/>
-                </a:solidFill>
-              </a:rPr>
-              <a:t>부끄러운 시와 계절이 봅니다</a:t>
-            </a:r>
-            <a:r>
-              <a:rPr lang="en-US" altLang="ko-KR" sz="1800" i="1" spc="-150" dirty="0">
-                <a:solidFill>
-                  <a:schemeClr val="bg1"/>
-                </a:solidFill>
-              </a:rPr>
-              <a:t>.</a:t>
-            </a:r>
-            <a:endParaRPr lang="ko-KR" altLang="en-US" sz="1800" i="1" spc="-150" dirty="0">
-              <a:solidFill>
-                <a:schemeClr val="bg1"/>
-              </a:solidFill>
-            </a:endParaRPr>
+            <a:pPr algn="ctr"/>
+            <a:endParaRPr lang="ko-KR" altLang="en-US"/>
           </a:p>
         </p:txBody>
       </p:sp>
     </p:spTree>
     <p:extLst>
       <p:ext uri="{BB962C8B-B14F-4D97-AF65-F5344CB8AC3E}">
-        <p14:creationId xmlns:p14="http://schemas.microsoft.com/office/powerpoint/2010/main" val="1290424952"/>
+        <p14:creationId xmlns:p14="http://schemas.microsoft.com/office/powerpoint/2010/main" val="1899598418"/>
       </p:ext>
     </p:extLst>
   </p:cSld>
@@ -4269,7 +4925,7 @@
     <p:bg>
       <p:bgPr>
         <a:solidFill>
-          <a:schemeClr val="accent3"/>
+          <a:schemeClr val="accent2"/>
         </a:solidFill>
         <a:effectLst/>
       </p:bgPr>
@@ -4290,62 +4946,10 @@
       </p:grpSpPr>
       <p:sp>
         <p:nvSpPr>
-          <p:cNvPr id="2" name="직사각형 1">
-            <a:extLst>
-              <a:ext uri="{FF2B5EF4-FFF2-40B4-BE49-F238E27FC236}">
-                <a16:creationId xmlns:a16="http://schemas.microsoft.com/office/drawing/2014/main" id="{7194FBE0-043F-4D38-AB0A-4A7B2F3582AC}"/>
-              </a:ext>
-            </a:extLst>
-          </p:cNvPr>
-          <p:cNvSpPr/>
-          <p:nvPr/>
-        </p:nvSpPr>
-        <p:spPr>
-          <a:xfrm>
-            <a:off x="2796363" y="2402958"/>
-            <a:ext cx="6581553" cy="2169042"/>
-          </a:xfrm>
-          <a:prstGeom prst="rect">
-            <a:avLst/>
-          </a:prstGeom>
-          <a:solidFill>
-            <a:schemeClr val="bg1"/>
-          </a:solidFill>
-          <a:ln>
-            <a:noFill/>
-          </a:ln>
-        </p:spPr>
-        <p:style>
-          <a:lnRef idx="2">
-            <a:schemeClr val="accent1">
-              <a:shade val="50000"/>
-            </a:schemeClr>
-          </a:lnRef>
-          <a:fillRef idx="1">
-            <a:schemeClr val="accent1"/>
-          </a:fillRef>
-          <a:effectRef idx="0">
-            <a:schemeClr val="accent1"/>
-          </a:effectRef>
-          <a:fontRef idx="minor">
-            <a:schemeClr val="lt1"/>
-          </a:fontRef>
-        </p:style>
-        <p:txBody>
-          <a:bodyPr rtlCol="0" anchor="ctr"/>
-          <a:lstStyle/>
-          <a:p>
-            <a:pPr algn="ctr"/>
-            <a:endParaRPr lang="ko-KR" altLang="en-US"/>
-          </a:p>
-        </p:txBody>
-      </p:sp>
-      <p:sp>
-        <p:nvSpPr>
-          <p:cNvPr id="3" name="TextBox 2">
-            <a:extLst>
-              <a:ext uri="{FF2B5EF4-FFF2-40B4-BE49-F238E27FC236}">
-                <a16:creationId xmlns:a16="http://schemas.microsoft.com/office/drawing/2014/main" id="{28E3DBFF-1414-4BF0-ADA5-9B5D3274B90E}"/>
+          <p:cNvPr id="9" name="TextBox 8">
+            <a:extLst>
+              <a:ext uri="{FF2B5EF4-FFF2-40B4-BE49-F238E27FC236}">
+                <a16:creationId xmlns:a16="http://schemas.microsoft.com/office/drawing/2014/main" id="{6FEE7F62-C20B-4071-9D3D-B76ABFF40067}"/>
               </a:ext>
             </a:extLst>
           </p:cNvPr>
@@ -4354,8 +4958,8 @@
         </p:nvSpPr>
         <p:spPr>
           <a:xfrm>
-            <a:off x="4047433" y="2967335"/>
-            <a:ext cx="4079963" cy="923330"/>
+            <a:off x="1212348" y="1627613"/>
+            <a:ext cx="2641589" cy="2215991"/>
           </a:xfrm>
           <a:prstGeom prst="rect">
             <a:avLst/>
@@ -4363,40 +4967,204 @@
           <a:noFill/>
         </p:spPr>
         <p:txBody>
-          <a:bodyPr wrap="none" rtlCol="0">
+          <a:bodyPr wrap="square" rtlCol="0">
             <a:spAutoFit/>
           </a:bodyPr>
           <a:lstStyle/>
           <a:p>
-            <a:pPr algn="ctr"/>
-            <a:r>
-              <a:rPr lang="en-US" altLang="ko-KR" sz="5400" spc="-300" dirty="0">
-                <a:solidFill>
-                  <a:schemeClr val="tx1">
-                    <a:lumMod val="75000"/>
-                    <a:lumOff val="25000"/>
-                  </a:schemeClr>
-                </a:solidFill>
-              </a:rPr>
-              <a:t>#</a:t>
-            </a:r>
-            <a:r>
-              <a:rPr lang="ko-KR" altLang="en-US" sz="5400" spc="-300" dirty="0" err="1">
-                <a:solidFill>
-                  <a:schemeClr val="tx1">
-                    <a:lumMod val="75000"/>
-                    <a:lumOff val="25000"/>
-                  </a:schemeClr>
-                </a:solidFill>
-              </a:rPr>
-              <a:t>어려울것없음</a:t>
-            </a:r>
-            <a:endParaRPr lang="ko-KR" altLang="en-US" sz="5400" spc="-300" dirty="0">
+            <a:r>
+              <a:rPr lang="ko-KR" altLang="en-US" sz="13800" dirty="0">
+                <a:solidFill>
+                  <a:schemeClr val="bg1"/>
+                </a:solidFill>
+              </a:rPr>
+              <a:t> 「</a:t>
+            </a:r>
+          </a:p>
+        </p:txBody>
+      </p:sp>
+      <p:sp>
+        <p:nvSpPr>
+          <p:cNvPr id="10" name="TextBox 9">
+            <a:extLst>
+              <a:ext uri="{FF2B5EF4-FFF2-40B4-BE49-F238E27FC236}">
+                <a16:creationId xmlns:a16="http://schemas.microsoft.com/office/drawing/2014/main" id="{79A151CF-30D6-4926-B0EE-1D081AF1F004}"/>
+              </a:ext>
+            </a:extLst>
+          </p:cNvPr>
+          <p:cNvSpPr txBox="1"/>
+          <p:nvPr/>
+        </p:nvSpPr>
+        <p:spPr>
+          <a:xfrm>
+            <a:off x="9774465" y="2931203"/>
+            <a:ext cx="1298753" cy="2215991"/>
+          </a:xfrm>
+          <a:prstGeom prst="rect">
+            <a:avLst/>
+          </a:prstGeom>
+          <a:noFill/>
+        </p:spPr>
+        <p:txBody>
+          <a:bodyPr wrap="square" rtlCol="0">
+            <a:spAutoFit/>
+          </a:bodyPr>
+          <a:lstStyle>
+            <a:defPPr>
+              <a:defRPr lang="ko-KR"/>
+            </a:defPPr>
+            <a:lvl1pPr>
+              <a:defRPr sz="13800">
+                <a:solidFill>
+                  <a:srgbClr val="0194E7"/>
+                </a:solidFill>
+              </a:defRPr>
+            </a:lvl1pPr>
+          </a:lstStyle>
+          <a:p>
+            <a:r>
+              <a:rPr lang="ko-KR" altLang="en-US" dirty="0">
+                <a:solidFill>
+                  <a:schemeClr val="bg1"/>
+                </a:solidFill>
+              </a:rPr>
+              <a:t>」 </a:t>
+            </a:r>
+          </a:p>
+        </p:txBody>
+      </p:sp>
+      <p:sp>
+        <p:nvSpPr>
+          <p:cNvPr id="11" name="TextBox 10">
+            <a:extLst>
+              <a:ext uri="{FF2B5EF4-FFF2-40B4-BE49-F238E27FC236}">
+                <a16:creationId xmlns:a16="http://schemas.microsoft.com/office/drawing/2014/main" id="{111B9053-7F76-4FFD-B914-FC2DACD95A56}"/>
+              </a:ext>
+            </a:extLst>
+          </p:cNvPr>
+          <p:cNvSpPr txBox="1"/>
+          <p:nvPr/>
+        </p:nvSpPr>
+        <p:spPr>
+          <a:xfrm>
+            <a:off x="3048886" y="2931203"/>
+            <a:ext cx="6097772" cy="995594"/>
+          </a:xfrm>
+          <a:prstGeom prst="rect">
+            <a:avLst/>
+          </a:prstGeom>
+          <a:noFill/>
+        </p:spPr>
+        <p:txBody>
+          <a:bodyPr wrap="square">
+            <a:spAutoFit/>
+          </a:bodyPr>
+          <a:lstStyle/>
+          <a:p>
+            <a:pPr algn="just">
+              <a:lnSpc>
+                <a:spcPct val="110000"/>
+              </a:lnSpc>
+            </a:pPr>
+            <a:r>
+              <a:rPr lang="ko-KR" altLang="en-US" sz="1800" i="1" spc="-150" dirty="0">
+                <a:solidFill>
+                  <a:schemeClr val="bg1"/>
+                </a:solidFill>
+              </a:rPr>
+              <a:t>그리워 멀리 하나에 이름과</a:t>
+            </a:r>
+            <a:r>
+              <a:rPr lang="en-US" altLang="ko-KR" sz="1800" i="1" spc="-150" dirty="0">
+                <a:solidFill>
+                  <a:schemeClr val="bg1"/>
+                </a:solidFill>
+              </a:rPr>
+              <a:t>, </a:t>
+            </a:r>
+            <a:r>
+              <a:rPr lang="ko-KR" altLang="en-US" sz="1800" i="1" spc="-150" dirty="0">
+                <a:solidFill>
+                  <a:schemeClr val="bg1"/>
+                </a:solidFill>
+              </a:rPr>
+              <a:t>무엇인지 별에도 어머니 이름자 </a:t>
+            </a:r>
+            <a:r>
+              <a:rPr lang="ko-KR" altLang="en-US" sz="1800" i="1" spc="-150" dirty="0" err="1">
+                <a:solidFill>
+                  <a:schemeClr val="bg1"/>
+                </a:solidFill>
+              </a:rPr>
+              <a:t>거외다</a:t>
+            </a:r>
+            <a:r>
+              <a:rPr lang="en-US" altLang="ko-KR" sz="1800" i="1" spc="-150" dirty="0">
+                <a:solidFill>
+                  <a:schemeClr val="bg1"/>
+                </a:solidFill>
+              </a:rPr>
+              <a:t>. </a:t>
+            </a:r>
+            <a:r>
+              <a:rPr lang="ko-KR" altLang="en-US" sz="1800" i="1" spc="-150" dirty="0">
+                <a:solidFill>
+                  <a:schemeClr val="bg1"/>
+                </a:solidFill>
+              </a:rPr>
+              <a:t>하나에 슬퍼하는 너무나 위에 된 봅니다</a:t>
+            </a:r>
+            <a:r>
+              <a:rPr lang="en-US" altLang="ko-KR" sz="1800" i="1" spc="-150" dirty="0">
+                <a:solidFill>
+                  <a:schemeClr val="bg1"/>
+                </a:solidFill>
+              </a:rPr>
+              <a:t>. </a:t>
+            </a:r>
+            <a:r>
+              <a:rPr lang="ko-KR" altLang="en-US" sz="1800" i="1" spc="-150" dirty="0">
+                <a:solidFill>
+                  <a:schemeClr val="bg1"/>
+                </a:solidFill>
+              </a:rPr>
+              <a:t>없이 별에도 이름을 나는 풀이 </a:t>
+            </a:r>
+            <a:r>
+              <a:rPr lang="ko-KR" altLang="en-US" sz="1800" i="1" spc="-150" dirty="0" err="1">
+                <a:solidFill>
+                  <a:schemeClr val="bg1"/>
+                </a:solidFill>
+              </a:rPr>
+              <a:t>거외다</a:t>
+            </a:r>
+            <a:r>
+              <a:rPr lang="en-US" altLang="ko-KR" sz="1800" i="1" spc="-150" dirty="0">
+                <a:solidFill>
+                  <a:schemeClr val="bg1"/>
+                </a:solidFill>
+              </a:rPr>
+              <a:t>. </a:t>
+            </a:r>
+            <a:r>
+              <a:rPr lang="ko-KR" altLang="en-US" sz="1800" i="1" spc="-150" dirty="0">
+                <a:solidFill>
+                  <a:schemeClr val="bg1"/>
+                </a:solidFill>
+              </a:rPr>
+              <a:t>부끄러운 시와 계절이 봅니다</a:t>
+            </a:r>
+            <a:r>
+              <a:rPr lang="en-US" altLang="ko-KR" sz="1800" i="1" spc="-150" dirty="0">
+                <a:solidFill>
+                  <a:schemeClr val="bg1"/>
+                </a:solidFill>
+              </a:rPr>
+              <a:t>.</a:t>
+            </a:r>
+            <a:endParaRPr lang="ko-KR" altLang="en-US" sz="1800" i="1" spc="-150" dirty="0">
               <a:solidFill>
-                <a:schemeClr val="tx1">
-                  <a:lumMod val="75000"/>
-                  <a:lumOff val="25000"/>
-                </a:schemeClr>
+                <a:schemeClr val="bg1"/>
               </a:solidFill>
             </a:endParaRPr>
           </a:p>
@@ -4405,7 +5173,7 @@
     </p:spTree>
     <p:extLst>
       <p:ext uri="{BB962C8B-B14F-4D97-AF65-F5344CB8AC3E}">
-        <p14:creationId xmlns:p14="http://schemas.microsoft.com/office/powerpoint/2010/main" val="3841542783"/>
+        <p14:creationId xmlns:p14="http://schemas.microsoft.com/office/powerpoint/2010/main" val="1290424952"/>
       </p:ext>
     </p:extLst>
   </p:cSld>
@@ -4433,7 +5201,7 @@
     <p:bg>
       <p:bgPr>
         <a:solidFill>
-          <a:schemeClr val="accent4"/>
+          <a:schemeClr val="accent3"/>
         </a:solidFill>
         <a:effectLst/>
       </p:bgPr>
@@ -4454,10 +5222,62 @@
       </p:grpSpPr>
       <p:sp>
         <p:nvSpPr>
-          <p:cNvPr id="2" name="TextBox 1">
-            <a:extLst>
-              <a:ext uri="{FF2B5EF4-FFF2-40B4-BE49-F238E27FC236}">
-                <a16:creationId xmlns:a16="http://schemas.microsoft.com/office/drawing/2014/main" id="{69A2B895-78D9-4620-B1F3-86FFF76BB729}"/>
+          <p:cNvPr id="2" name="직사각형 1">
+            <a:extLst>
+              <a:ext uri="{FF2B5EF4-FFF2-40B4-BE49-F238E27FC236}">
+                <a16:creationId xmlns:a16="http://schemas.microsoft.com/office/drawing/2014/main" id="{7194FBE0-043F-4D38-AB0A-4A7B2F3582AC}"/>
+              </a:ext>
+            </a:extLst>
+          </p:cNvPr>
+          <p:cNvSpPr/>
+          <p:nvPr/>
+        </p:nvSpPr>
+        <p:spPr>
+          <a:xfrm>
+            <a:off x="2796363" y="2402958"/>
+            <a:ext cx="6581553" cy="2169042"/>
+          </a:xfrm>
+          <a:prstGeom prst="rect">
+            <a:avLst/>
+          </a:prstGeom>
+          <a:solidFill>
+            <a:schemeClr val="bg1"/>
+          </a:solidFill>
+          <a:ln>
+            <a:noFill/>
+          </a:ln>
+        </p:spPr>
+        <p:style>
+          <a:lnRef idx="2">
+            <a:schemeClr val="accent1">
+              <a:shade val="50000"/>
+            </a:schemeClr>
+          </a:lnRef>
+          <a:fillRef idx="1">
+            <a:schemeClr val="accent1"/>
+          </a:fillRef>
+          <a:effectRef idx="0">
+            <a:schemeClr val="accent1"/>
+          </a:effectRef>
+          <a:fontRef idx="minor">
+            <a:schemeClr val="lt1"/>
+          </a:fontRef>
+        </p:style>
+        <p:txBody>
+          <a:bodyPr rtlCol="0" anchor="ctr"/>
+          <a:lstStyle/>
+          <a:p>
+            <a:pPr algn="ctr"/>
+            <a:endParaRPr lang="ko-KR" altLang="en-US"/>
+          </a:p>
+        </p:txBody>
+      </p:sp>
+      <p:sp>
+        <p:nvSpPr>
+          <p:cNvPr id="3" name="TextBox 2">
+            <a:extLst>
+              <a:ext uri="{FF2B5EF4-FFF2-40B4-BE49-F238E27FC236}">
+                <a16:creationId xmlns:a16="http://schemas.microsoft.com/office/drawing/2014/main" id="{28E3DBFF-1414-4BF0-ADA5-9B5D3274B90E}"/>
               </a:ext>
             </a:extLst>
           </p:cNvPr>
@@ -4466,8 +5286,8 @@
         </p:nvSpPr>
         <p:spPr>
           <a:xfrm>
-            <a:off x="3372736" y="2931203"/>
-            <a:ext cx="5446528" cy="1300292"/>
+            <a:off x="4047433" y="2967335"/>
+            <a:ext cx="4079963" cy="923330"/>
           </a:xfrm>
           <a:prstGeom prst="rect">
             <a:avLst/>
@@ -4475,143 +5295,40 @@
           <a:noFill/>
         </p:spPr>
         <p:txBody>
-          <a:bodyPr wrap="square">
-            <a:spAutoFit/>
-          </a:bodyPr>
-          <a:lstStyle/>
-          <a:p>
-            <a:pPr algn="just">
-              <a:lnSpc>
-                <a:spcPct val="150000"/>
-              </a:lnSpc>
-            </a:pPr>
-            <a:r>
-              <a:rPr lang="ko-KR" altLang="en-US" sz="1800" spc="-150" dirty="0">
-                <a:solidFill>
-                  <a:schemeClr val="bg1"/>
-                </a:solidFill>
-              </a:rPr>
-              <a:t>그리워 멀리 하나에 이름과</a:t>
-            </a:r>
-            <a:r>
-              <a:rPr lang="en-US" altLang="ko-KR" sz="1800" spc="-150" dirty="0">
-                <a:solidFill>
-                  <a:schemeClr val="bg1"/>
-                </a:solidFill>
-              </a:rPr>
-              <a:t>, </a:t>
-            </a:r>
-            <a:r>
-              <a:rPr lang="ko-KR" altLang="en-US" sz="1800" spc="-150" dirty="0">
-                <a:solidFill>
-                  <a:schemeClr val="bg1"/>
-                </a:solidFill>
-              </a:rPr>
-              <a:t>무엇인지 별에도 어머니 이름자 </a:t>
-            </a:r>
-            <a:r>
-              <a:rPr lang="ko-KR" altLang="en-US" sz="1800" spc="-150" dirty="0" err="1">
-                <a:solidFill>
-                  <a:schemeClr val="bg1"/>
-                </a:solidFill>
-              </a:rPr>
-              <a:t>거외다</a:t>
-            </a:r>
-            <a:r>
-              <a:rPr lang="en-US" altLang="ko-KR" sz="1800" spc="-150" dirty="0">
-                <a:solidFill>
-                  <a:schemeClr val="bg1"/>
-                </a:solidFill>
-              </a:rPr>
-              <a:t>. </a:t>
-            </a:r>
-            <a:r>
-              <a:rPr lang="ko-KR" altLang="en-US" sz="1800" spc="-150" dirty="0">
-                <a:solidFill>
-                  <a:schemeClr val="bg1"/>
-                </a:solidFill>
-              </a:rPr>
-              <a:t>하나에 슬퍼하는 너무나 위에 된 봅니다</a:t>
-            </a:r>
-            <a:r>
-              <a:rPr lang="en-US" altLang="ko-KR" sz="1800" spc="-150" dirty="0">
-                <a:solidFill>
-                  <a:schemeClr val="bg1"/>
-                </a:solidFill>
-              </a:rPr>
-              <a:t>. </a:t>
-            </a:r>
-            <a:r>
-              <a:rPr lang="ko-KR" altLang="en-US" sz="1800" spc="-150" dirty="0">
-                <a:solidFill>
-                  <a:schemeClr val="bg1"/>
-                </a:solidFill>
-              </a:rPr>
-              <a:t>없이 별에도 이름을 나는 풀이 </a:t>
-            </a:r>
-            <a:r>
-              <a:rPr lang="ko-KR" altLang="en-US" sz="1800" spc="-150" dirty="0" err="1">
-                <a:solidFill>
-                  <a:schemeClr val="bg1"/>
-                </a:solidFill>
-              </a:rPr>
-              <a:t>거외다</a:t>
-            </a:r>
-            <a:r>
-              <a:rPr lang="en-US" altLang="ko-KR" sz="1800" spc="-150" dirty="0">
-                <a:solidFill>
-                  <a:schemeClr val="bg1"/>
-                </a:solidFill>
-              </a:rPr>
-              <a:t>. </a:t>
-            </a:r>
-            <a:endParaRPr lang="ko-KR" altLang="en-US" sz="1800" spc="-150" dirty="0">
-              <a:solidFill>
-                <a:schemeClr val="bg1"/>
-              </a:solidFill>
-            </a:endParaRPr>
-          </a:p>
-        </p:txBody>
-      </p:sp>
-      <p:sp>
-        <p:nvSpPr>
-          <p:cNvPr id="3" name="TextBox 2">
-            <a:extLst>
-              <a:ext uri="{FF2B5EF4-FFF2-40B4-BE49-F238E27FC236}">
-                <a16:creationId xmlns:a16="http://schemas.microsoft.com/office/drawing/2014/main" id="{9BEE1ACE-3E1E-4C35-B9EE-5628C56357C0}"/>
-              </a:ext>
-            </a:extLst>
-          </p:cNvPr>
-          <p:cNvSpPr txBox="1"/>
-          <p:nvPr/>
-        </p:nvSpPr>
-        <p:spPr>
-          <a:xfrm>
-            <a:off x="2745641" y="2331038"/>
-            <a:ext cx="627095" cy="1200329"/>
-          </a:xfrm>
-          <a:prstGeom prst="rect">
-            <a:avLst/>
-          </a:prstGeom>
-          <a:noFill/>
-        </p:spPr>
-        <p:txBody>
           <a:bodyPr wrap="none" rtlCol="0">
             <a:spAutoFit/>
           </a:bodyPr>
           <a:lstStyle/>
           <a:p>
-            <a:r>
-              <a:rPr lang="en-US" altLang="ko-KR" sz="7200" dirty="0">
-                <a:solidFill>
-                  <a:schemeClr val="bg1"/>
-                </a:solidFill>
-              </a:rPr>
-              <a:t>“</a:t>
-            </a:r>
-            <a:endParaRPr lang="ko-KR" altLang="en-US" sz="7200" dirty="0">
+            <a:pPr algn="ctr"/>
+            <a:r>
+              <a:rPr lang="en-US" altLang="ko-KR" sz="5400" spc="-300" dirty="0">
+                <a:solidFill>
+                  <a:schemeClr val="tx1">
+                    <a:lumMod val="75000"/>
+                    <a:lumOff val="25000"/>
+                  </a:schemeClr>
+                </a:solidFill>
+              </a:rPr>
+              <a:t>#</a:t>
+            </a:r>
+            <a:r>
+              <a:rPr lang="ko-KR" altLang="en-US" sz="5400" spc="-300" dirty="0" err="1">
+                <a:solidFill>
+                  <a:schemeClr val="tx1">
+                    <a:lumMod val="75000"/>
+                    <a:lumOff val="25000"/>
+                  </a:schemeClr>
+                </a:solidFill>
+              </a:rPr>
+              <a:t>어려울것없음</a:t>
+            </a:r>
+            <a:endParaRPr lang="ko-KR" altLang="en-US" sz="5400" spc="-300" dirty="0">
               <a:solidFill>
-                <a:schemeClr val="bg1"/>
+                <a:schemeClr val="tx1">
+                  <a:lumMod val="75000"/>
+                  <a:lumOff val="25000"/>
+                </a:schemeClr>
               </a:solidFill>
             </a:endParaRPr>
           </a:p>
@@ -4620,7 +5337,7 @@
     </p:spTree>
     <p:extLst>
       <p:ext uri="{BB962C8B-B14F-4D97-AF65-F5344CB8AC3E}">
-        <p14:creationId xmlns:p14="http://schemas.microsoft.com/office/powerpoint/2010/main" val="3055757367"/>
+        <p14:creationId xmlns:p14="http://schemas.microsoft.com/office/powerpoint/2010/main" val="3841542783"/>
       </p:ext>
     </p:extLst>
   </p:cSld>
@@ -4648,7 +5365,7 @@
     <p:bg>
       <p:bgPr>
         <a:solidFill>
-          <a:schemeClr val="accent5"/>
+          <a:schemeClr val="accent4"/>
         </a:solidFill>
         <a:effectLst/>
       </p:bgPr>
@@ -4672,7 +5389,7 @@
           <p:cNvPr id="2" name="TextBox 1">
             <a:extLst>
               <a:ext uri="{FF2B5EF4-FFF2-40B4-BE49-F238E27FC236}">
-                <a16:creationId xmlns:a16="http://schemas.microsoft.com/office/drawing/2014/main" id="{B977FE27-9963-4D3D-A5F2-4E98CFCD3E7F}"/>
+                <a16:creationId xmlns:a16="http://schemas.microsoft.com/office/drawing/2014/main" id="{69A2B895-78D9-4620-B1F3-86FFF76BB729}"/>
               </a:ext>
             </a:extLst>
           </p:cNvPr>
@@ -4681,8 +5398,8 @@
         </p:nvSpPr>
         <p:spPr>
           <a:xfrm>
-            <a:off x="3072576" y="2052320"/>
-            <a:ext cx="6046848" cy="923330"/>
+            <a:off x="3372736" y="2931203"/>
+            <a:ext cx="5446528" cy="1300292"/>
           </a:xfrm>
           <a:prstGeom prst="rect">
             <a:avLst/>
@@ -4690,76 +5407,152 @@
           <a:noFill/>
         </p:spPr>
         <p:txBody>
+          <a:bodyPr wrap="square">
+            <a:spAutoFit/>
+          </a:bodyPr>
+          <a:lstStyle/>
+          <a:p>
+            <a:pPr algn="just">
+              <a:lnSpc>
+                <a:spcPct val="150000"/>
+              </a:lnSpc>
+            </a:pPr>
+            <a:r>
+              <a:rPr lang="ko-KR" altLang="en-US" sz="1800" spc="-150" dirty="0">
+                <a:solidFill>
+                  <a:schemeClr val="bg1"/>
+                </a:solidFill>
+              </a:rPr>
+              <a:t>그리워 멀리 하나에 이름과</a:t>
+            </a:r>
+            <a:r>
+              <a:rPr lang="en-US" altLang="ko-KR" sz="1800" spc="-150" dirty="0">
+                <a:solidFill>
+                  <a:schemeClr val="bg1"/>
+                </a:solidFill>
+              </a:rPr>
+              <a:t>, </a:t>
+            </a:r>
+            <a:r>
+              <a:rPr lang="ko-KR" altLang="en-US" sz="1800" spc="-150" dirty="0">
+                <a:solidFill>
+                  <a:schemeClr val="bg1"/>
+                </a:solidFill>
+              </a:rPr>
+              <a:t>무엇인지 별에도 어머니 이름자 </a:t>
+            </a:r>
+            <a:r>
+              <a:rPr lang="ko-KR" altLang="en-US" sz="1800" spc="-150" dirty="0" err="1">
+                <a:solidFill>
+                  <a:schemeClr val="bg1"/>
+                </a:solidFill>
+              </a:rPr>
+              <a:t>거외다</a:t>
+            </a:r>
+            <a:r>
+              <a:rPr lang="en-US" altLang="ko-KR" sz="1800" spc="-150" dirty="0">
+                <a:solidFill>
+                  <a:schemeClr val="bg1"/>
+                </a:solidFill>
+              </a:rPr>
+              <a:t>. </a:t>
+            </a:r>
+            <a:r>
+              <a:rPr lang="ko-KR" altLang="en-US" sz="1800" spc="-150" dirty="0">
+                <a:solidFill>
+                  <a:schemeClr val="bg1"/>
+                </a:solidFill>
+              </a:rPr>
+              <a:t>하나에 슬퍼하는 너무나 위에 된 봅니다</a:t>
+            </a:r>
+            <a:r>
+              <a:rPr lang="en-US" altLang="ko-KR" sz="1800" spc="-150" dirty="0">
+                <a:solidFill>
+                  <a:schemeClr val="bg1"/>
+                </a:solidFill>
+              </a:rPr>
+              <a:t>. </a:t>
+            </a:r>
+            <a:r>
+              <a:rPr lang="ko-KR" altLang="en-US" sz="1800" spc="-150" dirty="0">
+                <a:solidFill>
+                  <a:schemeClr val="bg1"/>
+                </a:solidFill>
+              </a:rPr>
+              <a:t>없이 별에도 이름을 나는 풀이 </a:t>
+            </a:r>
+            <a:r>
+              <a:rPr lang="ko-KR" altLang="en-US" sz="1800" spc="-150" dirty="0" err="1">
+                <a:solidFill>
+                  <a:schemeClr val="bg1"/>
+                </a:solidFill>
+              </a:rPr>
+              <a:t>거외다</a:t>
+            </a:r>
+            <a:r>
+              <a:rPr lang="en-US" altLang="ko-KR" sz="1800" spc="-150" dirty="0">
+                <a:solidFill>
+                  <a:schemeClr val="bg1"/>
+                </a:solidFill>
+              </a:rPr>
+              <a:t>. </a:t>
+            </a:r>
+            <a:endParaRPr lang="ko-KR" altLang="en-US" sz="1800" spc="-150" dirty="0">
+              <a:solidFill>
+                <a:schemeClr val="bg1"/>
+              </a:solidFill>
+            </a:endParaRPr>
+          </a:p>
+        </p:txBody>
+      </p:sp>
+      <p:sp>
+        <p:nvSpPr>
+          <p:cNvPr id="3" name="TextBox 2">
+            <a:extLst>
+              <a:ext uri="{FF2B5EF4-FFF2-40B4-BE49-F238E27FC236}">
+                <a16:creationId xmlns:a16="http://schemas.microsoft.com/office/drawing/2014/main" id="{9BEE1ACE-3E1E-4C35-B9EE-5628C56357C0}"/>
+              </a:ext>
+            </a:extLst>
+          </p:cNvPr>
+          <p:cNvSpPr txBox="1"/>
+          <p:nvPr/>
+        </p:nvSpPr>
+        <p:spPr>
+          <a:xfrm>
+            <a:off x="2745641" y="2331038"/>
+            <a:ext cx="627095" cy="1200329"/>
+          </a:xfrm>
+          <a:prstGeom prst="rect">
+            <a:avLst/>
+          </a:prstGeom>
+          <a:noFill/>
+        </p:spPr>
+        <p:txBody>
           <a:bodyPr wrap="none" rtlCol="0">
             <a:spAutoFit/>
           </a:bodyPr>
           <a:lstStyle/>
           <a:p>
-            <a:pPr algn="ctr"/>
-            <a:r>
-              <a:rPr lang="ko-KR" altLang="en-US" sz="5400" dirty="0">
-                <a:solidFill>
-                  <a:schemeClr val="tx1">
-                    <a:lumMod val="75000"/>
-                    <a:lumOff val="25000"/>
-                  </a:schemeClr>
-                </a:solidFill>
-                <a:latin typeface="+mj-ea"/>
-                <a:ea typeface="+mj-ea"/>
-              </a:rPr>
-              <a:t>메시지를 입력하세요</a:t>
-            </a:r>
-          </a:p>
-        </p:txBody>
-      </p:sp>
-      <p:sp>
-        <p:nvSpPr>
-          <p:cNvPr id="3" name="TextBox 2">
-            <a:extLst>
-              <a:ext uri="{FF2B5EF4-FFF2-40B4-BE49-F238E27FC236}">
-                <a16:creationId xmlns:a16="http://schemas.microsoft.com/office/drawing/2014/main" id="{AF9DE97F-8CBB-4ED0-82CB-C48A7E9C72C5}"/>
-              </a:ext>
-            </a:extLst>
-          </p:cNvPr>
-          <p:cNvSpPr txBox="1"/>
-          <p:nvPr/>
-        </p:nvSpPr>
-        <p:spPr>
-          <a:xfrm>
-            <a:off x="3072576" y="3882351"/>
-            <a:ext cx="6046848" cy="923330"/>
-          </a:xfrm>
-          <a:prstGeom prst="rect">
-            <a:avLst/>
-          </a:prstGeom>
-          <a:noFill/>
-        </p:spPr>
-        <p:txBody>
-          <a:bodyPr wrap="none" rtlCol="0">
-            <a:spAutoFit/>
-          </a:bodyPr>
-          <a:lstStyle/>
-          <a:p>
-            <a:pPr algn="ctr"/>
-            <a:r>
-              <a:rPr lang="ko-KR" altLang="en-US" sz="5400" dirty="0">
-                <a:solidFill>
-                  <a:schemeClr val="tx1">
-                    <a:lumMod val="75000"/>
-                    <a:lumOff val="25000"/>
-                  </a:schemeClr>
-                </a:solidFill>
-                <a:latin typeface="+mn-ea"/>
-              </a:rPr>
-              <a:t>메시지를 입력하세요</a:t>
-            </a:r>
+            <a:r>
+              <a:rPr lang="en-US" altLang="ko-KR" sz="7200" dirty="0">
+                <a:solidFill>
+                  <a:schemeClr val="bg1"/>
+                </a:solidFill>
+              </a:rPr>
+              <a:t>“</a:t>
+            </a:r>
+            <a:endParaRPr lang="ko-KR" altLang="en-US" sz="7200" dirty="0">
+              <a:solidFill>
+                <a:schemeClr val="bg1"/>
+              </a:solidFill>
+            </a:endParaRPr>
           </a:p>
         </p:txBody>
       </p:sp>
     </p:spTree>
     <p:extLst>
       <p:ext uri="{BB962C8B-B14F-4D97-AF65-F5344CB8AC3E}">
-        <p14:creationId xmlns:p14="http://schemas.microsoft.com/office/powerpoint/2010/main" val="2246072484"/>
+        <p14:creationId xmlns:p14="http://schemas.microsoft.com/office/powerpoint/2010/main" val="3055757367"/>
       </p:ext>
     </p:extLst>
   </p:cSld>
@@ -4787,6 +5580,145 @@
     <p:bg>
       <p:bgPr>
         <a:solidFill>
+          <a:schemeClr val="accent5"/>
+        </a:solidFill>
+        <a:effectLst/>
+      </p:bgPr>
+    </p:bg>
+    <p:spTree>
+      <p:nvGrpSpPr>
+        <p:cNvPr id="1" name=""/>
+        <p:cNvGrpSpPr/>
+        <p:nvPr/>
+      </p:nvGrpSpPr>
+      <p:grpSpPr>
+        <a:xfrm>
+          <a:off x="0" y="0"/>
+          <a:ext cx="0" cy="0"/>
+          <a:chOff x="0" y="0"/>
+          <a:chExt cx="0" cy="0"/>
+        </a:xfrm>
+      </p:grpSpPr>
+      <p:sp>
+        <p:nvSpPr>
+          <p:cNvPr id="2" name="TextBox 1">
+            <a:extLst>
+              <a:ext uri="{FF2B5EF4-FFF2-40B4-BE49-F238E27FC236}">
+                <a16:creationId xmlns:a16="http://schemas.microsoft.com/office/drawing/2014/main" id="{B977FE27-9963-4D3D-A5F2-4E98CFCD3E7F}"/>
+              </a:ext>
+            </a:extLst>
+          </p:cNvPr>
+          <p:cNvSpPr txBox="1"/>
+          <p:nvPr/>
+        </p:nvSpPr>
+        <p:spPr>
+          <a:xfrm>
+            <a:off x="3072576" y="2052320"/>
+            <a:ext cx="6046848" cy="923330"/>
+          </a:xfrm>
+          <a:prstGeom prst="rect">
+            <a:avLst/>
+          </a:prstGeom>
+          <a:noFill/>
+        </p:spPr>
+        <p:txBody>
+          <a:bodyPr wrap="none" rtlCol="0">
+            <a:spAutoFit/>
+          </a:bodyPr>
+          <a:lstStyle/>
+          <a:p>
+            <a:pPr algn="ctr"/>
+            <a:r>
+              <a:rPr lang="ko-KR" altLang="en-US" sz="5400" dirty="0">
+                <a:solidFill>
+                  <a:schemeClr val="tx1">
+                    <a:lumMod val="75000"/>
+                    <a:lumOff val="25000"/>
+                  </a:schemeClr>
+                </a:solidFill>
+                <a:latin typeface="+mj-ea"/>
+                <a:ea typeface="+mj-ea"/>
+              </a:rPr>
+              <a:t>메시지를 입력하세요</a:t>
+            </a:r>
+          </a:p>
+        </p:txBody>
+      </p:sp>
+      <p:sp>
+        <p:nvSpPr>
+          <p:cNvPr id="3" name="TextBox 2">
+            <a:extLst>
+              <a:ext uri="{FF2B5EF4-FFF2-40B4-BE49-F238E27FC236}">
+                <a16:creationId xmlns:a16="http://schemas.microsoft.com/office/drawing/2014/main" id="{AF9DE97F-8CBB-4ED0-82CB-C48A7E9C72C5}"/>
+              </a:ext>
+            </a:extLst>
+          </p:cNvPr>
+          <p:cNvSpPr txBox="1"/>
+          <p:nvPr/>
+        </p:nvSpPr>
+        <p:spPr>
+          <a:xfrm>
+            <a:off x="3072576" y="3882351"/>
+            <a:ext cx="6046848" cy="923330"/>
+          </a:xfrm>
+          <a:prstGeom prst="rect">
+            <a:avLst/>
+          </a:prstGeom>
+          <a:noFill/>
+        </p:spPr>
+        <p:txBody>
+          <a:bodyPr wrap="none" rtlCol="0">
+            <a:spAutoFit/>
+          </a:bodyPr>
+          <a:lstStyle/>
+          <a:p>
+            <a:pPr algn="ctr"/>
+            <a:r>
+              <a:rPr lang="ko-KR" altLang="en-US" sz="5400" dirty="0">
+                <a:solidFill>
+                  <a:schemeClr val="tx1">
+                    <a:lumMod val="75000"/>
+                    <a:lumOff val="25000"/>
+                  </a:schemeClr>
+                </a:solidFill>
+                <a:latin typeface="+mn-ea"/>
+              </a:rPr>
+              <a:t>메시지를 입력하세요</a:t>
+            </a:r>
+          </a:p>
+        </p:txBody>
+      </p:sp>
+    </p:spTree>
+    <p:extLst>
+      <p:ext uri="{BB962C8B-B14F-4D97-AF65-F5344CB8AC3E}">
+        <p14:creationId xmlns:p14="http://schemas.microsoft.com/office/powerpoint/2010/main" val="2246072484"/>
+      </p:ext>
+    </p:extLst>
+  </p:cSld>
+  <p:clrMapOvr>
+    <a:masterClrMapping/>
+  </p:clrMapOvr>
+  <mc:AlternateContent xmlns:mc="http://schemas.openxmlformats.org/markup-compatibility/2006" xmlns:p14="http://schemas.microsoft.com/office/powerpoint/2010/main">
+    <mc:Choice Requires="p14">
+      <p:transition spd="med" p14:dur="700">
+        <p:fade/>
+      </p:transition>
+    </mc:Choice>
+    <mc:Fallback xmlns="">
+      <p:transition spd="med">
+        <p:fade/>
+      </p:transition>
+    </mc:Fallback>
+  </mc:AlternateContent>
+</p:sld>
+</file>
+
+<file path=ppt/slides/slide16.xml><?xml version="1.0" encoding="utf-8"?>
+<p:sld xmlns:a="http://schemas.openxmlformats.org/drawingml/2006/main" xmlns:r="http://schemas.openxmlformats.org/officeDocument/2006/relationships" xmlns:p="http://schemas.openxmlformats.org/presentationml/2006/main">
+  <p:cSld>
+    <p:bg>
+      <p:bgPr>
+        <a:solidFill>
           <a:schemeClr val="accent6"/>
         </a:solidFill>
         <a:effectLst/>
@@ -4867,7 +5799,7 @@
 </p:sld>
 </file>
 
-<file path=ppt/slides/slide16.xml><?xml version="1.0" encoding="utf-8"?>
+<file path=ppt/slides/slide17.xml><?xml version="1.0" encoding="utf-8"?>
 <p:sld xmlns:a="http://schemas.openxmlformats.org/drawingml/2006/main" xmlns:r="http://schemas.openxmlformats.org/officeDocument/2006/relationships" xmlns:p="http://schemas.openxmlformats.org/presentationml/2006/main">
   <p:cSld>
     <p:spTree>
@@ -6241,6 +7173,547 @@
           <a:chExt cx="0" cy="0"/>
         </a:xfrm>
       </p:grpSpPr>
+      <p:sp>
+        <p:nvSpPr>
+          <p:cNvPr id="12" name="직사각형 11">
+            <a:extLst>
+              <a:ext uri="{FF2B5EF4-FFF2-40B4-BE49-F238E27FC236}">
+                <a16:creationId xmlns:a16="http://schemas.microsoft.com/office/drawing/2014/main" id="{6E3BF058-DAFC-4B16-A830-CA24218C48F2}"/>
+              </a:ext>
+            </a:extLst>
+          </p:cNvPr>
+          <p:cNvSpPr/>
+          <p:nvPr/>
+        </p:nvSpPr>
+        <p:spPr>
+          <a:xfrm>
+            <a:off x="0" y="0"/>
+            <a:ext cx="121920" cy="1076960"/>
+          </a:xfrm>
+          <a:prstGeom prst="rect">
+            <a:avLst/>
+          </a:prstGeom>
+          <a:ln>
+            <a:noFill/>
+          </a:ln>
+        </p:spPr>
+        <p:style>
+          <a:lnRef idx="2">
+            <a:schemeClr val="accent1">
+              <a:shade val="50000"/>
+            </a:schemeClr>
+          </a:lnRef>
+          <a:fillRef idx="1">
+            <a:schemeClr val="accent1"/>
+          </a:fillRef>
+          <a:effectRef idx="0">
+            <a:schemeClr val="accent1"/>
+          </a:effectRef>
+          <a:fontRef idx="minor">
+            <a:schemeClr val="lt1"/>
+          </a:fontRef>
+        </p:style>
+        <p:txBody>
+          <a:bodyPr rtlCol="0" anchor="ctr"/>
+          <a:lstStyle/>
+          <a:p>
+            <a:pPr algn="ctr"/>
+            <a:endParaRPr lang="ko-KR" altLang="en-US"/>
+          </a:p>
+        </p:txBody>
+      </p:sp>
+      <p:sp>
+        <p:nvSpPr>
+          <p:cNvPr id="13" name="직사각형 12">
+            <a:extLst>
+              <a:ext uri="{FF2B5EF4-FFF2-40B4-BE49-F238E27FC236}">
+                <a16:creationId xmlns:a16="http://schemas.microsoft.com/office/drawing/2014/main" id="{38790262-CCA1-493D-86E2-04D39543DF7F}"/>
+              </a:ext>
+            </a:extLst>
+          </p:cNvPr>
+          <p:cNvSpPr/>
+          <p:nvPr/>
+        </p:nvSpPr>
+        <p:spPr>
+          <a:xfrm rot="5400000">
+            <a:off x="269240" y="-147320"/>
+            <a:ext cx="121920" cy="416560"/>
+          </a:xfrm>
+          <a:prstGeom prst="rect">
+            <a:avLst/>
+          </a:prstGeom>
+          <a:solidFill>
+            <a:schemeClr val="accent4"/>
+          </a:solidFill>
+          <a:ln>
+            <a:noFill/>
+          </a:ln>
+        </p:spPr>
+        <p:style>
+          <a:lnRef idx="2">
+            <a:schemeClr val="accent1">
+              <a:shade val="50000"/>
+            </a:schemeClr>
+          </a:lnRef>
+          <a:fillRef idx="1">
+            <a:schemeClr val="accent1"/>
+          </a:fillRef>
+          <a:effectRef idx="0">
+            <a:schemeClr val="accent1"/>
+          </a:effectRef>
+          <a:fontRef idx="minor">
+            <a:schemeClr val="lt1"/>
+          </a:fontRef>
+        </p:style>
+        <p:txBody>
+          <a:bodyPr rtlCol="0" anchor="ctr"/>
+          <a:lstStyle/>
+          <a:p>
+            <a:pPr algn="ctr"/>
+            <a:endParaRPr lang="ko-KR" altLang="en-US"/>
+          </a:p>
+        </p:txBody>
+      </p:sp>
+      <p:sp>
+        <p:nvSpPr>
+          <p:cNvPr id="14" name="TextBox 13">
+            <a:extLst>
+              <a:ext uri="{FF2B5EF4-FFF2-40B4-BE49-F238E27FC236}">
+                <a16:creationId xmlns:a16="http://schemas.microsoft.com/office/drawing/2014/main" id="{208706F9-CA3E-473F-BB8B-6E262CF3790B}"/>
+              </a:ext>
+            </a:extLst>
+          </p:cNvPr>
+          <p:cNvSpPr txBox="1"/>
+          <p:nvPr/>
+        </p:nvSpPr>
+        <p:spPr>
+          <a:xfrm>
+            <a:off x="660400" y="138935"/>
+            <a:ext cx="3737429" cy="600164"/>
+          </a:xfrm>
+          <a:prstGeom prst="rect">
+            <a:avLst/>
+          </a:prstGeom>
+          <a:noFill/>
+        </p:spPr>
+        <p:txBody>
+          <a:bodyPr wrap="square" rtlCol="0">
+            <a:spAutoFit/>
+          </a:bodyPr>
+          <a:lstStyle/>
+          <a:p>
+            <a:r>
+              <a:rPr lang="en-US" altLang="ko-KR" sz="3300" spc="-300" dirty="0">
+                <a:solidFill>
+                  <a:schemeClr val="tx1">
+                    <a:lumMod val="85000"/>
+                    <a:lumOff val="15000"/>
+                  </a:schemeClr>
+                </a:solidFill>
+              </a:rPr>
+              <a:t>UI/UX </a:t>
+            </a:r>
+            <a:r>
+              <a:rPr lang="ko-KR" altLang="en-US" sz="3300" spc="-300" dirty="0">
+                <a:solidFill>
+                  <a:schemeClr val="tx1">
+                    <a:lumMod val="85000"/>
+                    <a:lumOff val="15000"/>
+                  </a:schemeClr>
+                </a:solidFill>
+              </a:rPr>
+              <a:t>컨셉트 도출</a:t>
+            </a:r>
+          </a:p>
+        </p:txBody>
+      </p:sp>
+      <p:cxnSp>
+        <p:nvCxnSpPr>
+          <p:cNvPr id="17" name="직선 연결선 16">
+            <a:extLst>
+              <a:ext uri="{FF2B5EF4-FFF2-40B4-BE49-F238E27FC236}">
+                <a16:creationId xmlns:a16="http://schemas.microsoft.com/office/drawing/2014/main" id="{CF051F70-8454-4C07-BBDD-76908C9B92D1}"/>
+              </a:ext>
+            </a:extLst>
+          </p:cNvPr>
+          <p:cNvCxnSpPr/>
+          <p:nvPr/>
+        </p:nvCxnSpPr>
+        <p:spPr>
+          <a:xfrm>
+            <a:off x="660400" y="1073885"/>
+            <a:ext cx="11531600" cy="0"/>
+          </a:xfrm>
+          <a:prstGeom prst="line">
+            <a:avLst/>
+          </a:prstGeom>
+          <a:ln>
+            <a:solidFill>
+              <a:schemeClr val="bg1">
+                <a:lumMod val="75000"/>
+              </a:schemeClr>
+            </a:solidFill>
+          </a:ln>
+        </p:spPr>
+        <p:style>
+          <a:lnRef idx="1">
+            <a:schemeClr val="accent1"/>
+          </a:lnRef>
+          <a:fillRef idx="0">
+            <a:schemeClr val="accent1"/>
+          </a:fillRef>
+          <a:effectRef idx="0">
+            <a:schemeClr val="accent1"/>
+          </a:effectRef>
+          <a:fontRef idx="minor">
+            <a:schemeClr val="tx1"/>
+          </a:fontRef>
+        </p:style>
+      </p:cxnSp>
+      <p:sp>
+        <p:nvSpPr>
+          <p:cNvPr id="2" name="직사각형 1">
+            <a:extLst>
+              <a:ext uri="{FF2B5EF4-FFF2-40B4-BE49-F238E27FC236}">
+                <a16:creationId xmlns:a16="http://schemas.microsoft.com/office/drawing/2014/main" id="{F51677CF-455E-43B0-8968-6E31C6251729}"/>
+              </a:ext>
+            </a:extLst>
+          </p:cNvPr>
+          <p:cNvSpPr/>
+          <p:nvPr/>
+        </p:nvSpPr>
+        <p:spPr>
+          <a:xfrm>
+            <a:off x="783771" y="1371599"/>
+            <a:ext cx="10983686" cy="4952999"/>
+          </a:xfrm>
+          <a:prstGeom prst="rect">
+            <a:avLst/>
+          </a:prstGeom>
+          <a:solidFill>
+            <a:schemeClr val="tx2">
+              <a:lumMod val="40000"/>
+              <a:lumOff val="60000"/>
+            </a:schemeClr>
+          </a:solidFill>
+        </p:spPr>
+        <p:style>
+          <a:lnRef idx="2">
+            <a:schemeClr val="accent1">
+              <a:shade val="50000"/>
+            </a:schemeClr>
+          </a:lnRef>
+          <a:fillRef idx="1">
+            <a:schemeClr val="accent1"/>
+          </a:fillRef>
+          <a:effectRef idx="0">
+            <a:schemeClr val="accent1"/>
+          </a:effectRef>
+          <a:fontRef idx="minor">
+            <a:schemeClr val="lt1"/>
+          </a:fontRef>
+        </p:style>
+        <p:txBody>
+          <a:bodyPr rtlCol="0" anchor="ctr"/>
+          <a:lstStyle/>
+          <a:p>
+            <a:r>
+              <a:rPr lang="ko-KR" altLang="en-US" sz="2400" dirty="0">
+                <a:solidFill>
+                  <a:schemeClr val="tx1"/>
+                </a:solidFill>
+              </a:rPr>
+              <a:t>요즘 많은 사람들이 </a:t>
+            </a:r>
+            <a:r>
+              <a:rPr lang="ko-KR" altLang="en-US" sz="2400" dirty="0" err="1">
+                <a:solidFill>
+                  <a:schemeClr val="tx1"/>
+                </a:solidFill>
+              </a:rPr>
+              <a:t>공유킥보드를</a:t>
+            </a:r>
+            <a:r>
+              <a:rPr lang="ko-KR" altLang="en-US" sz="2400" dirty="0">
+                <a:solidFill>
+                  <a:schemeClr val="tx1"/>
+                </a:solidFill>
+              </a:rPr>
+              <a:t> 이용하고 있다</a:t>
+            </a:r>
+            <a:r>
+              <a:rPr lang="en-US" altLang="ko-KR" sz="2400" dirty="0">
+                <a:solidFill>
+                  <a:schemeClr val="tx1"/>
+                </a:solidFill>
+              </a:rPr>
+              <a:t>. </a:t>
+            </a:r>
+          </a:p>
+          <a:p>
+            <a:r>
+              <a:rPr lang="ko-KR" altLang="en-US" sz="2400" dirty="0">
+                <a:solidFill>
+                  <a:schemeClr val="tx1"/>
+                </a:solidFill>
+              </a:rPr>
+              <a:t>짧은 거리를 이동할 때 대중교통보다 접근성이 좋고</a:t>
+            </a:r>
+            <a:r>
+              <a:rPr lang="en-US" altLang="ko-KR" sz="2400" dirty="0">
+                <a:solidFill>
+                  <a:schemeClr val="tx1"/>
+                </a:solidFill>
+              </a:rPr>
+              <a:t>, </a:t>
+            </a:r>
+            <a:r>
+              <a:rPr lang="ko-KR" altLang="en-US" sz="2400" dirty="0">
+                <a:solidFill>
+                  <a:schemeClr val="tx1"/>
+                </a:solidFill>
+              </a:rPr>
+              <a:t>빠르게 목적지까지 도달할 수 있다는 장점들에 힘입어</a:t>
+            </a:r>
+            <a:endParaRPr lang="en-US" altLang="ko-KR" sz="2400" dirty="0">
+              <a:solidFill>
+                <a:schemeClr val="tx1"/>
+              </a:solidFill>
+            </a:endParaRPr>
+          </a:p>
+          <a:p>
+            <a:r>
+              <a:rPr lang="ko-KR" altLang="en-US" sz="2400" dirty="0">
+                <a:solidFill>
+                  <a:schemeClr val="tx1"/>
+                </a:solidFill>
+              </a:rPr>
+              <a:t>많은 업체들이 경쟁적으로 </a:t>
+            </a:r>
+            <a:r>
+              <a:rPr lang="ko-KR" altLang="en-US" sz="2400" dirty="0" err="1">
+                <a:solidFill>
+                  <a:schemeClr val="tx1"/>
+                </a:solidFill>
+              </a:rPr>
+              <a:t>공유킥보드</a:t>
+            </a:r>
+            <a:r>
+              <a:rPr lang="ko-KR" altLang="en-US" sz="2400" dirty="0">
+                <a:solidFill>
+                  <a:schemeClr val="tx1"/>
+                </a:solidFill>
+              </a:rPr>
+              <a:t> 사업에 뛰어 들었다</a:t>
+            </a:r>
+            <a:r>
+              <a:rPr lang="en-US" altLang="ko-KR" sz="2400" dirty="0">
+                <a:solidFill>
+                  <a:schemeClr val="tx1"/>
+                </a:solidFill>
+              </a:rPr>
+              <a:t>.</a:t>
+            </a:r>
+          </a:p>
+          <a:p>
+            <a:r>
+              <a:rPr lang="ko-KR" altLang="en-US" sz="2400" dirty="0">
+                <a:solidFill>
+                  <a:schemeClr val="tx1"/>
+                </a:solidFill>
+              </a:rPr>
+              <a:t>하지만 </a:t>
+            </a:r>
+            <a:r>
+              <a:rPr lang="ko-KR" altLang="en-US" sz="2400" dirty="0" err="1">
+                <a:solidFill>
+                  <a:schemeClr val="tx1"/>
+                </a:solidFill>
+              </a:rPr>
+              <a:t>킥보드</a:t>
+            </a:r>
+            <a:r>
+              <a:rPr lang="ko-KR" altLang="en-US" sz="2400" dirty="0">
+                <a:solidFill>
+                  <a:schemeClr val="tx1"/>
+                </a:solidFill>
+              </a:rPr>
+              <a:t> 회사가 지나치게 다양해진 결과</a:t>
+            </a:r>
+            <a:r>
+              <a:rPr lang="en-US" altLang="ko-KR" sz="2400" dirty="0">
+                <a:solidFill>
+                  <a:schemeClr val="tx1"/>
+                </a:solidFill>
+              </a:rPr>
+              <a:t>, </a:t>
+            </a:r>
+            <a:r>
+              <a:rPr lang="ko-KR" altLang="en-US" sz="2400" dirty="0">
+                <a:solidFill>
+                  <a:schemeClr val="tx1"/>
+                </a:solidFill>
+              </a:rPr>
+              <a:t>사용자들은 주변의 킥보드를 이용하기 위해서는 해당 </a:t>
+            </a:r>
+            <a:r>
+              <a:rPr lang="ko-KR" altLang="en-US" sz="2400" dirty="0" err="1">
+                <a:solidFill>
+                  <a:schemeClr val="tx1"/>
+                </a:solidFill>
+              </a:rPr>
+              <a:t>킥보드</a:t>
+            </a:r>
+            <a:r>
+              <a:rPr lang="ko-KR" altLang="en-US" sz="2400" dirty="0">
+                <a:solidFill>
+                  <a:schemeClr val="tx1"/>
+                </a:solidFill>
+              </a:rPr>
+              <a:t> 회사의 어플리케이션을 필수적으로 설치해야 하는 번거로움이 있다</a:t>
+            </a:r>
+            <a:r>
+              <a:rPr lang="en-US" altLang="ko-KR" sz="2400" dirty="0">
+                <a:solidFill>
+                  <a:schemeClr val="tx1"/>
+                </a:solidFill>
+              </a:rPr>
+              <a:t>.</a:t>
+            </a:r>
+          </a:p>
+          <a:p>
+            <a:r>
+              <a:rPr lang="ko-KR" altLang="en-US" sz="2400" dirty="0">
+                <a:solidFill>
+                  <a:schemeClr val="tx1"/>
+                </a:solidFill>
+              </a:rPr>
+              <a:t>그리 하여 이 프로그램을 통해  기존의 다양한 </a:t>
+            </a:r>
+            <a:r>
+              <a:rPr lang="ko-KR" altLang="en-US" sz="2400" dirty="0" err="1">
+                <a:solidFill>
+                  <a:schemeClr val="tx1"/>
+                </a:solidFill>
+              </a:rPr>
+              <a:t>킥보드</a:t>
+            </a:r>
+            <a:r>
+              <a:rPr lang="ko-KR" altLang="en-US" sz="2400" dirty="0">
+                <a:solidFill>
+                  <a:schemeClr val="tx1"/>
+                </a:solidFill>
+              </a:rPr>
+              <a:t> 어플을 통합하고자 한다</a:t>
+            </a:r>
+            <a:r>
+              <a:rPr lang="en-US" altLang="ko-KR" sz="2400" dirty="0">
+                <a:solidFill>
+                  <a:schemeClr val="tx1"/>
+                </a:solidFill>
+              </a:rPr>
+              <a:t>.</a:t>
+            </a:r>
+          </a:p>
+          <a:p>
+            <a:r>
+              <a:rPr lang="ko-KR" altLang="en-US" sz="2400" dirty="0">
+                <a:solidFill>
+                  <a:schemeClr val="tx1"/>
+                </a:solidFill>
+              </a:rPr>
+              <a:t>사용자들이 </a:t>
+            </a:r>
+            <a:r>
+              <a:rPr lang="ko-KR" altLang="en-US" sz="2400" dirty="0" err="1">
+                <a:solidFill>
+                  <a:schemeClr val="tx1"/>
+                </a:solidFill>
+              </a:rPr>
+              <a:t>킥보드</a:t>
+            </a:r>
+            <a:r>
+              <a:rPr lang="ko-KR" altLang="en-US" sz="2400" dirty="0">
+                <a:solidFill>
+                  <a:schemeClr val="tx1"/>
+                </a:solidFill>
+              </a:rPr>
+              <a:t> 회사마다 어플을 일일이 매칭시키는 수고를 덜고</a:t>
+            </a:r>
+            <a:r>
+              <a:rPr lang="en-US" altLang="ko-KR" sz="2400" dirty="0">
+                <a:solidFill>
+                  <a:schemeClr val="tx1"/>
+                </a:solidFill>
+              </a:rPr>
+              <a:t>, </a:t>
+            </a:r>
+            <a:r>
+              <a:rPr lang="ko-KR" altLang="en-US" sz="2400" dirty="0">
+                <a:solidFill>
+                  <a:schemeClr val="tx1"/>
+                </a:solidFill>
+              </a:rPr>
+              <a:t>하나의 프로그램으로 킥보드를 언제 어디서든 이용하여 효율적인 시간관리를 할 수 있음을 목적으로 한다</a:t>
+            </a:r>
+            <a:r>
+              <a:rPr lang="en-US" altLang="ko-KR" sz="2400" dirty="0">
+                <a:solidFill>
+                  <a:schemeClr val="tx1"/>
+                </a:solidFill>
+              </a:rPr>
+              <a:t>.</a:t>
+            </a:r>
+            <a:endParaRPr lang="ko-KR" altLang="en-US" sz="2400" dirty="0">
+              <a:solidFill>
+                <a:schemeClr val="tx1"/>
+              </a:solidFill>
+            </a:endParaRPr>
+          </a:p>
+        </p:txBody>
+      </p:sp>
+    </p:spTree>
+    <p:extLst>
+      <p:ext uri="{BB962C8B-B14F-4D97-AF65-F5344CB8AC3E}">
+        <p14:creationId xmlns:p14="http://schemas.microsoft.com/office/powerpoint/2010/main" val="3630580634"/>
+      </p:ext>
+    </p:extLst>
+  </p:cSld>
+  <p:clrMapOvr>
+    <a:masterClrMapping/>
+  </p:clrMapOvr>
+  <mc:AlternateContent xmlns:mc="http://schemas.openxmlformats.org/markup-compatibility/2006" xmlns:p14="http://schemas.microsoft.com/office/powerpoint/2010/main">
+    <mc:Choice Requires="p14">
+      <p:transition spd="med" p14:dur="700">
+        <p:fade/>
+      </p:transition>
+    </mc:Choice>
+    <mc:Fallback xmlns="">
+      <p:transition spd="med">
+        <p:fade/>
+      </p:transition>
+    </mc:Fallback>
+  </mc:AlternateContent>
+</p:sld>
+</file>
+
+<file path=ppt/slides/slide7.xml><?xml version="1.0" encoding="utf-8"?>
+<p:sld xmlns:a="http://schemas.openxmlformats.org/drawingml/2006/main" xmlns:r="http://schemas.openxmlformats.org/officeDocument/2006/relationships" xmlns:p="http://schemas.openxmlformats.org/presentationml/2006/main">
+  <p:cSld>
+    <p:spTree>
+      <p:nvGrpSpPr>
+        <p:cNvPr id="1" name=""/>
+        <p:cNvGrpSpPr/>
+        <p:nvPr/>
+      </p:nvGrpSpPr>
+      <p:grpSpPr>
+        <a:xfrm>
+          <a:off x="0" y="0"/>
+          <a:ext cx="0" cy="0"/>
+          <a:chOff x="0" y="0"/>
+          <a:chExt cx="0" cy="0"/>
+        </a:xfrm>
+      </p:grpSpPr>
       <p:graphicFrame>
         <p:nvGraphicFramePr>
           <p:cNvPr id="6" name="표 5">
@@ -6253,13 +7726,7 @@
           <p:cNvGraphicFramePr>
             <a:graphicFrameLocks noGrp="1"/>
           </p:cNvGraphicFramePr>
-          <p:nvPr>
-            <p:extLst>
-              <p:ext uri="{D42A27DB-BD31-4B8C-83A1-F6EECF244321}">
-                <p14:modId xmlns:p14="http://schemas.microsoft.com/office/powerpoint/2010/main" val="1842379903"/>
-              </p:ext>
-            </p:extLst>
-          </p:nvPr>
+          <p:nvPr/>
         </p:nvGraphicFramePr>
         <p:xfrm>
           <a:off x="696686" y="1240876"/>
@@ -8242,1395 +9709,7 @@
     </p:spTree>
     <p:extLst>
       <p:ext uri="{BB962C8B-B14F-4D97-AF65-F5344CB8AC3E}">
-        <p14:creationId xmlns:p14="http://schemas.microsoft.com/office/powerpoint/2010/main" val="3630580634"/>
-      </p:ext>
-    </p:extLst>
-  </p:cSld>
-  <p:clrMapOvr>
-    <a:masterClrMapping/>
-  </p:clrMapOvr>
-  <mc:AlternateContent xmlns:mc="http://schemas.openxmlformats.org/markup-compatibility/2006" xmlns:p14="http://schemas.microsoft.com/office/powerpoint/2010/main">
-    <mc:Choice Requires="p14">
-      <p:transition spd="med" p14:dur="700">
-        <p:fade/>
-      </p:transition>
-    </mc:Choice>
-    <mc:Fallback xmlns="">
-      <p:transition spd="med">
-        <p:fade/>
-      </p:transition>
-    </mc:Fallback>
-  </mc:AlternateContent>
-</p:sld>
-</file>
-
-<file path=ppt/slides/slide7.xml><?xml version="1.0" encoding="utf-8"?>
-<p:sld xmlns:a="http://schemas.openxmlformats.org/drawingml/2006/main" xmlns:r="http://schemas.openxmlformats.org/officeDocument/2006/relationships" xmlns:p="http://schemas.openxmlformats.org/presentationml/2006/main">
-  <p:cSld>
-    <p:spTree>
-      <p:nvGrpSpPr>
-        <p:cNvPr id="1" name=""/>
-        <p:cNvGrpSpPr/>
-        <p:nvPr/>
-      </p:nvGrpSpPr>
-      <p:grpSpPr>
-        <a:xfrm>
-          <a:off x="0" y="0"/>
-          <a:ext cx="0" cy="0"/>
-          <a:chOff x="0" y="0"/>
-          <a:chExt cx="0" cy="0"/>
-        </a:xfrm>
-      </p:grpSpPr>
-      <p:sp>
-        <p:nvSpPr>
-          <p:cNvPr id="3" name="직사각형 2">
-            <a:extLst>
-              <a:ext uri="{FF2B5EF4-FFF2-40B4-BE49-F238E27FC236}">
-                <a16:creationId xmlns:a16="http://schemas.microsoft.com/office/drawing/2014/main" id="{E6DAD3A2-CFF0-4D0A-9AC5-E83BFA79D8AE}"/>
-              </a:ext>
-            </a:extLst>
-          </p:cNvPr>
-          <p:cNvSpPr/>
-          <p:nvPr/>
-        </p:nvSpPr>
-        <p:spPr>
-          <a:xfrm>
-            <a:off x="527136" y="1516828"/>
-            <a:ext cx="4902200" cy="2220496"/>
-          </a:xfrm>
-          <a:prstGeom prst="rect">
-            <a:avLst/>
-          </a:prstGeom>
-          <a:solidFill>
-            <a:schemeClr val="accent1"/>
-          </a:solidFill>
-          <a:ln>
-            <a:noFill/>
-          </a:ln>
-        </p:spPr>
-        <p:style>
-          <a:lnRef idx="2">
-            <a:schemeClr val="accent1">
-              <a:shade val="50000"/>
-            </a:schemeClr>
-          </a:lnRef>
-          <a:fillRef idx="1">
-            <a:schemeClr val="accent1"/>
-          </a:fillRef>
-          <a:effectRef idx="0">
-            <a:schemeClr val="accent1"/>
-          </a:effectRef>
-          <a:fontRef idx="minor">
-            <a:schemeClr val="lt1"/>
-          </a:fontRef>
-        </p:style>
-        <p:txBody>
-          <a:bodyPr rtlCol="0" anchor="ctr"/>
-          <a:lstStyle/>
-          <a:p>
-            <a:pPr algn="ctr"/>
-            <a:endParaRPr lang="ko-KR" altLang="en-US">
-              <a:solidFill>
-                <a:schemeClr val="bg1"/>
-              </a:solidFill>
-            </a:endParaRPr>
-          </a:p>
-        </p:txBody>
-      </p:sp>
-      <p:sp>
-        <p:nvSpPr>
-          <p:cNvPr id="4" name="직사각형 3">
-            <a:extLst>
-              <a:ext uri="{FF2B5EF4-FFF2-40B4-BE49-F238E27FC236}">
-                <a16:creationId xmlns:a16="http://schemas.microsoft.com/office/drawing/2014/main" id="{F09FD786-C859-4AD4-BA6F-D81458F26C0C}"/>
-              </a:ext>
-            </a:extLst>
-          </p:cNvPr>
-          <p:cNvSpPr/>
-          <p:nvPr/>
-        </p:nvSpPr>
-        <p:spPr>
-          <a:xfrm>
-            <a:off x="6529313" y="1502129"/>
-            <a:ext cx="4902200" cy="2235195"/>
-          </a:xfrm>
-          <a:prstGeom prst="rect">
-            <a:avLst/>
-          </a:prstGeom>
-          <a:solidFill>
-            <a:schemeClr val="accent3"/>
-          </a:solidFill>
-          <a:ln>
-            <a:noFill/>
-          </a:ln>
-        </p:spPr>
-        <p:style>
-          <a:lnRef idx="2">
-            <a:schemeClr val="accent1">
-              <a:shade val="50000"/>
-            </a:schemeClr>
-          </a:lnRef>
-          <a:fillRef idx="1">
-            <a:schemeClr val="accent1"/>
-          </a:fillRef>
-          <a:effectRef idx="0">
-            <a:schemeClr val="accent1"/>
-          </a:effectRef>
-          <a:fontRef idx="minor">
-            <a:schemeClr val="lt1"/>
-          </a:fontRef>
-        </p:style>
-        <p:txBody>
-          <a:bodyPr rtlCol="0" anchor="ctr"/>
-          <a:lstStyle/>
-          <a:p>
-            <a:pPr algn="ctr"/>
-            <a:endParaRPr lang="ko-KR" altLang="en-US" dirty="0">
-              <a:solidFill>
-                <a:schemeClr val="bg1"/>
-              </a:solidFill>
-            </a:endParaRPr>
-          </a:p>
-        </p:txBody>
-      </p:sp>
-      <p:sp>
-        <p:nvSpPr>
-          <p:cNvPr id="5" name="직사각형 4">
-            <a:extLst>
-              <a:ext uri="{FF2B5EF4-FFF2-40B4-BE49-F238E27FC236}">
-                <a16:creationId xmlns:a16="http://schemas.microsoft.com/office/drawing/2014/main" id="{B9576B35-CD3C-423D-93D2-0646784DDD4A}"/>
-              </a:ext>
-            </a:extLst>
-          </p:cNvPr>
-          <p:cNvSpPr/>
-          <p:nvPr/>
-        </p:nvSpPr>
-        <p:spPr>
-          <a:xfrm>
-            <a:off x="527140" y="4171065"/>
-            <a:ext cx="4902200" cy="2235195"/>
-          </a:xfrm>
-          <a:prstGeom prst="rect">
-            <a:avLst/>
-          </a:prstGeom>
-          <a:solidFill>
-            <a:schemeClr val="accent2"/>
-          </a:solidFill>
-          <a:ln>
-            <a:noFill/>
-          </a:ln>
-        </p:spPr>
-        <p:style>
-          <a:lnRef idx="2">
-            <a:schemeClr val="accent1">
-              <a:shade val="50000"/>
-            </a:schemeClr>
-          </a:lnRef>
-          <a:fillRef idx="1">
-            <a:schemeClr val="accent1"/>
-          </a:fillRef>
-          <a:effectRef idx="0">
-            <a:schemeClr val="accent1"/>
-          </a:effectRef>
-          <a:fontRef idx="minor">
-            <a:schemeClr val="lt1"/>
-          </a:fontRef>
-        </p:style>
-        <p:txBody>
-          <a:bodyPr rtlCol="0" anchor="ctr"/>
-          <a:lstStyle/>
-          <a:p>
-            <a:pPr algn="ctr"/>
-            <a:endParaRPr lang="ko-KR" altLang="en-US">
-              <a:solidFill>
-                <a:schemeClr val="bg1"/>
-              </a:solidFill>
-            </a:endParaRPr>
-          </a:p>
-        </p:txBody>
-      </p:sp>
-      <p:sp>
-        <p:nvSpPr>
-          <p:cNvPr id="7" name="직사각형 6">
-            <a:extLst>
-              <a:ext uri="{FF2B5EF4-FFF2-40B4-BE49-F238E27FC236}">
-                <a16:creationId xmlns:a16="http://schemas.microsoft.com/office/drawing/2014/main" id="{065F2E44-F418-45DF-9F1F-1481BFD71AA0}"/>
-              </a:ext>
-            </a:extLst>
-          </p:cNvPr>
-          <p:cNvSpPr/>
-          <p:nvPr/>
-        </p:nvSpPr>
-        <p:spPr>
-          <a:xfrm>
-            <a:off x="6529313" y="4181816"/>
-            <a:ext cx="4902200" cy="2235195"/>
-          </a:xfrm>
-          <a:prstGeom prst="rect">
-            <a:avLst/>
-          </a:prstGeom>
-          <a:solidFill>
-            <a:schemeClr val="accent5"/>
-          </a:solidFill>
-          <a:ln>
-            <a:noFill/>
-          </a:ln>
-        </p:spPr>
-        <p:style>
-          <a:lnRef idx="2">
-            <a:schemeClr val="accent1">
-              <a:shade val="50000"/>
-            </a:schemeClr>
-          </a:lnRef>
-          <a:fillRef idx="1">
-            <a:schemeClr val="accent1"/>
-          </a:fillRef>
-          <a:effectRef idx="0">
-            <a:schemeClr val="accent1"/>
-          </a:effectRef>
-          <a:fontRef idx="minor">
-            <a:schemeClr val="lt1"/>
-          </a:fontRef>
-        </p:style>
-        <p:txBody>
-          <a:bodyPr rtlCol="0" anchor="ctr"/>
-          <a:lstStyle/>
-          <a:p>
-            <a:pPr algn="ctr"/>
-            <a:endParaRPr lang="ko-KR" altLang="en-US">
-              <a:solidFill>
-                <a:schemeClr val="bg1"/>
-              </a:solidFill>
-            </a:endParaRPr>
-          </a:p>
-        </p:txBody>
-      </p:sp>
-      <p:sp>
-        <p:nvSpPr>
-          <p:cNvPr id="10" name="직사각형 9">
-            <a:extLst>
-              <a:ext uri="{FF2B5EF4-FFF2-40B4-BE49-F238E27FC236}">
-                <a16:creationId xmlns:a16="http://schemas.microsoft.com/office/drawing/2014/main" id="{9FEB6928-56CE-4D1B-961F-55CB97BB2BAE}"/>
-              </a:ext>
-            </a:extLst>
-          </p:cNvPr>
-          <p:cNvSpPr/>
-          <p:nvPr/>
-        </p:nvSpPr>
-        <p:spPr>
-          <a:xfrm>
-            <a:off x="6648269" y="3144507"/>
-            <a:ext cx="482600" cy="482600"/>
-          </a:xfrm>
-          <a:prstGeom prst="rect">
-            <a:avLst/>
-          </a:prstGeom>
-          <a:noFill/>
-          <a:ln>
-            <a:noFill/>
-          </a:ln>
-        </p:spPr>
-        <p:style>
-          <a:lnRef idx="2">
-            <a:schemeClr val="accent1">
-              <a:shade val="50000"/>
-            </a:schemeClr>
-          </a:lnRef>
-          <a:fillRef idx="1">
-            <a:schemeClr val="accent1"/>
-          </a:fillRef>
-          <a:effectRef idx="0">
-            <a:schemeClr val="accent1"/>
-          </a:effectRef>
-          <a:fontRef idx="minor">
-            <a:schemeClr val="lt1"/>
-          </a:fontRef>
-        </p:style>
-        <p:txBody>
-          <a:bodyPr rtlCol="0" anchor="ctr"/>
-          <a:lstStyle/>
-          <a:p>
-            <a:pPr algn="ctr"/>
-            <a:endParaRPr lang="ko-KR" altLang="en-US">
-              <a:solidFill>
-                <a:schemeClr val="bg1"/>
-              </a:solidFill>
-              <a:latin typeface="+mj-lt"/>
-            </a:endParaRPr>
-          </a:p>
-        </p:txBody>
-      </p:sp>
-      <p:sp>
-        <p:nvSpPr>
-          <p:cNvPr id="14" name="직사각형 13">
-            <a:extLst>
-              <a:ext uri="{FF2B5EF4-FFF2-40B4-BE49-F238E27FC236}">
-                <a16:creationId xmlns:a16="http://schemas.microsoft.com/office/drawing/2014/main" id="{2F1F9BF4-F74A-46FD-AE15-860E7F714C05}"/>
-              </a:ext>
-            </a:extLst>
-          </p:cNvPr>
-          <p:cNvSpPr/>
-          <p:nvPr/>
-        </p:nvSpPr>
-        <p:spPr>
-          <a:xfrm>
-            <a:off x="753006" y="1662932"/>
-            <a:ext cx="1614672" cy="1766067"/>
-          </a:xfrm>
-          <a:prstGeom prst="rect">
-            <a:avLst/>
-          </a:prstGeom>
-          <a:solidFill>
-            <a:schemeClr val="accent6"/>
-          </a:solidFill>
-          <a:ln>
-            <a:noFill/>
-          </a:ln>
-        </p:spPr>
-        <p:style>
-          <a:lnRef idx="2">
-            <a:schemeClr val="accent1">
-              <a:shade val="50000"/>
-            </a:schemeClr>
-          </a:lnRef>
-          <a:fillRef idx="1">
-            <a:schemeClr val="accent1"/>
-          </a:fillRef>
-          <a:effectRef idx="0">
-            <a:schemeClr val="accent1"/>
-          </a:effectRef>
-          <a:fontRef idx="minor">
-            <a:schemeClr val="lt1"/>
-          </a:fontRef>
-        </p:style>
-        <p:txBody>
-          <a:bodyPr rtlCol="0" anchor="ctr"/>
-          <a:lstStyle/>
-          <a:p>
-            <a:pPr algn="ctr"/>
-            <a:endParaRPr lang="ko-KR" altLang="en-US">
-              <a:solidFill>
-                <a:schemeClr val="bg1"/>
-              </a:solidFill>
-              <a:latin typeface="+mj-lt"/>
-            </a:endParaRPr>
-          </a:p>
-        </p:txBody>
-      </p:sp>
-      <p:sp>
-        <p:nvSpPr>
-          <p:cNvPr id="16" name="TextBox 15">
-            <a:extLst>
-              <a:ext uri="{FF2B5EF4-FFF2-40B4-BE49-F238E27FC236}">
-                <a16:creationId xmlns:a16="http://schemas.microsoft.com/office/drawing/2014/main" id="{CB3F00C6-FDDF-48AB-A8B6-E47D459D5CEC}"/>
-              </a:ext>
-            </a:extLst>
-          </p:cNvPr>
-          <p:cNvSpPr txBox="1"/>
-          <p:nvPr/>
-        </p:nvSpPr>
-        <p:spPr>
-          <a:xfrm>
-            <a:off x="2818724" y="1562601"/>
-            <a:ext cx="2280395" cy="2116285"/>
-          </a:xfrm>
-          <a:prstGeom prst="rect">
-            <a:avLst/>
-          </a:prstGeom>
-          <a:noFill/>
-        </p:spPr>
-        <p:txBody>
-          <a:bodyPr wrap="square" rtlCol="0">
-            <a:spAutoFit/>
-          </a:bodyPr>
-          <a:lstStyle/>
-          <a:p>
-            <a:pPr marL="285750" indent="-285750">
-              <a:lnSpc>
-                <a:spcPct val="150000"/>
-              </a:lnSpc>
-              <a:buFont typeface="Wingdings" panose="05000000000000000000" pitchFamily="2" charset="2"/>
-              <a:buChar char="§"/>
-            </a:pPr>
-            <a:r>
-              <a:rPr lang="ko-KR" altLang="en-US" spc="-150" dirty="0">
-                <a:solidFill>
-                  <a:schemeClr val="bg1"/>
-                </a:solidFill>
-                <a:latin typeface="+mn-ea"/>
-              </a:rPr>
-              <a:t>이   </a:t>
-            </a:r>
-            <a:r>
-              <a:rPr lang="ko-KR" altLang="en-US" spc="-150" dirty="0" err="1">
-                <a:solidFill>
-                  <a:schemeClr val="bg1"/>
-                </a:solidFill>
-                <a:latin typeface="+mn-ea"/>
-              </a:rPr>
-              <a:t>름</a:t>
-            </a:r>
-            <a:r>
-              <a:rPr lang="ko-KR" altLang="en-US" spc="-150" dirty="0">
-                <a:solidFill>
-                  <a:schemeClr val="bg1"/>
-                </a:solidFill>
-                <a:latin typeface="+mn-ea"/>
-              </a:rPr>
-              <a:t> </a:t>
-            </a:r>
-            <a:r>
-              <a:rPr lang="en-US" altLang="ko-KR" spc="-150" dirty="0">
-                <a:solidFill>
-                  <a:schemeClr val="bg1"/>
-                </a:solidFill>
-                <a:latin typeface="+mn-ea"/>
-              </a:rPr>
-              <a:t>:</a:t>
-            </a:r>
-            <a:r>
-              <a:rPr lang="ko-KR" altLang="en-US" spc="-150" dirty="0">
-                <a:solidFill>
-                  <a:schemeClr val="bg1"/>
-                </a:solidFill>
-                <a:latin typeface="+mn-ea"/>
-              </a:rPr>
-              <a:t> </a:t>
-            </a:r>
-            <a:r>
-              <a:rPr lang="ko-KR" altLang="en-US" spc="-150" dirty="0" err="1">
-                <a:solidFill>
-                  <a:schemeClr val="bg1"/>
-                </a:solidFill>
-                <a:latin typeface="+mn-ea"/>
-              </a:rPr>
-              <a:t>이방원</a:t>
-            </a:r>
-            <a:endParaRPr lang="en-US" altLang="ko-KR" spc="-150" dirty="0">
-              <a:solidFill>
-                <a:schemeClr val="bg1"/>
-              </a:solidFill>
-              <a:latin typeface="+mn-ea"/>
-            </a:endParaRPr>
-          </a:p>
-          <a:p>
-            <a:pPr marL="285750" indent="-285750">
-              <a:lnSpc>
-                <a:spcPct val="150000"/>
-              </a:lnSpc>
-              <a:buFont typeface="Wingdings" panose="05000000000000000000" pitchFamily="2" charset="2"/>
-              <a:buChar char="§"/>
-            </a:pPr>
-            <a:r>
-              <a:rPr lang="ko-KR" altLang="en-US" spc="-150" dirty="0">
-                <a:solidFill>
-                  <a:schemeClr val="bg1"/>
-                </a:solidFill>
-                <a:latin typeface="+mn-ea"/>
-              </a:rPr>
-              <a:t>나   이 </a:t>
-            </a:r>
-            <a:r>
-              <a:rPr lang="en-US" altLang="ko-KR" spc="-150" dirty="0">
-                <a:solidFill>
-                  <a:schemeClr val="bg1"/>
-                </a:solidFill>
-                <a:latin typeface="+mn-ea"/>
-              </a:rPr>
-              <a:t>: 35</a:t>
-            </a:r>
-            <a:r>
-              <a:rPr lang="ko-KR" altLang="en-US" spc="-150" dirty="0">
-                <a:solidFill>
-                  <a:schemeClr val="bg1"/>
-                </a:solidFill>
-                <a:latin typeface="+mn-ea"/>
-              </a:rPr>
-              <a:t>세</a:t>
-            </a:r>
-            <a:endParaRPr lang="en-US" altLang="ko-KR" spc="-150" dirty="0">
-              <a:solidFill>
-                <a:schemeClr val="bg1"/>
-              </a:solidFill>
-              <a:latin typeface="+mn-ea"/>
-            </a:endParaRPr>
-          </a:p>
-          <a:p>
-            <a:pPr marL="285750" indent="-285750">
-              <a:lnSpc>
-                <a:spcPct val="150000"/>
-              </a:lnSpc>
-              <a:buFont typeface="Wingdings" panose="05000000000000000000" pitchFamily="2" charset="2"/>
-              <a:buChar char="§"/>
-            </a:pPr>
-            <a:r>
-              <a:rPr lang="ko-KR" altLang="en-US" spc="-150" dirty="0">
-                <a:solidFill>
-                  <a:schemeClr val="bg1"/>
-                </a:solidFill>
-                <a:latin typeface="+mn-ea"/>
-              </a:rPr>
-              <a:t>직   업 </a:t>
-            </a:r>
-            <a:r>
-              <a:rPr lang="en-US" altLang="ko-KR" spc="-150" dirty="0">
-                <a:solidFill>
-                  <a:schemeClr val="bg1"/>
-                </a:solidFill>
-                <a:latin typeface="+mn-ea"/>
-              </a:rPr>
-              <a:t>: </a:t>
-            </a:r>
-            <a:r>
-              <a:rPr lang="ko-KR" altLang="en-US" spc="-150" dirty="0">
-                <a:solidFill>
-                  <a:schemeClr val="bg1"/>
-                </a:solidFill>
-                <a:latin typeface="+mn-ea"/>
-              </a:rPr>
-              <a:t>회사원</a:t>
-            </a:r>
-            <a:endParaRPr lang="en-US" altLang="ko-KR" spc="-150" dirty="0">
-              <a:solidFill>
-                <a:schemeClr val="bg1"/>
-              </a:solidFill>
-              <a:latin typeface="+mn-ea"/>
-            </a:endParaRPr>
-          </a:p>
-          <a:p>
-            <a:pPr marL="285750" indent="-285750">
-              <a:lnSpc>
-                <a:spcPct val="150000"/>
-              </a:lnSpc>
-              <a:buFont typeface="Wingdings" panose="05000000000000000000" pitchFamily="2" charset="2"/>
-              <a:buChar char="§"/>
-            </a:pPr>
-            <a:r>
-              <a:rPr lang="ko-KR" altLang="en-US" spc="-150" dirty="0">
-                <a:solidFill>
-                  <a:schemeClr val="bg1"/>
-                </a:solidFill>
-                <a:latin typeface="+mn-ea"/>
-              </a:rPr>
-              <a:t>거주지 </a:t>
-            </a:r>
-            <a:r>
-              <a:rPr lang="en-US" altLang="ko-KR" spc="-150" dirty="0">
-                <a:solidFill>
-                  <a:schemeClr val="bg1"/>
-                </a:solidFill>
-                <a:latin typeface="+mn-ea"/>
-              </a:rPr>
-              <a:t>: </a:t>
-            </a:r>
-            <a:r>
-              <a:rPr lang="ko-KR" altLang="en-US" spc="-150" dirty="0">
-                <a:solidFill>
-                  <a:schemeClr val="bg1"/>
-                </a:solidFill>
-                <a:latin typeface="+mn-ea"/>
-              </a:rPr>
-              <a:t>안산시</a:t>
-            </a:r>
-            <a:endParaRPr lang="en-US" altLang="ko-KR" spc="-150" dirty="0">
-              <a:solidFill>
-                <a:schemeClr val="bg1"/>
-              </a:solidFill>
-              <a:latin typeface="+mn-ea"/>
-            </a:endParaRPr>
-          </a:p>
-          <a:p>
-            <a:pPr marL="285750" indent="-285750">
-              <a:lnSpc>
-                <a:spcPct val="150000"/>
-              </a:lnSpc>
-              <a:buFont typeface="Wingdings" panose="05000000000000000000" pitchFamily="2" charset="2"/>
-              <a:buChar char="§"/>
-            </a:pPr>
-            <a:r>
-              <a:rPr lang="ko-KR" altLang="en-US" spc="-150" dirty="0">
-                <a:solidFill>
-                  <a:schemeClr val="bg1"/>
-                </a:solidFill>
-                <a:latin typeface="+mn-ea"/>
-              </a:rPr>
-              <a:t>역   할 </a:t>
-            </a:r>
-            <a:r>
-              <a:rPr lang="en-US" altLang="ko-KR" spc="-150" dirty="0">
-                <a:solidFill>
-                  <a:schemeClr val="bg1"/>
-                </a:solidFill>
-                <a:latin typeface="+mn-ea"/>
-              </a:rPr>
-              <a:t>: </a:t>
-            </a:r>
-            <a:r>
-              <a:rPr lang="ko-KR" altLang="en-US" spc="-150" dirty="0">
-                <a:solidFill>
-                  <a:schemeClr val="bg1"/>
-                </a:solidFill>
-                <a:latin typeface="+mn-ea"/>
-              </a:rPr>
-              <a:t>이용자</a:t>
-            </a:r>
-            <a:endParaRPr lang="en-US" altLang="ko-KR" spc="-150" dirty="0">
-              <a:solidFill>
-                <a:schemeClr val="bg1"/>
-              </a:solidFill>
-              <a:latin typeface="+mn-ea"/>
-            </a:endParaRPr>
-          </a:p>
-        </p:txBody>
-      </p:sp>
-      <p:sp>
-        <p:nvSpPr>
-          <p:cNvPr id="18" name="TextBox 17">
-            <a:extLst>
-              <a:ext uri="{FF2B5EF4-FFF2-40B4-BE49-F238E27FC236}">
-                <a16:creationId xmlns:a16="http://schemas.microsoft.com/office/drawing/2014/main" id="{920051E8-FA4A-471B-BAA3-612D1166F082}"/>
-              </a:ext>
-            </a:extLst>
-          </p:cNvPr>
-          <p:cNvSpPr txBox="1"/>
-          <p:nvPr/>
-        </p:nvSpPr>
-        <p:spPr>
-          <a:xfrm>
-            <a:off x="753010" y="4431471"/>
-            <a:ext cx="4453691" cy="1700787"/>
-          </a:xfrm>
-          <a:prstGeom prst="rect">
-            <a:avLst/>
-          </a:prstGeom>
-          <a:noFill/>
-        </p:spPr>
-        <p:txBody>
-          <a:bodyPr wrap="square" rtlCol="0">
-            <a:spAutoFit/>
-          </a:bodyPr>
-          <a:lstStyle/>
-          <a:p>
-            <a:pPr marL="285750" indent="-285750">
-              <a:lnSpc>
-                <a:spcPct val="150000"/>
-              </a:lnSpc>
-              <a:buFont typeface="Wingdings" panose="05000000000000000000" pitchFamily="2" charset="2"/>
-              <a:buChar char="§"/>
-            </a:pPr>
-            <a:r>
-              <a:rPr lang="ko-KR" altLang="en-US" spc="-150" dirty="0">
-                <a:solidFill>
-                  <a:schemeClr val="bg1"/>
-                </a:solidFill>
-                <a:latin typeface="+mn-ea"/>
-              </a:rPr>
-              <a:t>최대한 빠르게 전철역까지 가고 싶다</a:t>
-            </a:r>
-            <a:endParaRPr lang="en-US" altLang="ko-KR" spc="-150" dirty="0">
-              <a:solidFill>
-                <a:schemeClr val="bg1"/>
-              </a:solidFill>
-              <a:latin typeface="+mn-ea"/>
-            </a:endParaRPr>
-          </a:p>
-          <a:p>
-            <a:pPr marL="285750" indent="-285750">
-              <a:lnSpc>
-                <a:spcPct val="150000"/>
-              </a:lnSpc>
-              <a:buFont typeface="Wingdings" panose="05000000000000000000" pitchFamily="2" charset="2"/>
-              <a:buChar char="§"/>
-            </a:pPr>
-            <a:r>
-              <a:rPr lang="ko-KR" altLang="en-US" spc="-150" dirty="0">
-                <a:solidFill>
-                  <a:schemeClr val="bg1"/>
-                </a:solidFill>
-                <a:latin typeface="+mn-ea"/>
-              </a:rPr>
-              <a:t>근처에 비치되어 있는 </a:t>
-            </a:r>
-            <a:r>
-              <a:rPr lang="ko-KR" altLang="en-US" spc="-150" dirty="0" err="1">
-                <a:solidFill>
-                  <a:schemeClr val="bg1"/>
-                </a:solidFill>
-                <a:latin typeface="+mn-ea"/>
-              </a:rPr>
-              <a:t>공유킥보드를</a:t>
-            </a:r>
-            <a:r>
-              <a:rPr lang="ko-KR" altLang="en-US" spc="-150" dirty="0">
-                <a:solidFill>
-                  <a:schemeClr val="bg1"/>
-                </a:solidFill>
-                <a:latin typeface="+mn-ea"/>
-              </a:rPr>
-              <a:t> 타고 역까지 갈 수 있기를 원한다</a:t>
-            </a:r>
-            <a:endParaRPr lang="en-US" altLang="ko-KR" spc="-150" dirty="0">
-              <a:solidFill>
-                <a:schemeClr val="bg1"/>
-              </a:solidFill>
-              <a:latin typeface="+mn-ea"/>
-            </a:endParaRPr>
-          </a:p>
-          <a:p>
-            <a:pPr marL="285750" indent="-285750">
-              <a:lnSpc>
-                <a:spcPct val="150000"/>
-              </a:lnSpc>
-              <a:buFont typeface="Wingdings" panose="05000000000000000000" pitchFamily="2" charset="2"/>
-              <a:buChar char="§"/>
-            </a:pPr>
-            <a:endParaRPr lang="en-US" altLang="ko-KR" spc="-150" dirty="0">
-              <a:solidFill>
-                <a:schemeClr val="bg1"/>
-              </a:solidFill>
-              <a:latin typeface="+mn-ea"/>
-            </a:endParaRPr>
-          </a:p>
-        </p:txBody>
-      </p:sp>
-      <p:sp>
-        <p:nvSpPr>
-          <p:cNvPr id="25" name="직사각형 24">
-            <a:extLst>
-              <a:ext uri="{FF2B5EF4-FFF2-40B4-BE49-F238E27FC236}">
-                <a16:creationId xmlns:a16="http://schemas.microsoft.com/office/drawing/2014/main" id="{A0BD850B-4F79-4E6F-B4BA-06668402D335}"/>
-              </a:ext>
-            </a:extLst>
-          </p:cNvPr>
-          <p:cNvSpPr/>
-          <p:nvPr/>
-        </p:nvSpPr>
-        <p:spPr>
-          <a:xfrm>
-            <a:off x="0" y="0"/>
-            <a:ext cx="121920" cy="1076960"/>
-          </a:xfrm>
-          <a:prstGeom prst="rect">
-            <a:avLst/>
-          </a:prstGeom>
-          <a:ln>
-            <a:noFill/>
-          </a:ln>
-        </p:spPr>
-        <p:style>
-          <a:lnRef idx="2">
-            <a:schemeClr val="accent1">
-              <a:shade val="50000"/>
-            </a:schemeClr>
-          </a:lnRef>
-          <a:fillRef idx="1">
-            <a:schemeClr val="accent1"/>
-          </a:fillRef>
-          <a:effectRef idx="0">
-            <a:schemeClr val="accent1"/>
-          </a:effectRef>
-          <a:fontRef idx="minor">
-            <a:schemeClr val="lt1"/>
-          </a:fontRef>
-        </p:style>
-        <p:txBody>
-          <a:bodyPr rtlCol="0" anchor="ctr"/>
-          <a:lstStyle/>
-          <a:p>
-            <a:pPr algn="ctr"/>
-            <a:endParaRPr lang="ko-KR" altLang="en-US"/>
-          </a:p>
-        </p:txBody>
-      </p:sp>
-      <p:sp>
-        <p:nvSpPr>
-          <p:cNvPr id="26" name="직사각형 25">
-            <a:extLst>
-              <a:ext uri="{FF2B5EF4-FFF2-40B4-BE49-F238E27FC236}">
-                <a16:creationId xmlns:a16="http://schemas.microsoft.com/office/drawing/2014/main" id="{2AE21047-2F4E-4AD2-AE02-C2867E3A9473}"/>
-              </a:ext>
-            </a:extLst>
-          </p:cNvPr>
-          <p:cNvSpPr/>
-          <p:nvPr/>
-        </p:nvSpPr>
-        <p:spPr>
-          <a:xfrm rot="5400000">
-            <a:off x="269240" y="-147320"/>
-            <a:ext cx="121920" cy="416560"/>
-          </a:xfrm>
-          <a:prstGeom prst="rect">
-            <a:avLst/>
-          </a:prstGeom>
-          <a:solidFill>
-            <a:schemeClr val="accent4"/>
-          </a:solidFill>
-          <a:ln>
-            <a:noFill/>
-          </a:ln>
-        </p:spPr>
-        <p:style>
-          <a:lnRef idx="2">
-            <a:schemeClr val="accent1">
-              <a:shade val="50000"/>
-            </a:schemeClr>
-          </a:lnRef>
-          <a:fillRef idx="1">
-            <a:schemeClr val="accent1"/>
-          </a:fillRef>
-          <a:effectRef idx="0">
-            <a:schemeClr val="accent1"/>
-          </a:effectRef>
-          <a:fontRef idx="minor">
-            <a:schemeClr val="lt1"/>
-          </a:fontRef>
-        </p:style>
-        <p:txBody>
-          <a:bodyPr rtlCol="0" anchor="ctr"/>
-          <a:lstStyle/>
-          <a:p>
-            <a:pPr algn="ctr"/>
-            <a:endParaRPr lang="ko-KR" altLang="en-US"/>
-          </a:p>
-        </p:txBody>
-      </p:sp>
-      <p:sp>
-        <p:nvSpPr>
-          <p:cNvPr id="27" name="TextBox 26">
-            <a:extLst>
-              <a:ext uri="{FF2B5EF4-FFF2-40B4-BE49-F238E27FC236}">
-                <a16:creationId xmlns:a16="http://schemas.microsoft.com/office/drawing/2014/main" id="{4B58C8C5-C53A-428E-990B-8F9EA90BB753}"/>
-              </a:ext>
-            </a:extLst>
-          </p:cNvPr>
-          <p:cNvSpPr txBox="1"/>
-          <p:nvPr/>
-        </p:nvSpPr>
-        <p:spPr>
-          <a:xfrm>
-            <a:off x="660400" y="246513"/>
-            <a:ext cx="4621605" cy="615553"/>
-          </a:xfrm>
-          <a:prstGeom prst="rect">
-            <a:avLst/>
-          </a:prstGeom>
-          <a:noFill/>
-        </p:spPr>
-        <p:txBody>
-          <a:bodyPr wrap="square" rtlCol="0">
-            <a:spAutoFit/>
-          </a:bodyPr>
-          <a:lstStyle/>
-          <a:p>
-            <a:r>
-              <a:rPr lang="ko-KR" altLang="en-US" sz="3300" spc="-300" dirty="0">
-                <a:solidFill>
-                  <a:schemeClr val="tx1">
-                    <a:lumMod val="85000"/>
-                    <a:lumOff val="15000"/>
-                  </a:schemeClr>
-                </a:solidFill>
-              </a:rPr>
-              <a:t>페르소나</a:t>
-            </a:r>
-          </a:p>
-        </p:txBody>
-      </p:sp>
-      <p:cxnSp>
-        <p:nvCxnSpPr>
-          <p:cNvPr id="30" name="직선 연결선 29">
-            <a:extLst>
-              <a:ext uri="{FF2B5EF4-FFF2-40B4-BE49-F238E27FC236}">
-                <a16:creationId xmlns:a16="http://schemas.microsoft.com/office/drawing/2014/main" id="{92C3B47C-5A28-4E80-9CA5-A36F7299F556}"/>
-              </a:ext>
-            </a:extLst>
-          </p:cNvPr>
-          <p:cNvCxnSpPr/>
-          <p:nvPr/>
-        </p:nvCxnSpPr>
-        <p:spPr>
-          <a:xfrm>
-            <a:off x="660400" y="1073885"/>
-            <a:ext cx="11531600" cy="0"/>
-          </a:xfrm>
-          <a:prstGeom prst="line">
-            <a:avLst/>
-          </a:prstGeom>
-          <a:ln>
-            <a:solidFill>
-              <a:schemeClr val="bg1">
-                <a:lumMod val="75000"/>
-              </a:schemeClr>
-            </a:solidFill>
-          </a:ln>
-        </p:spPr>
-        <p:style>
-          <a:lnRef idx="1">
-            <a:schemeClr val="accent1"/>
-          </a:lnRef>
-          <a:fillRef idx="0">
-            <a:schemeClr val="accent1"/>
-          </a:fillRef>
-          <a:effectRef idx="0">
-            <a:schemeClr val="accent1"/>
-          </a:effectRef>
-          <a:fontRef idx="minor">
-            <a:schemeClr val="tx1"/>
-          </a:fontRef>
-        </p:style>
-      </p:cxnSp>
-      <p:sp>
-        <p:nvSpPr>
-          <p:cNvPr id="24" name="직사각형 23">
-            <a:extLst>
-              <a:ext uri="{FF2B5EF4-FFF2-40B4-BE49-F238E27FC236}">
-                <a16:creationId xmlns:a16="http://schemas.microsoft.com/office/drawing/2014/main" id="{CF965FBF-FEFF-43D4-BA53-26FA3FDF3FDE}"/>
-              </a:ext>
-            </a:extLst>
-          </p:cNvPr>
-          <p:cNvSpPr/>
-          <p:nvPr/>
-        </p:nvSpPr>
-        <p:spPr>
-          <a:xfrm>
-            <a:off x="1427519" y="1219990"/>
-            <a:ext cx="3101434" cy="369890"/>
-          </a:xfrm>
-          <a:prstGeom prst="rect">
-            <a:avLst/>
-          </a:prstGeom>
-          <a:solidFill>
-            <a:schemeClr val="accent6"/>
-          </a:solidFill>
-          <a:ln>
-            <a:noFill/>
-          </a:ln>
-        </p:spPr>
-        <p:style>
-          <a:lnRef idx="2">
-            <a:schemeClr val="accent1">
-              <a:shade val="50000"/>
-            </a:schemeClr>
-          </a:lnRef>
-          <a:fillRef idx="1">
-            <a:schemeClr val="accent1"/>
-          </a:fillRef>
-          <a:effectRef idx="0">
-            <a:schemeClr val="accent1"/>
-          </a:effectRef>
-          <a:fontRef idx="minor">
-            <a:schemeClr val="lt1"/>
-          </a:fontRef>
-        </p:style>
-        <p:txBody>
-          <a:bodyPr rtlCol="0" anchor="ctr"/>
-          <a:lstStyle/>
-          <a:p>
-            <a:pPr algn="ctr"/>
-            <a:r>
-              <a:rPr lang="ko-KR" altLang="en-US" dirty="0" err="1">
-                <a:solidFill>
-                  <a:schemeClr val="tx1"/>
-                </a:solidFill>
-                <a:latin typeface="+mj-lt"/>
-              </a:rPr>
-              <a:t>프</a:t>
-            </a:r>
-            <a:r>
-              <a:rPr lang="ko-KR" altLang="en-US" dirty="0">
-                <a:solidFill>
-                  <a:schemeClr val="tx1"/>
-                </a:solidFill>
-                <a:latin typeface="+mj-lt"/>
-              </a:rPr>
-              <a:t> 로 필</a:t>
-            </a:r>
-          </a:p>
-        </p:txBody>
-      </p:sp>
-      <p:sp>
-        <p:nvSpPr>
-          <p:cNvPr id="31" name="직사각형 30">
-            <a:extLst>
-              <a:ext uri="{FF2B5EF4-FFF2-40B4-BE49-F238E27FC236}">
-                <a16:creationId xmlns:a16="http://schemas.microsoft.com/office/drawing/2014/main" id="{4CDA714C-3663-4761-BE73-0795A1BA93AF}"/>
-              </a:ext>
-            </a:extLst>
-          </p:cNvPr>
-          <p:cNvSpPr/>
-          <p:nvPr/>
-        </p:nvSpPr>
-        <p:spPr>
-          <a:xfrm>
-            <a:off x="7567542" y="1214332"/>
-            <a:ext cx="3101434" cy="369890"/>
-          </a:xfrm>
-          <a:prstGeom prst="rect">
-            <a:avLst/>
-          </a:prstGeom>
-          <a:solidFill>
-            <a:schemeClr val="accent6"/>
-          </a:solidFill>
-          <a:ln>
-            <a:noFill/>
-          </a:ln>
-        </p:spPr>
-        <p:style>
-          <a:lnRef idx="2">
-            <a:schemeClr val="accent1">
-              <a:shade val="50000"/>
-            </a:schemeClr>
-          </a:lnRef>
-          <a:fillRef idx="1">
-            <a:schemeClr val="accent1"/>
-          </a:fillRef>
-          <a:effectRef idx="0">
-            <a:schemeClr val="accent1"/>
-          </a:effectRef>
-          <a:fontRef idx="minor">
-            <a:schemeClr val="lt1"/>
-          </a:fontRef>
-        </p:style>
-        <p:txBody>
-          <a:bodyPr rtlCol="0" anchor="ctr"/>
-          <a:lstStyle/>
-          <a:p>
-            <a:pPr algn="ctr"/>
-            <a:r>
-              <a:rPr lang="ko-KR" altLang="en-US" dirty="0" err="1">
-                <a:solidFill>
-                  <a:schemeClr val="tx1"/>
-                </a:solidFill>
-                <a:latin typeface="+mj-lt"/>
-              </a:rPr>
-              <a:t>특</a:t>
-            </a:r>
-            <a:r>
-              <a:rPr lang="ko-KR" altLang="en-US" dirty="0">
-                <a:solidFill>
-                  <a:schemeClr val="tx1"/>
-                </a:solidFill>
-                <a:latin typeface="+mj-lt"/>
-              </a:rPr>
-              <a:t> 성</a:t>
-            </a:r>
-          </a:p>
-        </p:txBody>
-      </p:sp>
-      <p:sp>
-        <p:nvSpPr>
-          <p:cNvPr id="32" name="직사각형 31">
-            <a:extLst>
-              <a:ext uri="{FF2B5EF4-FFF2-40B4-BE49-F238E27FC236}">
-                <a16:creationId xmlns:a16="http://schemas.microsoft.com/office/drawing/2014/main" id="{439C6F4A-7A83-4157-8CCA-20D8913BFA0A}"/>
-              </a:ext>
-            </a:extLst>
-          </p:cNvPr>
-          <p:cNvSpPr/>
-          <p:nvPr/>
-        </p:nvSpPr>
-        <p:spPr>
-          <a:xfrm>
-            <a:off x="1268011" y="3915088"/>
-            <a:ext cx="3101434" cy="369890"/>
-          </a:xfrm>
-          <a:prstGeom prst="rect">
-            <a:avLst/>
-          </a:prstGeom>
-          <a:solidFill>
-            <a:schemeClr val="accent6"/>
-          </a:solidFill>
-          <a:ln>
-            <a:noFill/>
-          </a:ln>
-        </p:spPr>
-        <p:style>
-          <a:lnRef idx="2">
-            <a:schemeClr val="accent1">
-              <a:shade val="50000"/>
-            </a:schemeClr>
-          </a:lnRef>
-          <a:fillRef idx="1">
-            <a:schemeClr val="accent1"/>
-          </a:fillRef>
-          <a:effectRef idx="0">
-            <a:schemeClr val="accent1"/>
-          </a:effectRef>
-          <a:fontRef idx="minor">
-            <a:schemeClr val="lt1"/>
-          </a:fontRef>
-        </p:style>
-        <p:txBody>
-          <a:bodyPr rtlCol="0" anchor="ctr"/>
-          <a:lstStyle/>
-          <a:p>
-            <a:pPr algn="ctr"/>
-            <a:r>
-              <a:rPr lang="ko-KR" altLang="en-US" dirty="0">
-                <a:solidFill>
-                  <a:schemeClr val="tx1"/>
-                </a:solidFill>
-                <a:latin typeface="+mj-lt"/>
-              </a:rPr>
-              <a:t>목 적</a:t>
-            </a:r>
-          </a:p>
-        </p:txBody>
-      </p:sp>
-      <p:sp>
-        <p:nvSpPr>
-          <p:cNvPr id="33" name="직사각형 32">
-            <a:extLst>
-              <a:ext uri="{FF2B5EF4-FFF2-40B4-BE49-F238E27FC236}">
-                <a16:creationId xmlns:a16="http://schemas.microsoft.com/office/drawing/2014/main" id="{94381503-FFA8-4DC9-AD9C-ACE8CE630530}"/>
-              </a:ext>
-            </a:extLst>
-          </p:cNvPr>
-          <p:cNvSpPr/>
-          <p:nvPr/>
-        </p:nvSpPr>
-        <p:spPr>
-          <a:xfrm>
-            <a:off x="7567542" y="3951030"/>
-            <a:ext cx="3101434" cy="369890"/>
-          </a:xfrm>
-          <a:prstGeom prst="rect">
-            <a:avLst/>
-          </a:prstGeom>
-          <a:solidFill>
-            <a:schemeClr val="accent6"/>
-          </a:solidFill>
-          <a:ln>
-            <a:noFill/>
-          </a:ln>
-        </p:spPr>
-        <p:style>
-          <a:lnRef idx="2">
-            <a:schemeClr val="accent1">
-              <a:shade val="50000"/>
-            </a:schemeClr>
-          </a:lnRef>
-          <a:fillRef idx="1">
-            <a:schemeClr val="accent1"/>
-          </a:fillRef>
-          <a:effectRef idx="0">
-            <a:schemeClr val="accent1"/>
-          </a:effectRef>
-          <a:fontRef idx="minor">
-            <a:schemeClr val="lt1"/>
-          </a:fontRef>
-        </p:style>
-        <p:txBody>
-          <a:bodyPr rtlCol="0" anchor="ctr"/>
-          <a:lstStyle/>
-          <a:p>
-            <a:pPr algn="ctr"/>
-            <a:r>
-              <a:rPr lang="ko-KR" altLang="en-US" dirty="0">
-                <a:solidFill>
-                  <a:schemeClr val="tx1"/>
-                </a:solidFill>
-                <a:latin typeface="+mj-lt"/>
-              </a:rPr>
-              <a:t>불만사항</a:t>
-            </a:r>
-          </a:p>
-        </p:txBody>
-      </p:sp>
-      <p:sp>
-        <p:nvSpPr>
-          <p:cNvPr id="34" name="TextBox 33">
-            <a:extLst>
-              <a:ext uri="{FF2B5EF4-FFF2-40B4-BE49-F238E27FC236}">
-                <a16:creationId xmlns:a16="http://schemas.microsoft.com/office/drawing/2014/main" id="{186227E9-57BD-4B6C-8909-0AC7BD58ABEB}"/>
-              </a:ext>
-            </a:extLst>
-          </p:cNvPr>
-          <p:cNvSpPr txBox="1"/>
-          <p:nvPr/>
-        </p:nvSpPr>
-        <p:spPr>
-          <a:xfrm>
-            <a:off x="6753567" y="1688775"/>
-            <a:ext cx="4453691" cy="1700787"/>
-          </a:xfrm>
-          <a:prstGeom prst="rect">
-            <a:avLst/>
-          </a:prstGeom>
-          <a:noFill/>
-        </p:spPr>
-        <p:txBody>
-          <a:bodyPr wrap="square" rtlCol="0">
-            <a:spAutoFit/>
-          </a:bodyPr>
-          <a:lstStyle/>
-          <a:p>
-            <a:pPr marL="285750" indent="-285750">
-              <a:lnSpc>
-                <a:spcPct val="150000"/>
-              </a:lnSpc>
-              <a:buFont typeface="Wingdings" panose="05000000000000000000" pitchFamily="2" charset="2"/>
-              <a:buChar char="§"/>
-            </a:pPr>
-            <a:r>
-              <a:rPr lang="ko-KR" altLang="en-US" spc="-150" dirty="0">
-                <a:solidFill>
-                  <a:schemeClr val="bg1"/>
-                </a:solidFill>
-                <a:latin typeface="+mn-ea"/>
-              </a:rPr>
-              <a:t>그는 회사와 집이 멀어 전철로 출퇴근 하는 회사원이다</a:t>
-            </a:r>
-            <a:endParaRPr lang="en-US" altLang="ko-KR" spc="-150" dirty="0">
-              <a:solidFill>
-                <a:schemeClr val="bg1"/>
-              </a:solidFill>
-              <a:latin typeface="+mn-ea"/>
-            </a:endParaRPr>
-          </a:p>
-          <a:p>
-            <a:pPr marL="285750" indent="-285750">
-              <a:lnSpc>
-                <a:spcPct val="150000"/>
-              </a:lnSpc>
-              <a:buFont typeface="Wingdings" panose="05000000000000000000" pitchFamily="2" charset="2"/>
-              <a:buChar char="§"/>
-            </a:pPr>
-            <a:r>
-              <a:rPr lang="ko-KR" altLang="en-US" spc="-150" dirty="0">
-                <a:solidFill>
-                  <a:schemeClr val="bg1"/>
-                </a:solidFill>
-                <a:latin typeface="+mn-ea"/>
-              </a:rPr>
-              <a:t>더운 여름 만원버스 안에서 사람들에게 치이는 것에 매우 피곤함을 느낀다</a:t>
-            </a:r>
-            <a:endParaRPr lang="en-US" altLang="ko-KR" spc="-150" dirty="0">
-              <a:solidFill>
-                <a:schemeClr val="bg1"/>
-              </a:solidFill>
-              <a:latin typeface="+mn-ea"/>
-            </a:endParaRPr>
-          </a:p>
-        </p:txBody>
-      </p:sp>
-      <p:sp>
-        <p:nvSpPr>
-          <p:cNvPr id="35" name="TextBox 34">
-            <a:extLst>
-              <a:ext uri="{FF2B5EF4-FFF2-40B4-BE49-F238E27FC236}">
-                <a16:creationId xmlns:a16="http://schemas.microsoft.com/office/drawing/2014/main" id="{C4BC61B5-E8A3-4F94-931C-E6774805C7EA}"/>
-              </a:ext>
-            </a:extLst>
-          </p:cNvPr>
-          <p:cNvSpPr txBox="1"/>
-          <p:nvPr/>
-        </p:nvSpPr>
-        <p:spPr>
-          <a:xfrm>
-            <a:off x="6753567" y="4431471"/>
-            <a:ext cx="4453691" cy="1700787"/>
-          </a:xfrm>
-          <a:prstGeom prst="rect">
-            <a:avLst/>
-          </a:prstGeom>
-          <a:noFill/>
-        </p:spPr>
-        <p:txBody>
-          <a:bodyPr wrap="square" rtlCol="0">
-            <a:spAutoFit/>
-          </a:bodyPr>
-          <a:lstStyle/>
-          <a:p>
-            <a:pPr marL="285750" indent="-285750">
-              <a:lnSpc>
-                <a:spcPct val="150000"/>
-              </a:lnSpc>
-              <a:buFont typeface="Wingdings" panose="05000000000000000000" pitchFamily="2" charset="2"/>
-              <a:buChar char="§"/>
-            </a:pPr>
-            <a:r>
-              <a:rPr lang="ko-KR" altLang="en-US" spc="-150" dirty="0">
-                <a:solidFill>
-                  <a:schemeClr val="bg1"/>
-                </a:solidFill>
-                <a:latin typeface="+mn-ea"/>
-              </a:rPr>
-              <a:t>다양한 </a:t>
-            </a:r>
-            <a:r>
-              <a:rPr lang="ko-KR" altLang="en-US" spc="-150" dirty="0" err="1">
-                <a:solidFill>
-                  <a:schemeClr val="bg1"/>
-                </a:solidFill>
-                <a:latin typeface="+mn-ea"/>
-              </a:rPr>
-              <a:t>킥보드</a:t>
-            </a:r>
-            <a:r>
-              <a:rPr lang="ko-KR" altLang="en-US" spc="-150" dirty="0">
-                <a:solidFill>
-                  <a:schemeClr val="bg1"/>
-                </a:solidFill>
-                <a:latin typeface="+mn-ea"/>
-              </a:rPr>
-              <a:t> 때문에 각 회사 어플을 다 설치 해야 하는 불편함</a:t>
-            </a:r>
-            <a:endParaRPr lang="en-US" altLang="ko-KR" spc="-150" dirty="0">
-              <a:solidFill>
-                <a:schemeClr val="bg1"/>
-              </a:solidFill>
-              <a:latin typeface="+mn-ea"/>
-            </a:endParaRPr>
-          </a:p>
-          <a:p>
-            <a:pPr marL="285750" indent="-285750">
-              <a:lnSpc>
-                <a:spcPct val="150000"/>
-              </a:lnSpc>
-              <a:buFont typeface="Wingdings" panose="05000000000000000000" pitchFamily="2" charset="2"/>
-              <a:buChar char="§"/>
-            </a:pPr>
-            <a:r>
-              <a:rPr lang="ko-KR" altLang="en-US" spc="-150" dirty="0">
-                <a:solidFill>
-                  <a:schemeClr val="bg1"/>
-                </a:solidFill>
-                <a:latin typeface="+mn-ea"/>
-              </a:rPr>
-              <a:t>하나의 프로그램으로 이용하고 싶다</a:t>
-            </a:r>
-            <a:r>
-              <a:rPr lang="en-US" altLang="ko-KR" spc="-150" dirty="0">
-                <a:solidFill>
-                  <a:schemeClr val="bg1"/>
-                </a:solidFill>
-                <a:latin typeface="+mn-ea"/>
-              </a:rPr>
-              <a:t>.</a:t>
-            </a:r>
-          </a:p>
-          <a:p>
-            <a:pPr marL="285750" indent="-285750">
-              <a:lnSpc>
-                <a:spcPct val="150000"/>
-              </a:lnSpc>
-              <a:buFont typeface="Wingdings" panose="05000000000000000000" pitchFamily="2" charset="2"/>
-              <a:buChar char="§"/>
-            </a:pPr>
-            <a:endParaRPr lang="en-US" altLang="ko-KR" spc="-150" dirty="0">
-              <a:solidFill>
-                <a:schemeClr val="bg1"/>
-              </a:solidFill>
-              <a:latin typeface="+mn-ea"/>
-            </a:endParaRPr>
-          </a:p>
-        </p:txBody>
-      </p:sp>
-    </p:spTree>
-    <p:extLst>
-      <p:ext uri="{BB962C8B-B14F-4D97-AF65-F5344CB8AC3E}">
-        <p14:creationId xmlns:p14="http://schemas.microsoft.com/office/powerpoint/2010/main" val="3900664883"/>
+        <p14:creationId xmlns:p14="http://schemas.microsoft.com/office/powerpoint/2010/main" val="3588750917"/>
       </p:ext>
     </p:extLst>
   </p:cSld>
@@ -10083,7 +10162,16 @@
                 </a:solidFill>
                 <a:latin typeface="+mn-ea"/>
               </a:rPr>
-              <a:t> 장희빈</a:t>
+              <a:t> </a:t>
+            </a:r>
+            <a:r>
+              <a:rPr lang="ko-KR" altLang="en-US" spc="-150" dirty="0" err="1">
+                <a:solidFill>
+                  <a:schemeClr val="bg1"/>
+                </a:solidFill>
+                <a:latin typeface="+mn-ea"/>
+              </a:rPr>
+              <a:t>이방원</a:t>
             </a:r>
             <a:endParaRPr lang="en-US" altLang="ko-KR" spc="-150" dirty="0">
               <a:solidFill>
@@ -10116,7 +10204,7 @@
                 </a:solidFill>
                 <a:latin typeface="+mn-ea"/>
               </a:rPr>
-              <a:t>: 49</a:t>
+              <a:t>: 35</a:t>
             </a:r>
             <a:r>
               <a:rPr lang="ko-KR" altLang="en-US" spc="-150" dirty="0">
@@ -10167,7 +10255,7 @@
                 </a:solidFill>
                 <a:latin typeface="+mn-ea"/>
               </a:rPr>
-              <a:t>프리랜서</a:t>
+              <a:t>회사원</a:t>
             </a:r>
             <a:endParaRPr lang="en-US" altLang="ko-KR" spc="-150" dirty="0">
               <a:solidFill>
@@ -10209,7 +10297,7 @@
                 </a:solidFill>
                 <a:latin typeface="+mn-ea"/>
               </a:rPr>
-              <a:t>서울시</a:t>
+              <a:t>안산시</a:t>
             </a:r>
             <a:endParaRPr lang="en-US" altLang="ko-KR" spc="-150" dirty="0">
               <a:solidFill>
@@ -10277,7 +10365,7 @@
         <p:spPr>
           <a:xfrm>
             <a:off x="753010" y="4431471"/>
-            <a:ext cx="4453691" cy="2808782"/>
+            <a:ext cx="4453691" cy="1700787"/>
           </a:xfrm>
           <a:prstGeom prst="rect">
             <a:avLst/>
@@ -10304,25 +10392,7 @@
                 </a:solidFill>
                 <a:latin typeface="+mn-ea"/>
               </a:rPr>
-              <a:t>익숙하지 않은 </a:t>
-            </a:r>
-            <a:r>
-              <a:rPr lang="ko-KR" altLang="en-US" spc="-150" dirty="0" err="1">
-                <a:solidFill>
-                  <a:schemeClr val="bg1"/>
-                </a:solidFill>
-                <a:latin typeface="+mn-ea"/>
-              </a:rPr>
-              <a:t>킥보드</a:t>
-            </a:r>
-            <a:r>
-              <a:rPr lang="ko-KR" altLang="en-US" spc="-150" dirty="0">
-                <a:solidFill>
-                  <a:schemeClr val="bg1"/>
-                </a:solidFill>
-                <a:latin typeface="+mn-ea"/>
-              </a:rPr>
-              <a:t> 이용법에 대해 간결한 사용법 및 단순한 화면구성이 필요 </a:t>
+              <a:t>최대한 빠르게 전철역까지 가고 싶다</a:t>
             </a:r>
             <a:endParaRPr lang="en-US" altLang="ko-KR" spc="-150" dirty="0">
               <a:solidFill>
@@ -10346,7 +10416,7 @@
                 </a:solidFill>
                 <a:latin typeface="+mn-ea"/>
               </a:rPr>
-              <a:t>이용료에 대한 계좌연결을 </a:t>
+              <a:t>근처에 비치되어 있는 </a:t>
             </a:r>
             <a:r>
               <a:rPr lang="ko-KR" altLang="en-US" spc="-150" dirty="0" err="1">
@@ -10355,7 +10425,7 @@
                 </a:solidFill>
                 <a:latin typeface="+mn-ea"/>
               </a:rPr>
-              <a:t>간결한게</a:t>
+              <a:t>공유킥보드를</a:t>
             </a:r>
             <a:r>
               <a:rPr lang="ko-KR" altLang="en-US" spc="-150" dirty="0">
@@ -10364,7 +10434,7 @@
                 </a:solidFill>
                 <a:latin typeface="+mn-ea"/>
               </a:rPr>
-              <a:t> 구성</a:t>
+              <a:t> 타고 역까지 갈 수 있기를 원한다</a:t>
             </a:r>
             <a:endParaRPr lang="en-US" altLang="ko-KR" spc="-150" dirty="0">
               <a:solidFill>
@@ -10372,37 +10442,6 @@
               </a:solidFill>
               <a:latin typeface="+mn-ea"/>
             </a:endParaRPr>
-          </a:p>
-          <a:p>
-            <a:pPr marL="285750" indent="-285750">
-              <a:lnSpc>
-                <a:spcPct val="150000"/>
-              </a:lnSpc>
-              <a:buFont typeface="Wingdings" panose="05000000000000000000" pitchFamily="2" charset="2"/>
-              <a:buChar char="§"/>
-            </a:pPr>
-            <a:r>
-              <a:rPr lang="ko-KR" altLang="en-US" spc="-150" dirty="0">
-                <a:solidFill>
-                  <a:schemeClr val="bg1"/>
-                </a:solidFill>
-                <a:latin typeface="+mn-ea"/>
-              </a:rPr>
-              <a:t>이용방법 및 반납방법 통일</a:t>
-            </a:r>
-            <a:endParaRPr lang="en-US" altLang="ko-KR" spc="-150" dirty="0">
-              <a:solidFill>
-                <a:schemeClr val="bg1"/>
-              </a:solidFill>
-              <a:latin typeface="+mn-ea"/>
-            </a:endParaRPr>
-          </a:p>
-          <a:p>
-            <a:r>
-              <a:rPr lang="ko-KR" altLang="en-US" sz="1800" dirty="0"/>
-              <a:t> </a:t>
-            </a:r>
-            <a:endParaRPr lang="en-US" altLang="ko-KR" sz="1800" dirty="0"/>
           </a:p>
           <a:p>
             <a:pPr marL="285750" indent="-285750">
@@ -10419,6 +10458,625 @@
               <a:latin typeface="+mn-ea"/>
             </a:endParaRPr>
           </a:p>
+        </p:txBody>
+      </p:sp>
+      <p:sp>
+        <p:nvSpPr>
+          <p:cNvPr id="25" name="직사각형 24">
+            <a:extLst>
+              <a:ext uri="{FF2B5EF4-FFF2-40B4-BE49-F238E27FC236}">
+                <a16:creationId xmlns:a16="http://schemas.microsoft.com/office/drawing/2014/main" id="{A0BD850B-4F79-4E6F-B4BA-06668402D335}"/>
+              </a:ext>
+            </a:extLst>
+          </p:cNvPr>
+          <p:cNvSpPr/>
+          <p:nvPr/>
+        </p:nvSpPr>
+        <p:spPr>
+          <a:xfrm>
+            <a:off x="0" y="0"/>
+            <a:ext cx="121920" cy="1076960"/>
+          </a:xfrm>
+          <a:prstGeom prst="rect">
+            <a:avLst/>
+          </a:prstGeom>
+          <a:ln>
+            <a:noFill/>
+          </a:ln>
+        </p:spPr>
+        <p:style>
+          <a:lnRef idx="2">
+            <a:schemeClr val="accent1">
+              <a:shade val="50000"/>
+            </a:schemeClr>
+          </a:lnRef>
+          <a:fillRef idx="1">
+            <a:schemeClr val="accent1"/>
+          </a:fillRef>
+          <a:effectRef idx="0">
+            <a:schemeClr val="accent1"/>
+          </a:effectRef>
+          <a:fontRef idx="minor">
+            <a:schemeClr val="lt1"/>
+          </a:fontRef>
+        </p:style>
+        <p:txBody>
+          <a:bodyPr rtlCol="0" anchor="ctr"/>
+          <a:lstStyle/>
+          <a:p>
+            <a:pPr algn="ctr"/>
+            <a:endParaRPr lang="ko-KR" altLang="en-US"/>
+          </a:p>
+        </p:txBody>
+      </p:sp>
+      <p:sp>
+        <p:nvSpPr>
+          <p:cNvPr id="26" name="직사각형 25">
+            <a:extLst>
+              <a:ext uri="{FF2B5EF4-FFF2-40B4-BE49-F238E27FC236}">
+                <a16:creationId xmlns:a16="http://schemas.microsoft.com/office/drawing/2014/main" id="{2AE21047-2F4E-4AD2-AE02-C2867E3A9473}"/>
+              </a:ext>
+            </a:extLst>
+          </p:cNvPr>
+          <p:cNvSpPr/>
+          <p:nvPr/>
+        </p:nvSpPr>
+        <p:spPr>
+          <a:xfrm rot="5400000">
+            <a:off x="269240" y="-147320"/>
+            <a:ext cx="121920" cy="416560"/>
+          </a:xfrm>
+          <a:prstGeom prst="rect">
+            <a:avLst/>
+          </a:prstGeom>
+          <a:solidFill>
+            <a:schemeClr val="accent4"/>
+          </a:solidFill>
+          <a:ln>
+            <a:noFill/>
+          </a:ln>
+        </p:spPr>
+        <p:style>
+          <a:lnRef idx="2">
+            <a:schemeClr val="accent1">
+              <a:shade val="50000"/>
+            </a:schemeClr>
+          </a:lnRef>
+          <a:fillRef idx="1">
+            <a:schemeClr val="accent1"/>
+          </a:fillRef>
+          <a:effectRef idx="0">
+            <a:schemeClr val="accent1"/>
+          </a:effectRef>
+          <a:fontRef idx="minor">
+            <a:schemeClr val="lt1"/>
+          </a:fontRef>
+        </p:style>
+        <p:txBody>
+          <a:bodyPr rtlCol="0" anchor="ctr"/>
+          <a:lstStyle/>
+          <a:p>
+            <a:pPr algn="ctr"/>
+            <a:endParaRPr lang="ko-KR" altLang="en-US"/>
+          </a:p>
+        </p:txBody>
+      </p:sp>
+      <p:sp>
+        <p:nvSpPr>
+          <p:cNvPr id="27" name="TextBox 26">
+            <a:extLst>
+              <a:ext uri="{FF2B5EF4-FFF2-40B4-BE49-F238E27FC236}">
+                <a16:creationId xmlns:a16="http://schemas.microsoft.com/office/drawing/2014/main" id="{4B58C8C5-C53A-428E-990B-8F9EA90BB753}"/>
+              </a:ext>
+            </a:extLst>
+          </p:cNvPr>
+          <p:cNvSpPr txBox="1"/>
+          <p:nvPr/>
+        </p:nvSpPr>
+        <p:spPr>
+          <a:xfrm>
+            <a:off x="660400" y="246513"/>
+            <a:ext cx="4621605" cy="615553"/>
+          </a:xfrm>
+          <a:prstGeom prst="rect">
+            <a:avLst/>
+          </a:prstGeom>
+          <a:noFill/>
+        </p:spPr>
+        <p:txBody>
+          <a:bodyPr wrap="square" rtlCol="0">
+            <a:spAutoFit/>
+          </a:bodyPr>
+          <a:lstStyle/>
+          <a:p>
+            <a:r>
+              <a:rPr lang="ko-KR" altLang="en-US" sz="3300" spc="-300" dirty="0">
+                <a:solidFill>
+                  <a:schemeClr val="tx1">
+                    <a:lumMod val="85000"/>
+                    <a:lumOff val="15000"/>
+                  </a:schemeClr>
+                </a:solidFill>
+              </a:rPr>
+              <a:t>페르소나</a:t>
+            </a:r>
+          </a:p>
+        </p:txBody>
+      </p:sp>
+      <p:cxnSp>
+        <p:nvCxnSpPr>
+          <p:cNvPr id="30" name="직선 연결선 29">
+            <a:extLst>
+              <a:ext uri="{FF2B5EF4-FFF2-40B4-BE49-F238E27FC236}">
+                <a16:creationId xmlns:a16="http://schemas.microsoft.com/office/drawing/2014/main" id="{92C3B47C-5A28-4E80-9CA5-A36F7299F556}"/>
+              </a:ext>
+            </a:extLst>
+          </p:cNvPr>
+          <p:cNvCxnSpPr/>
+          <p:nvPr/>
+        </p:nvCxnSpPr>
+        <p:spPr>
+          <a:xfrm>
+            <a:off x="660400" y="1073885"/>
+            <a:ext cx="11531600" cy="0"/>
+          </a:xfrm>
+          <a:prstGeom prst="line">
+            <a:avLst/>
+          </a:prstGeom>
+          <a:ln>
+            <a:solidFill>
+              <a:schemeClr val="bg1">
+                <a:lumMod val="75000"/>
+              </a:schemeClr>
+            </a:solidFill>
+          </a:ln>
+        </p:spPr>
+        <p:style>
+          <a:lnRef idx="1">
+            <a:schemeClr val="accent1"/>
+          </a:lnRef>
+          <a:fillRef idx="0">
+            <a:schemeClr val="accent1"/>
+          </a:fillRef>
+          <a:effectRef idx="0">
+            <a:schemeClr val="accent1"/>
+          </a:effectRef>
+          <a:fontRef idx="minor">
+            <a:schemeClr val="tx1"/>
+          </a:fontRef>
+        </p:style>
+      </p:cxnSp>
+      <p:sp>
+        <p:nvSpPr>
+          <p:cNvPr id="24" name="직사각형 23">
+            <a:extLst>
+              <a:ext uri="{FF2B5EF4-FFF2-40B4-BE49-F238E27FC236}">
+                <a16:creationId xmlns:a16="http://schemas.microsoft.com/office/drawing/2014/main" id="{CF965FBF-FEFF-43D4-BA53-26FA3FDF3FDE}"/>
+              </a:ext>
+            </a:extLst>
+          </p:cNvPr>
+          <p:cNvSpPr/>
+          <p:nvPr/>
+        </p:nvSpPr>
+        <p:spPr>
+          <a:xfrm>
+            <a:off x="1427519" y="1219990"/>
+            <a:ext cx="3101434" cy="369890"/>
+          </a:xfrm>
+          <a:prstGeom prst="rect">
+            <a:avLst/>
+          </a:prstGeom>
+          <a:solidFill>
+            <a:schemeClr val="accent6"/>
+          </a:solidFill>
+          <a:ln>
+            <a:noFill/>
+          </a:ln>
+        </p:spPr>
+        <p:style>
+          <a:lnRef idx="2">
+            <a:schemeClr val="accent1">
+              <a:shade val="50000"/>
+            </a:schemeClr>
+          </a:lnRef>
+          <a:fillRef idx="1">
+            <a:schemeClr val="accent1"/>
+          </a:fillRef>
+          <a:effectRef idx="0">
+            <a:schemeClr val="accent1"/>
+          </a:effectRef>
+          <a:fontRef idx="minor">
+            <a:schemeClr val="lt1"/>
+          </a:fontRef>
+        </p:style>
+        <p:txBody>
+          <a:bodyPr rtlCol="0" anchor="ctr"/>
+          <a:lstStyle/>
+          <a:p>
+            <a:pPr algn="ctr"/>
+            <a:r>
+              <a:rPr lang="ko-KR" altLang="en-US" dirty="0" err="1">
+                <a:solidFill>
+                  <a:schemeClr val="tx1"/>
+                </a:solidFill>
+                <a:latin typeface="+mj-lt"/>
+              </a:rPr>
+              <a:t>프</a:t>
+            </a:r>
+            <a:r>
+              <a:rPr lang="ko-KR" altLang="en-US" dirty="0">
+                <a:solidFill>
+                  <a:schemeClr val="tx1"/>
+                </a:solidFill>
+                <a:latin typeface="+mj-lt"/>
+              </a:rPr>
+              <a:t> 로 필</a:t>
+            </a:r>
+          </a:p>
+        </p:txBody>
+      </p:sp>
+      <p:sp>
+        <p:nvSpPr>
+          <p:cNvPr id="31" name="직사각형 30">
+            <a:extLst>
+              <a:ext uri="{FF2B5EF4-FFF2-40B4-BE49-F238E27FC236}">
+                <a16:creationId xmlns:a16="http://schemas.microsoft.com/office/drawing/2014/main" id="{4CDA714C-3663-4761-BE73-0795A1BA93AF}"/>
+              </a:ext>
+            </a:extLst>
+          </p:cNvPr>
+          <p:cNvSpPr/>
+          <p:nvPr/>
+        </p:nvSpPr>
+        <p:spPr>
+          <a:xfrm>
+            <a:off x="7567542" y="1214332"/>
+            <a:ext cx="3101434" cy="369890"/>
+          </a:xfrm>
+          <a:prstGeom prst="rect">
+            <a:avLst/>
+          </a:prstGeom>
+          <a:solidFill>
+            <a:schemeClr val="accent6"/>
+          </a:solidFill>
+          <a:ln>
+            <a:noFill/>
+          </a:ln>
+        </p:spPr>
+        <p:style>
+          <a:lnRef idx="2">
+            <a:schemeClr val="accent1">
+              <a:shade val="50000"/>
+            </a:schemeClr>
+          </a:lnRef>
+          <a:fillRef idx="1">
+            <a:schemeClr val="accent1"/>
+          </a:fillRef>
+          <a:effectRef idx="0">
+            <a:schemeClr val="accent1"/>
+          </a:effectRef>
+          <a:fontRef idx="minor">
+            <a:schemeClr val="lt1"/>
+          </a:fontRef>
+        </p:style>
+        <p:txBody>
+          <a:bodyPr rtlCol="0" anchor="ctr"/>
+          <a:lstStyle/>
+          <a:p>
+            <a:pPr algn="ctr"/>
+            <a:r>
+              <a:rPr lang="ko-KR" altLang="en-US" dirty="0" err="1">
+                <a:solidFill>
+                  <a:schemeClr val="tx1"/>
+                </a:solidFill>
+                <a:latin typeface="+mj-lt"/>
+              </a:rPr>
+              <a:t>특</a:t>
+            </a:r>
+            <a:r>
+              <a:rPr lang="ko-KR" altLang="en-US" dirty="0">
+                <a:solidFill>
+                  <a:schemeClr val="tx1"/>
+                </a:solidFill>
+                <a:latin typeface="+mj-lt"/>
+              </a:rPr>
+              <a:t> 성</a:t>
+            </a:r>
+          </a:p>
+        </p:txBody>
+      </p:sp>
+      <p:sp>
+        <p:nvSpPr>
+          <p:cNvPr id="32" name="직사각형 31">
+            <a:extLst>
+              <a:ext uri="{FF2B5EF4-FFF2-40B4-BE49-F238E27FC236}">
+                <a16:creationId xmlns:a16="http://schemas.microsoft.com/office/drawing/2014/main" id="{439C6F4A-7A83-4157-8CCA-20D8913BFA0A}"/>
+              </a:ext>
+            </a:extLst>
+          </p:cNvPr>
+          <p:cNvSpPr/>
+          <p:nvPr/>
+        </p:nvSpPr>
+        <p:spPr>
+          <a:xfrm>
+            <a:off x="1268011" y="3915088"/>
+            <a:ext cx="3101434" cy="369890"/>
+          </a:xfrm>
+          <a:prstGeom prst="rect">
+            <a:avLst/>
+          </a:prstGeom>
+          <a:solidFill>
+            <a:schemeClr val="accent6"/>
+          </a:solidFill>
+          <a:ln>
+            <a:noFill/>
+          </a:ln>
+        </p:spPr>
+        <p:style>
+          <a:lnRef idx="2">
+            <a:schemeClr val="accent1">
+              <a:shade val="50000"/>
+            </a:schemeClr>
+          </a:lnRef>
+          <a:fillRef idx="1">
+            <a:schemeClr val="accent1"/>
+          </a:fillRef>
+          <a:effectRef idx="0">
+            <a:schemeClr val="accent1"/>
+          </a:effectRef>
+          <a:fontRef idx="minor">
+            <a:schemeClr val="lt1"/>
+          </a:fontRef>
+        </p:style>
+        <p:txBody>
+          <a:bodyPr rtlCol="0" anchor="ctr"/>
+          <a:lstStyle/>
+          <a:p>
+            <a:pPr algn="ctr"/>
+            <a:r>
+              <a:rPr lang="ko-KR" altLang="en-US" dirty="0">
+                <a:solidFill>
+                  <a:schemeClr val="tx1"/>
+                </a:solidFill>
+                <a:latin typeface="+mj-lt"/>
+              </a:rPr>
+              <a:t>목 적</a:t>
+            </a:r>
+          </a:p>
+        </p:txBody>
+      </p:sp>
+      <p:sp>
+        <p:nvSpPr>
+          <p:cNvPr id="33" name="직사각형 32">
+            <a:extLst>
+              <a:ext uri="{FF2B5EF4-FFF2-40B4-BE49-F238E27FC236}">
+                <a16:creationId xmlns:a16="http://schemas.microsoft.com/office/drawing/2014/main" id="{94381503-FFA8-4DC9-AD9C-ACE8CE630530}"/>
+              </a:ext>
+            </a:extLst>
+          </p:cNvPr>
+          <p:cNvSpPr/>
+          <p:nvPr/>
+        </p:nvSpPr>
+        <p:spPr>
+          <a:xfrm>
+            <a:off x="7567542" y="3951030"/>
+            <a:ext cx="3101434" cy="369890"/>
+          </a:xfrm>
+          <a:prstGeom prst="rect">
+            <a:avLst/>
+          </a:prstGeom>
+          <a:solidFill>
+            <a:schemeClr val="accent6"/>
+          </a:solidFill>
+          <a:ln>
+            <a:noFill/>
+          </a:ln>
+        </p:spPr>
+        <p:style>
+          <a:lnRef idx="2">
+            <a:schemeClr val="accent1">
+              <a:shade val="50000"/>
+            </a:schemeClr>
+          </a:lnRef>
+          <a:fillRef idx="1">
+            <a:schemeClr val="accent1"/>
+          </a:fillRef>
+          <a:effectRef idx="0">
+            <a:schemeClr val="accent1"/>
+          </a:effectRef>
+          <a:fontRef idx="minor">
+            <a:schemeClr val="lt1"/>
+          </a:fontRef>
+        </p:style>
+        <p:txBody>
+          <a:bodyPr rtlCol="0" anchor="ctr"/>
+          <a:lstStyle/>
+          <a:p>
+            <a:pPr algn="ctr"/>
+            <a:r>
+              <a:rPr lang="ko-KR" altLang="en-US" dirty="0">
+                <a:solidFill>
+                  <a:schemeClr val="tx1"/>
+                </a:solidFill>
+                <a:latin typeface="+mj-lt"/>
+              </a:rPr>
+              <a:t>불만사항</a:t>
+            </a:r>
+          </a:p>
+        </p:txBody>
+      </p:sp>
+      <p:sp>
+        <p:nvSpPr>
+          <p:cNvPr id="34" name="TextBox 33">
+            <a:extLst>
+              <a:ext uri="{FF2B5EF4-FFF2-40B4-BE49-F238E27FC236}">
+                <a16:creationId xmlns:a16="http://schemas.microsoft.com/office/drawing/2014/main" id="{186227E9-57BD-4B6C-8909-0AC7BD58ABEB}"/>
+              </a:ext>
+            </a:extLst>
+          </p:cNvPr>
+          <p:cNvSpPr txBox="1"/>
+          <p:nvPr/>
+        </p:nvSpPr>
+        <p:spPr>
+          <a:xfrm>
+            <a:off x="6753567" y="1688775"/>
+            <a:ext cx="4453691" cy="1700787"/>
+          </a:xfrm>
+          <a:prstGeom prst="rect">
+            <a:avLst/>
+          </a:prstGeom>
+          <a:noFill/>
+        </p:spPr>
+        <p:txBody>
+          <a:bodyPr wrap="square" rtlCol="0">
+            <a:spAutoFit/>
+          </a:bodyPr>
+          <a:lstStyle/>
+          <a:p>
+            <a:pPr marL="285750" indent="-285750">
+              <a:lnSpc>
+                <a:spcPct val="150000"/>
+              </a:lnSpc>
+              <a:buFont typeface="Wingdings" panose="05000000000000000000" pitchFamily="2" charset="2"/>
+              <a:buChar char="§"/>
+            </a:pPr>
+            <a:r>
+              <a:rPr lang="ko-KR" altLang="en-US" spc="-150" dirty="0">
+                <a:solidFill>
+                  <a:schemeClr val="bg1"/>
+                </a:solidFill>
+                <a:latin typeface="+mn-ea"/>
+              </a:rPr>
+              <a:t>그는 회사와 집이 멀어 전철로 출퇴근 하는 회사원이다</a:t>
+            </a:r>
+            <a:endParaRPr lang="en-US" altLang="ko-KR" spc="-150" dirty="0">
+              <a:solidFill>
+                <a:schemeClr val="bg1"/>
+              </a:solidFill>
+              <a:latin typeface="+mn-ea"/>
+            </a:endParaRPr>
+          </a:p>
+          <a:p>
+            <a:pPr marL="285750" indent="-285750">
+              <a:lnSpc>
+                <a:spcPct val="150000"/>
+              </a:lnSpc>
+              <a:buFont typeface="Wingdings" panose="05000000000000000000" pitchFamily="2" charset="2"/>
+              <a:buChar char="§"/>
+            </a:pPr>
+            <a:r>
+              <a:rPr lang="ko-KR" altLang="en-US" spc="-150" dirty="0">
+                <a:solidFill>
+                  <a:schemeClr val="bg1"/>
+                </a:solidFill>
+                <a:latin typeface="+mn-ea"/>
+              </a:rPr>
+              <a:t>더운 여름 만원버스 안에서 사람들에게 치이는 것에 매우 피곤함을 느낀다</a:t>
+            </a:r>
+            <a:endParaRPr lang="en-US" altLang="ko-KR" spc="-150" dirty="0">
+              <a:solidFill>
+                <a:schemeClr val="bg1"/>
+              </a:solidFill>
+              <a:latin typeface="+mn-ea"/>
+            </a:endParaRPr>
+          </a:p>
+        </p:txBody>
+      </p:sp>
+      <p:sp>
+        <p:nvSpPr>
+          <p:cNvPr id="35" name="TextBox 34">
+            <a:extLst>
+              <a:ext uri="{FF2B5EF4-FFF2-40B4-BE49-F238E27FC236}">
+                <a16:creationId xmlns:a16="http://schemas.microsoft.com/office/drawing/2014/main" id="{C4BC61B5-E8A3-4F94-931C-E6774805C7EA}"/>
+              </a:ext>
+            </a:extLst>
+          </p:cNvPr>
+          <p:cNvSpPr txBox="1"/>
+          <p:nvPr/>
+        </p:nvSpPr>
+        <p:spPr>
+          <a:xfrm>
+            <a:off x="6753567" y="4431471"/>
+            <a:ext cx="4453691" cy="1700787"/>
+          </a:xfrm>
+          <a:prstGeom prst="rect">
+            <a:avLst/>
+          </a:prstGeom>
+          <a:noFill/>
+        </p:spPr>
+        <p:txBody>
+          <a:bodyPr wrap="square" rtlCol="0">
+            <a:spAutoFit/>
+          </a:bodyPr>
+          <a:lstStyle/>
+          <a:p>
+            <a:pPr marL="285750" indent="-285750">
+              <a:lnSpc>
+                <a:spcPct val="150000"/>
+              </a:lnSpc>
+              <a:buFont typeface="Wingdings" panose="05000000000000000000" pitchFamily="2" charset="2"/>
+              <a:buChar char="§"/>
+            </a:pPr>
+            <a:r>
+              <a:rPr lang="ko-KR" altLang="en-US" spc="-150" dirty="0">
+                <a:solidFill>
+                  <a:schemeClr val="bg1"/>
+                </a:solidFill>
+                <a:latin typeface="+mn-ea"/>
+              </a:rPr>
+              <a:t>다양한 </a:t>
+            </a:r>
+            <a:r>
+              <a:rPr lang="ko-KR" altLang="en-US" spc="-150" dirty="0" err="1">
+                <a:solidFill>
+                  <a:schemeClr val="bg1"/>
+                </a:solidFill>
+                <a:latin typeface="+mn-ea"/>
+              </a:rPr>
+              <a:t>킥보드</a:t>
+            </a:r>
+            <a:r>
+              <a:rPr lang="ko-KR" altLang="en-US" spc="-150" dirty="0">
+                <a:solidFill>
+                  <a:schemeClr val="bg1"/>
+                </a:solidFill>
+                <a:latin typeface="+mn-ea"/>
+              </a:rPr>
+              <a:t> 때문에 각 회사 어플을 다 설치 해야 하는 불편함</a:t>
+            </a:r>
+            <a:endParaRPr lang="en-US" altLang="ko-KR" spc="-150" dirty="0">
+              <a:solidFill>
+                <a:schemeClr val="bg1"/>
+              </a:solidFill>
+              <a:latin typeface="+mn-ea"/>
+            </a:endParaRPr>
+          </a:p>
+          <a:p>
+            <a:pPr marL="285750" indent="-285750">
+              <a:lnSpc>
+                <a:spcPct val="150000"/>
+              </a:lnSpc>
+              <a:buFont typeface="Wingdings" panose="05000000000000000000" pitchFamily="2" charset="2"/>
+              <a:buChar char="§"/>
+            </a:pPr>
+            <a:r>
+              <a:rPr lang="ko-KR" altLang="en-US" spc="-150" dirty="0">
+                <a:solidFill>
+                  <a:schemeClr val="bg1"/>
+                </a:solidFill>
+                <a:latin typeface="+mn-ea"/>
+              </a:rPr>
+              <a:t>하나의 프로그램으로 이용하고 싶다</a:t>
+            </a:r>
+            <a:r>
+              <a:rPr lang="en-US" altLang="ko-KR" spc="-150" dirty="0">
+                <a:solidFill>
+                  <a:schemeClr val="bg1"/>
+                </a:solidFill>
+                <a:latin typeface="+mn-ea"/>
+              </a:rPr>
+              <a:t>.</a:t>
+            </a:r>
+          </a:p>
           <a:p>
             <a:pPr marL="285750" indent="-285750">
               <a:lnSpc>
@@ -10436,747 +11094,10 @@
           </a:p>
         </p:txBody>
       </p:sp>
-      <p:sp>
-        <p:nvSpPr>
-          <p:cNvPr id="25" name="직사각형 24">
-            <a:extLst>
-              <a:ext uri="{FF2B5EF4-FFF2-40B4-BE49-F238E27FC236}">
-                <a16:creationId xmlns:a16="http://schemas.microsoft.com/office/drawing/2014/main" id="{A0BD850B-4F79-4E6F-B4BA-06668402D335}"/>
-              </a:ext>
-            </a:extLst>
-          </p:cNvPr>
-          <p:cNvSpPr/>
-          <p:nvPr/>
-        </p:nvSpPr>
-        <p:spPr>
-          <a:xfrm>
-            <a:off x="0" y="0"/>
-            <a:ext cx="121920" cy="1076960"/>
-          </a:xfrm>
-          <a:prstGeom prst="rect">
-            <a:avLst/>
-          </a:prstGeom>
-          <a:ln>
-            <a:noFill/>
-          </a:ln>
-        </p:spPr>
-        <p:style>
-          <a:lnRef idx="2">
-            <a:schemeClr val="accent1">
-              <a:shade val="50000"/>
-            </a:schemeClr>
-          </a:lnRef>
-          <a:fillRef idx="1">
-            <a:schemeClr val="accent1"/>
-          </a:fillRef>
-          <a:effectRef idx="0">
-            <a:schemeClr val="accent1"/>
-          </a:effectRef>
-          <a:fontRef idx="minor">
-            <a:schemeClr val="lt1"/>
-          </a:fontRef>
-        </p:style>
-        <p:txBody>
-          <a:bodyPr rtlCol="0" anchor="ctr"/>
-          <a:lstStyle/>
-          <a:p>
-            <a:pPr algn="ctr"/>
-            <a:endParaRPr lang="ko-KR" altLang="en-US"/>
-          </a:p>
-        </p:txBody>
-      </p:sp>
-      <p:sp>
-        <p:nvSpPr>
-          <p:cNvPr id="26" name="직사각형 25">
-            <a:extLst>
-              <a:ext uri="{FF2B5EF4-FFF2-40B4-BE49-F238E27FC236}">
-                <a16:creationId xmlns:a16="http://schemas.microsoft.com/office/drawing/2014/main" id="{2AE21047-2F4E-4AD2-AE02-C2867E3A9473}"/>
-              </a:ext>
-            </a:extLst>
-          </p:cNvPr>
-          <p:cNvSpPr/>
-          <p:nvPr/>
-        </p:nvSpPr>
-        <p:spPr>
-          <a:xfrm rot="5400000">
-            <a:off x="269240" y="-147320"/>
-            <a:ext cx="121920" cy="416560"/>
-          </a:xfrm>
-          <a:prstGeom prst="rect">
-            <a:avLst/>
-          </a:prstGeom>
-          <a:solidFill>
-            <a:schemeClr val="accent4"/>
-          </a:solidFill>
-          <a:ln>
-            <a:noFill/>
-          </a:ln>
-        </p:spPr>
-        <p:style>
-          <a:lnRef idx="2">
-            <a:schemeClr val="accent1">
-              <a:shade val="50000"/>
-            </a:schemeClr>
-          </a:lnRef>
-          <a:fillRef idx="1">
-            <a:schemeClr val="accent1"/>
-          </a:fillRef>
-          <a:effectRef idx="0">
-            <a:schemeClr val="accent1"/>
-          </a:effectRef>
-          <a:fontRef idx="minor">
-            <a:schemeClr val="lt1"/>
-          </a:fontRef>
-        </p:style>
-        <p:txBody>
-          <a:bodyPr rtlCol="0" anchor="ctr"/>
-          <a:lstStyle/>
-          <a:p>
-            <a:pPr algn="ctr"/>
-            <a:endParaRPr lang="ko-KR" altLang="en-US"/>
-          </a:p>
-        </p:txBody>
-      </p:sp>
-      <p:sp>
-        <p:nvSpPr>
-          <p:cNvPr id="27" name="TextBox 26">
-            <a:extLst>
-              <a:ext uri="{FF2B5EF4-FFF2-40B4-BE49-F238E27FC236}">
-                <a16:creationId xmlns:a16="http://schemas.microsoft.com/office/drawing/2014/main" id="{4B58C8C5-C53A-428E-990B-8F9EA90BB753}"/>
-              </a:ext>
-            </a:extLst>
-          </p:cNvPr>
-          <p:cNvSpPr txBox="1"/>
-          <p:nvPr/>
-        </p:nvSpPr>
-        <p:spPr>
-          <a:xfrm>
-            <a:off x="660400" y="246513"/>
-            <a:ext cx="4621605" cy="615553"/>
-          </a:xfrm>
-          <a:prstGeom prst="rect">
-            <a:avLst/>
-          </a:prstGeom>
-          <a:noFill/>
-        </p:spPr>
-        <p:txBody>
-          <a:bodyPr wrap="square" rtlCol="0">
-            <a:spAutoFit/>
-          </a:bodyPr>
-          <a:lstStyle/>
-          <a:p>
-            <a:r>
-              <a:rPr lang="ko-KR" altLang="en-US" sz="3300" spc="-300" dirty="0">
-                <a:solidFill>
-                  <a:schemeClr val="tx1">
-                    <a:lumMod val="85000"/>
-                    <a:lumOff val="15000"/>
-                  </a:schemeClr>
-                </a:solidFill>
-              </a:rPr>
-              <a:t>페르소나</a:t>
-            </a:r>
-          </a:p>
-        </p:txBody>
-      </p:sp>
-      <p:cxnSp>
-        <p:nvCxnSpPr>
-          <p:cNvPr id="30" name="직선 연결선 29">
-            <a:extLst>
-              <a:ext uri="{FF2B5EF4-FFF2-40B4-BE49-F238E27FC236}">
-                <a16:creationId xmlns:a16="http://schemas.microsoft.com/office/drawing/2014/main" id="{92C3B47C-5A28-4E80-9CA5-A36F7299F556}"/>
-              </a:ext>
-            </a:extLst>
-          </p:cNvPr>
-          <p:cNvCxnSpPr/>
-          <p:nvPr/>
-        </p:nvCxnSpPr>
-        <p:spPr>
-          <a:xfrm>
-            <a:off x="660400" y="1073885"/>
-            <a:ext cx="11531600" cy="0"/>
-          </a:xfrm>
-          <a:prstGeom prst="line">
-            <a:avLst/>
-          </a:prstGeom>
-          <a:ln>
-            <a:solidFill>
-              <a:schemeClr val="bg1">
-                <a:lumMod val="75000"/>
-              </a:schemeClr>
-            </a:solidFill>
-          </a:ln>
-        </p:spPr>
-        <p:style>
-          <a:lnRef idx="1">
-            <a:schemeClr val="accent1"/>
-          </a:lnRef>
-          <a:fillRef idx="0">
-            <a:schemeClr val="accent1"/>
-          </a:fillRef>
-          <a:effectRef idx="0">
-            <a:schemeClr val="accent1"/>
-          </a:effectRef>
-          <a:fontRef idx="minor">
-            <a:schemeClr val="tx1"/>
-          </a:fontRef>
-        </p:style>
-      </p:cxnSp>
-      <p:sp>
-        <p:nvSpPr>
-          <p:cNvPr id="24" name="직사각형 23">
-            <a:extLst>
-              <a:ext uri="{FF2B5EF4-FFF2-40B4-BE49-F238E27FC236}">
-                <a16:creationId xmlns:a16="http://schemas.microsoft.com/office/drawing/2014/main" id="{CF965FBF-FEFF-43D4-BA53-26FA3FDF3FDE}"/>
-              </a:ext>
-            </a:extLst>
-          </p:cNvPr>
-          <p:cNvSpPr/>
-          <p:nvPr/>
-        </p:nvSpPr>
-        <p:spPr>
-          <a:xfrm>
-            <a:off x="1427519" y="1219990"/>
-            <a:ext cx="3101434" cy="369890"/>
-          </a:xfrm>
-          <a:prstGeom prst="rect">
-            <a:avLst/>
-          </a:prstGeom>
-          <a:solidFill>
-            <a:schemeClr val="accent6"/>
-          </a:solidFill>
-          <a:ln>
-            <a:noFill/>
-          </a:ln>
-        </p:spPr>
-        <p:style>
-          <a:lnRef idx="2">
-            <a:schemeClr val="accent1">
-              <a:shade val="50000"/>
-            </a:schemeClr>
-          </a:lnRef>
-          <a:fillRef idx="1">
-            <a:schemeClr val="accent1"/>
-          </a:fillRef>
-          <a:effectRef idx="0">
-            <a:schemeClr val="accent1"/>
-          </a:effectRef>
-          <a:fontRef idx="minor">
-            <a:schemeClr val="lt1"/>
-          </a:fontRef>
-        </p:style>
-        <p:txBody>
-          <a:bodyPr rtlCol="0" anchor="ctr"/>
-          <a:lstStyle/>
-          <a:p>
-            <a:pPr algn="ctr"/>
-            <a:r>
-              <a:rPr lang="ko-KR" altLang="en-US" dirty="0" err="1">
-                <a:solidFill>
-                  <a:schemeClr val="tx1"/>
-                </a:solidFill>
-                <a:latin typeface="+mj-lt"/>
-              </a:rPr>
-              <a:t>프</a:t>
-            </a:r>
-            <a:r>
-              <a:rPr lang="ko-KR" altLang="en-US" dirty="0">
-                <a:solidFill>
-                  <a:schemeClr val="tx1"/>
-                </a:solidFill>
-                <a:latin typeface="+mj-lt"/>
-              </a:rPr>
-              <a:t> 로 필</a:t>
-            </a:r>
-          </a:p>
-        </p:txBody>
-      </p:sp>
-      <p:sp>
-        <p:nvSpPr>
-          <p:cNvPr id="31" name="직사각형 30">
-            <a:extLst>
-              <a:ext uri="{FF2B5EF4-FFF2-40B4-BE49-F238E27FC236}">
-                <a16:creationId xmlns:a16="http://schemas.microsoft.com/office/drawing/2014/main" id="{4CDA714C-3663-4761-BE73-0795A1BA93AF}"/>
-              </a:ext>
-            </a:extLst>
-          </p:cNvPr>
-          <p:cNvSpPr/>
-          <p:nvPr/>
-        </p:nvSpPr>
-        <p:spPr>
-          <a:xfrm>
-            <a:off x="7567542" y="1214332"/>
-            <a:ext cx="3101434" cy="369890"/>
-          </a:xfrm>
-          <a:prstGeom prst="rect">
-            <a:avLst/>
-          </a:prstGeom>
-          <a:solidFill>
-            <a:schemeClr val="accent6"/>
-          </a:solidFill>
-          <a:ln>
-            <a:noFill/>
-          </a:ln>
-        </p:spPr>
-        <p:style>
-          <a:lnRef idx="2">
-            <a:schemeClr val="accent1">
-              <a:shade val="50000"/>
-            </a:schemeClr>
-          </a:lnRef>
-          <a:fillRef idx="1">
-            <a:schemeClr val="accent1"/>
-          </a:fillRef>
-          <a:effectRef idx="0">
-            <a:schemeClr val="accent1"/>
-          </a:effectRef>
-          <a:fontRef idx="minor">
-            <a:schemeClr val="lt1"/>
-          </a:fontRef>
-        </p:style>
-        <p:txBody>
-          <a:bodyPr rtlCol="0" anchor="ctr"/>
-          <a:lstStyle/>
-          <a:p>
-            <a:pPr algn="ctr"/>
-            <a:r>
-              <a:rPr lang="ko-KR" altLang="en-US" dirty="0" err="1">
-                <a:solidFill>
-                  <a:schemeClr val="tx1"/>
-                </a:solidFill>
-                <a:latin typeface="+mj-lt"/>
-              </a:rPr>
-              <a:t>특</a:t>
-            </a:r>
-            <a:r>
-              <a:rPr lang="ko-KR" altLang="en-US" dirty="0">
-                <a:solidFill>
-                  <a:schemeClr val="tx1"/>
-                </a:solidFill>
-                <a:latin typeface="+mj-lt"/>
-              </a:rPr>
-              <a:t> 성</a:t>
-            </a:r>
-          </a:p>
-        </p:txBody>
-      </p:sp>
-      <p:sp>
-        <p:nvSpPr>
-          <p:cNvPr id="32" name="직사각형 31">
-            <a:extLst>
-              <a:ext uri="{FF2B5EF4-FFF2-40B4-BE49-F238E27FC236}">
-                <a16:creationId xmlns:a16="http://schemas.microsoft.com/office/drawing/2014/main" id="{439C6F4A-7A83-4157-8CCA-20D8913BFA0A}"/>
-              </a:ext>
-            </a:extLst>
-          </p:cNvPr>
-          <p:cNvSpPr/>
-          <p:nvPr/>
-        </p:nvSpPr>
-        <p:spPr>
-          <a:xfrm>
-            <a:off x="1268011" y="3915088"/>
-            <a:ext cx="3101434" cy="369890"/>
-          </a:xfrm>
-          <a:prstGeom prst="rect">
-            <a:avLst/>
-          </a:prstGeom>
-          <a:solidFill>
-            <a:schemeClr val="accent6"/>
-          </a:solidFill>
-          <a:ln>
-            <a:noFill/>
-          </a:ln>
-        </p:spPr>
-        <p:style>
-          <a:lnRef idx="2">
-            <a:schemeClr val="accent1">
-              <a:shade val="50000"/>
-            </a:schemeClr>
-          </a:lnRef>
-          <a:fillRef idx="1">
-            <a:schemeClr val="accent1"/>
-          </a:fillRef>
-          <a:effectRef idx="0">
-            <a:schemeClr val="accent1"/>
-          </a:effectRef>
-          <a:fontRef idx="minor">
-            <a:schemeClr val="lt1"/>
-          </a:fontRef>
-        </p:style>
-        <p:txBody>
-          <a:bodyPr rtlCol="0" anchor="ctr"/>
-          <a:lstStyle/>
-          <a:p>
-            <a:pPr algn="ctr"/>
-            <a:r>
-              <a:rPr lang="ko-KR" altLang="en-US" dirty="0">
-                <a:solidFill>
-                  <a:schemeClr val="tx1"/>
-                </a:solidFill>
-                <a:latin typeface="+mj-lt"/>
-              </a:rPr>
-              <a:t>목 적</a:t>
-            </a:r>
-          </a:p>
-        </p:txBody>
-      </p:sp>
-      <p:sp>
-        <p:nvSpPr>
-          <p:cNvPr id="33" name="직사각형 32">
-            <a:extLst>
-              <a:ext uri="{FF2B5EF4-FFF2-40B4-BE49-F238E27FC236}">
-                <a16:creationId xmlns:a16="http://schemas.microsoft.com/office/drawing/2014/main" id="{94381503-FFA8-4DC9-AD9C-ACE8CE630530}"/>
-              </a:ext>
-            </a:extLst>
-          </p:cNvPr>
-          <p:cNvSpPr/>
-          <p:nvPr/>
-        </p:nvSpPr>
-        <p:spPr>
-          <a:xfrm>
-            <a:off x="7567542" y="3951030"/>
-            <a:ext cx="3101434" cy="369890"/>
-          </a:xfrm>
-          <a:prstGeom prst="rect">
-            <a:avLst/>
-          </a:prstGeom>
-          <a:solidFill>
-            <a:schemeClr val="accent6"/>
-          </a:solidFill>
-          <a:ln>
-            <a:noFill/>
-          </a:ln>
-        </p:spPr>
-        <p:style>
-          <a:lnRef idx="2">
-            <a:schemeClr val="accent1">
-              <a:shade val="50000"/>
-            </a:schemeClr>
-          </a:lnRef>
-          <a:fillRef idx="1">
-            <a:schemeClr val="accent1"/>
-          </a:fillRef>
-          <a:effectRef idx="0">
-            <a:schemeClr val="accent1"/>
-          </a:effectRef>
-          <a:fontRef idx="minor">
-            <a:schemeClr val="lt1"/>
-          </a:fontRef>
-        </p:style>
-        <p:txBody>
-          <a:bodyPr rtlCol="0" anchor="ctr"/>
-          <a:lstStyle/>
-          <a:p>
-            <a:pPr algn="ctr"/>
-            <a:r>
-              <a:rPr lang="ko-KR" altLang="en-US" dirty="0">
-                <a:solidFill>
-                  <a:schemeClr val="tx1"/>
-                </a:solidFill>
-                <a:latin typeface="+mj-lt"/>
-              </a:rPr>
-              <a:t>불만사항</a:t>
-            </a:r>
-          </a:p>
-        </p:txBody>
-      </p:sp>
-      <p:sp>
-        <p:nvSpPr>
-          <p:cNvPr id="34" name="TextBox 33">
-            <a:extLst>
-              <a:ext uri="{FF2B5EF4-FFF2-40B4-BE49-F238E27FC236}">
-                <a16:creationId xmlns:a16="http://schemas.microsoft.com/office/drawing/2014/main" id="{186227E9-57BD-4B6C-8909-0AC7BD58ABEB}"/>
-              </a:ext>
-            </a:extLst>
-          </p:cNvPr>
-          <p:cNvSpPr txBox="1"/>
-          <p:nvPr/>
-        </p:nvSpPr>
-        <p:spPr>
-          <a:xfrm>
-            <a:off x="6753567" y="1613469"/>
-            <a:ext cx="4453691" cy="2531783"/>
-          </a:xfrm>
-          <a:prstGeom prst="rect">
-            <a:avLst/>
-          </a:prstGeom>
-          <a:noFill/>
-        </p:spPr>
-        <p:txBody>
-          <a:bodyPr wrap="square" rtlCol="0">
-            <a:spAutoFit/>
-          </a:bodyPr>
-          <a:lstStyle/>
-          <a:p>
-            <a:pPr marL="285750" indent="-285750">
-              <a:lnSpc>
-                <a:spcPct val="150000"/>
-              </a:lnSpc>
-              <a:buFont typeface="Wingdings" panose="05000000000000000000" pitchFamily="2" charset="2"/>
-              <a:buChar char="§"/>
-            </a:pPr>
-            <a:r>
-              <a:rPr lang="ko-KR" altLang="en-US" spc="-150" dirty="0">
-                <a:solidFill>
-                  <a:schemeClr val="bg1"/>
-                </a:solidFill>
-                <a:latin typeface="+mn-ea"/>
-              </a:rPr>
-              <a:t>프리랜서로 일 하고 있는 </a:t>
-            </a:r>
-            <a:r>
-              <a:rPr lang="ko-KR" altLang="en-US" spc="-150" dirty="0" err="1">
-                <a:solidFill>
-                  <a:schemeClr val="bg1"/>
-                </a:solidFill>
-                <a:latin typeface="+mn-ea"/>
-              </a:rPr>
-              <a:t>박영은씨는</a:t>
-            </a:r>
-            <a:r>
-              <a:rPr lang="ko-KR" altLang="en-US" spc="-150" dirty="0">
-                <a:solidFill>
-                  <a:schemeClr val="bg1"/>
-                </a:solidFill>
-                <a:latin typeface="+mn-ea"/>
-              </a:rPr>
-              <a:t> 미팅을 위해 사무실 근처로 짧은 거리를 이동할 일이 많다</a:t>
-            </a:r>
-            <a:r>
-              <a:rPr lang="en-US" altLang="ko-KR" spc="-150" dirty="0">
-                <a:solidFill>
-                  <a:schemeClr val="bg1"/>
-                </a:solidFill>
-                <a:latin typeface="+mn-ea"/>
-              </a:rPr>
-              <a:t>. </a:t>
-            </a:r>
-          </a:p>
-          <a:p>
-            <a:pPr marL="285750" indent="-285750">
-              <a:lnSpc>
-                <a:spcPct val="150000"/>
-              </a:lnSpc>
-              <a:buFont typeface="Wingdings" panose="05000000000000000000" pitchFamily="2" charset="2"/>
-              <a:buChar char="§"/>
-            </a:pPr>
-            <a:r>
-              <a:rPr lang="ko-KR" altLang="en-US" spc="-150" dirty="0">
-                <a:solidFill>
-                  <a:schemeClr val="bg1"/>
-                </a:solidFill>
-                <a:latin typeface="+mn-ea"/>
-              </a:rPr>
-              <a:t>대중교통을 이용하여 사무실까지 도보로 이동하기에는 거리가 있는 편이다</a:t>
-            </a:r>
-            <a:r>
-              <a:rPr lang="en-US" altLang="ko-KR" spc="-150" dirty="0">
-                <a:solidFill>
-                  <a:schemeClr val="bg1"/>
-                </a:solidFill>
-                <a:latin typeface="+mn-ea"/>
-              </a:rPr>
-              <a:t>. </a:t>
-            </a:r>
-          </a:p>
-          <a:p>
-            <a:pPr>
-              <a:lnSpc>
-                <a:spcPct val="150000"/>
-              </a:lnSpc>
-            </a:pPr>
-            <a:endParaRPr lang="en-US" altLang="ko-KR" spc="-150" dirty="0">
-              <a:solidFill>
-                <a:schemeClr val="bg1"/>
-              </a:solidFill>
-              <a:latin typeface="+mn-ea"/>
-            </a:endParaRPr>
-          </a:p>
-        </p:txBody>
-      </p:sp>
-      <p:sp>
-        <p:nvSpPr>
-          <p:cNvPr id="35" name="TextBox 34">
-            <a:extLst>
-              <a:ext uri="{FF2B5EF4-FFF2-40B4-BE49-F238E27FC236}">
-                <a16:creationId xmlns:a16="http://schemas.microsoft.com/office/drawing/2014/main" id="{C4BC61B5-E8A3-4F94-931C-E6774805C7EA}"/>
-              </a:ext>
-            </a:extLst>
-          </p:cNvPr>
-          <p:cNvSpPr txBox="1"/>
-          <p:nvPr/>
-        </p:nvSpPr>
-        <p:spPr>
-          <a:xfrm>
-            <a:off x="6753567" y="4313133"/>
-            <a:ext cx="4453691" cy="2118080"/>
-          </a:xfrm>
-          <a:prstGeom prst="rect">
-            <a:avLst/>
-          </a:prstGeom>
-          <a:noFill/>
-        </p:spPr>
-        <p:txBody>
-          <a:bodyPr wrap="square" rtlCol="0">
-            <a:spAutoFit/>
-          </a:bodyPr>
-          <a:lstStyle/>
-          <a:p>
-            <a:pPr marL="285750" indent="-285750">
-              <a:lnSpc>
-                <a:spcPct val="150000"/>
-              </a:lnSpc>
-              <a:buFont typeface="Wingdings" panose="05000000000000000000" pitchFamily="2" charset="2"/>
-              <a:buChar char="§"/>
-            </a:pPr>
-            <a:r>
-              <a:rPr lang="ko-KR" altLang="en-US" spc="-150" dirty="0">
-                <a:solidFill>
-                  <a:schemeClr val="bg1"/>
-                </a:solidFill>
-                <a:latin typeface="+mn-ea"/>
-              </a:rPr>
-              <a:t>킥보드를 이용해 본적이 없어</a:t>
-            </a:r>
-            <a:r>
-              <a:rPr lang="en-US" altLang="ko-KR" spc="-150" dirty="0">
-                <a:solidFill>
-                  <a:schemeClr val="bg1"/>
-                </a:solidFill>
-                <a:latin typeface="+mn-ea"/>
-              </a:rPr>
-              <a:t> </a:t>
-            </a:r>
-            <a:r>
-              <a:rPr lang="ko-KR" altLang="en-US" spc="-150" dirty="0">
-                <a:solidFill>
-                  <a:schemeClr val="bg1"/>
-                </a:solidFill>
-                <a:latin typeface="+mn-ea"/>
-              </a:rPr>
-              <a:t>가입</a:t>
-            </a:r>
-            <a:r>
-              <a:rPr lang="en-US" altLang="ko-KR" spc="-150" dirty="0">
-                <a:solidFill>
-                  <a:schemeClr val="bg1"/>
-                </a:solidFill>
-                <a:latin typeface="+mn-ea"/>
-              </a:rPr>
-              <a:t>, </a:t>
-            </a:r>
-            <a:r>
-              <a:rPr lang="ko-KR" altLang="en-US" spc="-150" dirty="0">
-                <a:solidFill>
-                  <a:schemeClr val="bg1"/>
-                </a:solidFill>
-                <a:latin typeface="+mn-ea"/>
-              </a:rPr>
-              <a:t>사용법 </a:t>
-            </a:r>
-            <a:r>
-              <a:rPr lang="en-US" altLang="ko-KR" spc="-150" dirty="0">
-                <a:solidFill>
-                  <a:schemeClr val="bg1"/>
-                </a:solidFill>
-                <a:latin typeface="+mn-ea"/>
-              </a:rPr>
-              <a:t>,</a:t>
-            </a:r>
-            <a:r>
-              <a:rPr lang="ko-KR" altLang="en-US" spc="-150" dirty="0">
-                <a:solidFill>
-                  <a:schemeClr val="bg1"/>
-                </a:solidFill>
-                <a:latin typeface="+mn-ea"/>
-              </a:rPr>
-              <a:t>활용방법</a:t>
-            </a:r>
-            <a:r>
-              <a:rPr lang="en-US" altLang="ko-KR" spc="-150" dirty="0">
-                <a:solidFill>
-                  <a:schemeClr val="bg1"/>
-                </a:solidFill>
-                <a:latin typeface="+mn-ea"/>
-              </a:rPr>
-              <a:t> </a:t>
-            </a:r>
-            <a:r>
-              <a:rPr lang="ko-KR" altLang="en-US" spc="-150" dirty="0">
-                <a:solidFill>
-                  <a:schemeClr val="bg1"/>
-                </a:solidFill>
-                <a:latin typeface="+mn-ea"/>
-              </a:rPr>
-              <a:t>등에 미숙하다</a:t>
-            </a:r>
-            <a:r>
-              <a:rPr lang="en-US" altLang="ko-KR" spc="-150" dirty="0">
-                <a:solidFill>
-                  <a:schemeClr val="bg1"/>
-                </a:solidFill>
-                <a:latin typeface="+mn-ea"/>
-              </a:rPr>
-              <a:t>.</a:t>
-            </a:r>
-          </a:p>
-          <a:p>
-            <a:pPr marL="285750" indent="-285750">
-              <a:lnSpc>
-                <a:spcPct val="150000"/>
-              </a:lnSpc>
-              <a:buFont typeface="Wingdings" panose="05000000000000000000" pitchFamily="2" charset="2"/>
-              <a:buChar char="§"/>
-            </a:pPr>
-            <a:r>
-              <a:rPr lang="en-US" altLang="ko-KR" spc="-150" dirty="0">
-                <a:solidFill>
-                  <a:schemeClr val="bg1"/>
-                </a:solidFill>
-                <a:latin typeface="+mn-ea"/>
-              </a:rPr>
-              <a:t> </a:t>
-            </a:r>
-            <a:r>
-              <a:rPr lang="ko-KR" altLang="en-US" spc="-150" dirty="0">
-                <a:solidFill>
-                  <a:schemeClr val="bg1"/>
-                </a:solidFill>
-                <a:latin typeface="+mn-ea"/>
-              </a:rPr>
-              <a:t>주변에 킥보드가 있어도 자신이 사용하고 있는 </a:t>
-            </a:r>
-            <a:r>
-              <a:rPr lang="ko-KR" altLang="en-US" spc="-150" dirty="0" err="1">
-                <a:solidFill>
-                  <a:schemeClr val="bg1"/>
-                </a:solidFill>
-                <a:latin typeface="+mn-ea"/>
-              </a:rPr>
-              <a:t>킥보드</a:t>
-            </a:r>
-            <a:r>
-              <a:rPr lang="ko-KR" altLang="en-US" spc="-150" dirty="0">
-                <a:solidFill>
-                  <a:schemeClr val="bg1"/>
-                </a:solidFill>
-                <a:latin typeface="+mn-ea"/>
-              </a:rPr>
-              <a:t> 사가 아니면 이용하지 못한다는 것에 불편함을 느낌 </a:t>
-            </a:r>
-            <a:endParaRPr lang="en-US" altLang="ko-KR" spc="-150" dirty="0">
-              <a:solidFill>
-                <a:schemeClr val="bg1"/>
-              </a:solidFill>
-              <a:latin typeface="+mn-ea"/>
-            </a:endParaRPr>
-          </a:p>
-        </p:txBody>
-      </p:sp>
     </p:spTree>
     <p:extLst>
       <p:ext uri="{BB962C8B-B14F-4D97-AF65-F5344CB8AC3E}">
-        <p14:creationId xmlns:p14="http://schemas.microsoft.com/office/powerpoint/2010/main" val="2960842390"/>
+        <p14:creationId xmlns:p14="http://schemas.microsoft.com/office/powerpoint/2010/main" val="3900664883"/>
       </p:ext>
     </p:extLst>
   </p:cSld>
@@ -11217,10 +11138,10 @@
       </p:grpSpPr>
       <p:sp>
         <p:nvSpPr>
-          <p:cNvPr id="4" name="순서도: 수행의 시작/종료 3">
-            <a:extLst>
-              <a:ext uri="{FF2B5EF4-FFF2-40B4-BE49-F238E27FC236}">
-                <a16:creationId xmlns:a16="http://schemas.microsoft.com/office/drawing/2014/main" id="{DBB2DDD9-D7E4-435B-A972-99C72A3D2779}"/>
+          <p:cNvPr id="3" name="직사각형 2">
+            <a:extLst>
+              <a:ext uri="{FF2B5EF4-FFF2-40B4-BE49-F238E27FC236}">
+                <a16:creationId xmlns:a16="http://schemas.microsoft.com/office/drawing/2014/main" id="{E6DAD3A2-CFF0-4D0A-9AC5-E83BFA79D8AE}"/>
               </a:ext>
             </a:extLst>
           </p:cNvPr>
@@ -11229,18 +11150,18 @@
         </p:nvSpPr>
         <p:spPr>
           <a:xfrm>
-            <a:off x="7594878" y="129093"/>
-            <a:ext cx="1990165" cy="527130"/>
-          </a:xfrm>
-          <a:prstGeom prst="flowChartTerminator">
+            <a:off x="527136" y="1516828"/>
+            <a:ext cx="4902200" cy="2220496"/>
+          </a:xfrm>
+          <a:prstGeom prst="rect">
             <a:avLst/>
           </a:prstGeom>
           <a:solidFill>
-            <a:schemeClr val="accent1">
-              <a:lumMod val="20000"/>
-              <a:lumOff val="80000"/>
-            </a:schemeClr>
+            <a:schemeClr val="accent1"/>
           </a:solidFill>
+          <a:ln>
+            <a:noFill/>
+          </a:ln>
         </p:spPr>
         <p:style>
           <a:lnRef idx="2">
@@ -11263,23 +11184,20 @@
           <a:lstStyle/>
           <a:p>
             <a:pPr algn="ctr"/>
-            <a:r>
-              <a:rPr lang="ko-KR" altLang="en-US" sz="1700" dirty="0">
-                <a:solidFill>
-                  <a:schemeClr val="tx1"/>
-                </a:solidFill>
-              </a:rPr>
-              <a:t>메인 페이지</a:t>
-            </a:r>
-          </a:p>
-        </p:txBody>
-      </p:sp>
-      <p:sp>
-        <p:nvSpPr>
-          <p:cNvPr id="5" name="직사각형 4">
-            <a:extLst>
-              <a:ext uri="{FF2B5EF4-FFF2-40B4-BE49-F238E27FC236}">
-                <a16:creationId xmlns:a16="http://schemas.microsoft.com/office/drawing/2014/main" id="{332F21F7-E692-4F40-B00E-CEC6A09F212B}"/>
+            <a:endParaRPr lang="ko-KR" altLang="en-US">
+              <a:solidFill>
+                <a:schemeClr val="bg1"/>
+              </a:solidFill>
+            </a:endParaRPr>
+          </a:p>
+        </p:txBody>
+      </p:sp>
+      <p:sp>
+        <p:nvSpPr>
+          <p:cNvPr id="4" name="직사각형 3">
+            <a:extLst>
+              <a:ext uri="{FF2B5EF4-FFF2-40B4-BE49-F238E27FC236}">
+                <a16:creationId xmlns:a16="http://schemas.microsoft.com/office/drawing/2014/main" id="{F09FD786-C859-4AD4-BA6F-D81458F26C0C}"/>
               </a:ext>
             </a:extLst>
           </p:cNvPr>
@@ -11288,779 +11206,8 @@
         </p:nvSpPr>
         <p:spPr>
           <a:xfrm>
-            <a:off x="7616394" y="2743192"/>
-            <a:ext cx="1947594" cy="527130"/>
-          </a:xfrm>
-          <a:prstGeom prst="rect">
-            <a:avLst/>
-          </a:prstGeom>
-          <a:solidFill>
-            <a:schemeClr val="accent1">
-              <a:lumMod val="20000"/>
-              <a:lumOff val="80000"/>
-            </a:schemeClr>
-          </a:solidFill>
-        </p:spPr>
-        <p:style>
-          <a:lnRef idx="2">
-            <a:schemeClr val="accent1">
-              <a:shade val="50000"/>
-            </a:schemeClr>
-          </a:lnRef>
-          <a:fillRef idx="1">
-            <a:schemeClr val="accent1"/>
-          </a:fillRef>
-          <a:effectRef idx="0">
-            <a:schemeClr val="accent1"/>
-          </a:effectRef>
-          <a:fontRef idx="minor">
-            <a:schemeClr val="lt1"/>
-          </a:fontRef>
-        </p:style>
-        <p:txBody>
-          <a:bodyPr rtlCol="0" anchor="ctr"/>
-          <a:lstStyle/>
-          <a:p>
-            <a:pPr algn="ctr"/>
-            <a:r>
-              <a:rPr lang="ko-KR" altLang="en-US" sz="1700" dirty="0">
-                <a:solidFill>
-                  <a:schemeClr val="tx1"/>
-                </a:solidFill>
-              </a:rPr>
-              <a:t>지도정보 연동</a:t>
-            </a:r>
-            <a:endParaRPr lang="en-US" altLang="ko-KR" sz="1700" dirty="0">
-              <a:solidFill>
-                <a:schemeClr val="tx1"/>
-              </a:solidFill>
-            </a:endParaRPr>
-          </a:p>
-          <a:p>
-            <a:pPr algn="ctr"/>
-            <a:r>
-              <a:rPr lang="ko-KR" altLang="en-US" sz="1700" dirty="0" err="1">
-                <a:solidFill>
-                  <a:schemeClr val="tx1"/>
-                </a:solidFill>
-              </a:rPr>
-              <a:t>킥보드</a:t>
-            </a:r>
-            <a:r>
-              <a:rPr lang="ko-KR" altLang="en-US" sz="1700" dirty="0">
-                <a:solidFill>
-                  <a:schemeClr val="tx1"/>
-                </a:solidFill>
-              </a:rPr>
-              <a:t> 탐색</a:t>
-            </a:r>
-          </a:p>
-        </p:txBody>
-      </p:sp>
-      <p:sp>
-        <p:nvSpPr>
-          <p:cNvPr id="14" name="직사각형 13">
-            <a:extLst>
-              <a:ext uri="{FF2B5EF4-FFF2-40B4-BE49-F238E27FC236}">
-                <a16:creationId xmlns:a16="http://schemas.microsoft.com/office/drawing/2014/main" id="{AB68E748-4194-4748-892F-B83F4215201C}"/>
-              </a:ext>
-            </a:extLst>
-          </p:cNvPr>
-          <p:cNvSpPr/>
-          <p:nvPr/>
-        </p:nvSpPr>
-        <p:spPr>
-          <a:xfrm>
-            <a:off x="7594878" y="968188"/>
-            <a:ext cx="1947594" cy="527130"/>
-          </a:xfrm>
-          <a:prstGeom prst="rect">
-            <a:avLst/>
-          </a:prstGeom>
-          <a:solidFill>
-            <a:schemeClr val="accent1">
-              <a:lumMod val="20000"/>
-              <a:lumOff val="80000"/>
-            </a:schemeClr>
-          </a:solidFill>
-        </p:spPr>
-        <p:style>
-          <a:lnRef idx="2">
-            <a:schemeClr val="accent1">
-              <a:shade val="50000"/>
-            </a:schemeClr>
-          </a:lnRef>
-          <a:fillRef idx="1">
-            <a:schemeClr val="accent1"/>
-          </a:fillRef>
-          <a:effectRef idx="0">
-            <a:schemeClr val="accent1"/>
-          </a:effectRef>
-          <a:fontRef idx="minor">
-            <a:schemeClr val="lt1"/>
-          </a:fontRef>
-        </p:style>
-        <p:txBody>
-          <a:bodyPr rtlCol="0" anchor="ctr"/>
-          <a:lstStyle/>
-          <a:p>
-            <a:pPr algn="ctr"/>
-            <a:r>
-              <a:rPr lang="ko-KR" altLang="en-US" sz="1700" dirty="0">
-                <a:solidFill>
-                  <a:schemeClr val="tx1"/>
-                </a:solidFill>
-              </a:rPr>
-              <a:t>회원가입</a:t>
-            </a:r>
-          </a:p>
-        </p:txBody>
-      </p:sp>
-      <p:sp>
-        <p:nvSpPr>
-          <p:cNvPr id="15" name="직사각형 14">
-            <a:extLst>
-              <a:ext uri="{FF2B5EF4-FFF2-40B4-BE49-F238E27FC236}">
-                <a16:creationId xmlns:a16="http://schemas.microsoft.com/office/drawing/2014/main" id="{2FFA98FD-D4A0-4143-8622-ECF9B7674513}"/>
-              </a:ext>
-            </a:extLst>
-          </p:cNvPr>
-          <p:cNvSpPr/>
-          <p:nvPr/>
-        </p:nvSpPr>
-        <p:spPr>
-          <a:xfrm>
-            <a:off x="7616394" y="1861069"/>
-            <a:ext cx="1947594" cy="527130"/>
-          </a:xfrm>
-          <a:prstGeom prst="rect">
-            <a:avLst/>
-          </a:prstGeom>
-          <a:solidFill>
-            <a:schemeClr val="accent1">
-              <a:lumMod val="20000"/>
-              <a:lumOff val="80000"/>
-            </a:schemeClr>
-          </a:solidFill>
-        </p:spPr>
-        <p:style>
-          <a:lnRef idx="2">
-            <a:schemeClr val="accent1">
-              <a:shade val="50000"/>
-            </a:schemeClr>
-          </a:lnRef>
-          <a:fillRef idx="1">
-            <a:schemeClr val="accent1"/>
-          </a:fillRef>
-          <a:effectRef idx="0">
-            <a:schemeClr val="accent1"/>
-          </a:effectRef>
-          <a:fontRef idx="minor">
-            <a:schemeClr val="lt1"/>
-          </a:fontRef>
-        </p:style>
-        <p:txBody>
-          <a:bodyPr rtlCol="0" anchor="ctr"/>
-          <a:lstStyle/>
-          <a:p>
-            <a:pPr algn="ctr"/>
-            <a:r>
-              <a:rPr lang="ko-KR" altLang="en-US" sz="1700" dirty="0" err="1">
-                <a:solidFill>
-                  <a:schemeClr val="tx1"/>
-                </a:solidFill>
-              </a:rPr>
-              <a:t>미로그인시</a:t>
-            </a:r>
-            <a:endParaRPr lang="en-US" altLang="ko-KR" sz="1700" dirty="0">
-              <a:solidFill>
-                <a:schemeClr val="tx1"/>
-              </a:solidFill>
-            </a:endParaRPr>
-          </a:p>
-          <a:p>
-            <a:pPr algn="ctr"/>
-            <a:r>
-              <a:rPr lang="ko-KR" altLang="en-US" sz="1700" dirty="0">
-                <a:solidFill>
-                  <a:schemeClr val="tx1"/>
-                </a:solidFill>
-              </a:rPr>
-              <a:t>로그인</a:t>
-            </a:r>
-          </a:p>
-        </p:txBody>
-      </p:sp>
-      <p:sp>
-        <p:nvSpPr>
-          <p:cNvPr id="16" name="직사각형 15">
-            <a:extLst>
-              <a:ext uri="{FF2B5EF4-FFF2-40B4-BE49-F238E27FC236}">
-                <a16:creationId xmlns:a16="http://schemas.microsoft.com/office/drawing/2014/main" id="{E81E1C51-4A89-4A76-9F3D-215434B0EAC1}"/>
-              </a:ext>
-            </a:extLst>
-          </p:cNvPr>
-          <p:cNvSpPr/>
-          <p:nvPr/>
-        </p:nvSpPr>
-        <p:spPr>
-          <a:xfrm>
-            <a:off x="7594878" y="3636075"/>
-            <a:ext cx="1947594" cy="527130"/>
-          </a:xfrm>
-          <a:prstGeom prst="rect">
-            <a:avLst/>
-          </a:prstGeom>
-          <a:solidFill>
-            <a:schemeClr val="accent1">
-              <a:lumMod val="20000"/>
-              <a:lumOff val="80000"/>
-            </a:schemeClr>
-          </a:solidFill>
-        </p:spPr>
-        <p:style>
-          <a:lnRef idx="2">
-            <a:schemeClr val="accent1">
-              <a:shade val="50000"/>
-            </a:schemeClr>
-          </a:lnRef>
-          <a:fillRef idx="1">
-            <a:schemeClr val="accent1"/>
-          </a:fillRef>
-          <a:effectRef idx="0">
-            <a:schemeClr val="accent1"/>
-          </a:effectRef>
-          <a:fontRef idx="minor">
-            <a:schemeClr val="lt1"/>
-          </a:fontRef>
-        </p:style>
-        <p:txBody>
-          <a:bodyPr rtlCol="0" anchor="ctr"/>
-          <a:lstStyle/>
-          <a:p>
-            <a:pPr algn="ctr"/>
-            <a:r>
-              <a:rPr lang="ko-KR" altLang="en-US" sz="1700" dirty="0" err="1">
-                <a:solidFill>
-                  <a:schemeClr val="tx1"/>
-                </a:solidFill>
-              </a:rPr>
-              <a:t>킥보드</a:t>
-            </a:r>
-            <a:r>
-              <a:rPr lang="ko-KR" altLang="en-US" sz="1700" dirty="0">
-                <a:solidFill>
-                  <a:schemeClr val="tx1"/>
-                </a:solidFill>
-              </a:rPr>
-              <a:t> 선택</a:t>
-            </a:r>
-          </a:p>
-        </p:txBody>
-      </p:sp>
-      <p:sp>
-        <p:nvSpPr>
-          <p:cNvPr id="17" name="직사각형 16">
-            <a:extLst>
-              <a:ext uri="{FF2B5EF4-FFF2-40B4-BE49-F238E27FC236}">
-                <a16:creationId xmlns:a16="http://schemas.microsoft.com/office/drawing/2014/main" id="{B61ED718-F7D0-43D7-8A90-225AA77D4C6E}"/>
-              </a:ext>
-            </a:extLst>
-          </p:cNvPr>
-          <p:cNvSpPr/>
-          <p:nvPr/>
-        </p:nvSpPr>
-        <p:spPr>
-          <a:xfrm>
-            <a:off x="7594877" y="4528959"/>
-            <a:ext cx="1947594" cy="527130"/>
-          </a:xfrm>
-          <a:prstGeom prst="rect">
-            <a:avLst/>
-          </a:prstGeom>
-          <a:solidFill>
-            <a:schemeClr val="accent1">
-              <a:lumMod val="20000"/>
-              <a:lumOff val="80000"/>
-            </a:schemeClr>
-          </a:solidFill>
-        </p:spPr>
-        <p:style>
-          <a:lnRef idx="2">
-            <a:schemeClr val="accent1">
-              <a:shade val="50000"/>
-            </a:schemeClr>
-          </a:lnRef>
-          <a:fillRef idx="1">
-            <a:schemeClr val="accent1"/>
-          </a:fillRef>
-          <a:effectRef idx="0">
-            <a:schemeClr val="accent1"/>
-          </a:effectRef>
-          <a:fontRef idx="minor">
-            <a:schemeClr val="lt1"/>
-          </a:fontRef>
-        </p:style>
-        <p:txBody>
-          <a:bodyPr rtlCol="0" anchor="ctr"/>
-          <a:lstStyle/>
-          <a:p>
-            <a:pPr algn="ctr"/>
-            <a:r>
-              <a:rPr lang="ko-KR" altLang="en-US" sz="1700" dirty="0">
-                <a:solidFill>
-                  <a:schemeClr val="tx1"/>
-                </a:solidFill>
-              </a:rPr>
-              <a:t>결제수단 선택</a:t>
-            </a:r>
-            <a:endParaRPr lang="en-US" altLang="ko-KR" sz="1700" dirty="0">
-              <a:solidFill>
-                <a:schemeClr val="tx1"/>
-              </a:solidFill>
-            </a:endParaRPr>
-          </a:p>
-        </p:txBody>
-      </p:sp>
-      <p:sp>
-        <p:nvSpPr>
-          <p:cNvPr id="18" name="직사각형 17">
-            <a:extLst>
-              <a:ext uri="{FF2B5EF4-FFF2-40B4-BE49-F238E27FC236}">
-                <a16:creationId xmlns:a16="http://schemas.microsoft.com/office/drawing/2014/main" id="{606E0437-8A8E-4331-84EA-95DCD1A9F6AE}"/>
-              </a:ext>
-            </a:extLst>
-          </p:cNvPr>
-          <p:cNvSpPr/>
-          <p:nvPr/>
-        </p:nvSpPr>
-        <p:spPr>
-          <a:xfrm>
-            <a:off x="7594876" y="5389570"/>
-            <a:ext cx="1947594" cy="527130"/>
-          </a:xfrm>
-          <a:prstGeom prst="rect">
-            <a:avLst/>
-          </a:prstGeom>
-          <a:solidFill>
-            <a:schemeClr val="accent1">
-              <a:lumMod val="20000"/>
-              <a:lumOff val="80000"/>
-            </a:schemeClr>
-          </a:solidFill>
-        </p:spPr>
-        <p:style>
-          <a:lnRef idx="2">
-            <a:schemeClr val="accent1">
-              <a:shade val="50000"/>
-            </a:schemeClr>
-          </a:lnRef>
-          <a:fillRef idx="1">
-            <a:schemeClr val="accent1"/>
-          </a:fillRef>
-          <a:effectRef idx="0">
-            <a:schemeClr val="accent1"/>
-          </a:effectRef>
-          <a:fontRef idx="minor">
-            <a:schemeClr val="lt1"/>
-          </a:fontRef>
-        </p:style>
-        <p:txBody>
-          <a:bodyPr rtlCol="0" anchor="ctr"/>
-          <a:lstStyle/>
-          <a:p>
-            <a:pPr algn="ctr"/>
-            <a:r>
-              <a:rPr lang="ko-KR" altLang="en-US" sz="1700" dirty="0" err="1">
-                <a:solidFill>
-                  <a:schemeClr val="tx1"/>
-                </a:solidFill>
-              </a:rPr>
-              <a:t>킥보드</a:t>
-            </a:r>
-            <a:r>
-              <a:rPr lang="ko-KR" altLang="en-US" sz="1700" dirty="0">
-                <a:solidFill>
-                  <a:schemeClr val="tx1"/>
-                </a:solidFill>
-              </a:rPr>
-              <a:t> 반납</a:t>
-            </a:r>
-            <a:endParaRPr lang="en-US" altLang="ko-KR" sz="1700" dirty="0">
-              <a:solidFill>
-                <a:schemeClr val="tx1"/>
-              </a:solidFill>
-            </a:endParaRPr>
-          </a:p>
-        </p:txBody>
-      </p:sp>
-      <p:sp>
-        <p:nvSpPr>
-          <p:cNvPr id="19" name="직사각형 18">
-            <a:extLst>
-              <a:ext uri="{FF2B5EF4-FFF2-40B4-BE49-F238E27FC236}">
-                <a16:creationId xmlns:a16="http://schemas.microsoft.com/office/drawing/2014/main" id="{AB6562A4-89EA-479F-886B-0C7CAC5288CA}"/>
-              </a:ext>
-            </a:extLst>
-          </p:cNvPr>
-          <p:cNvSpPr/>
-          <p:nvPr/>
-        </p:nvSpPr>
-        <p:spPr>
-          <a:xfrm>
-            <a:off x="7594876" y="6228665"/>
-            <a:ext cx="1947594" cy="527130"/>
-          </a:xfrm>
-          <a:prstGeom prst="rect">
-            <a:avLst/>
-          </a:prstGeom>
-          <a:solidFill>
-            <a:schemeClr val="accent1">
-              <a:lumMod val="20000"/>
-              <a:lumOff val="80000"/>
-            </a:schemeClr>
-          </a:solidFill>
-        </p:spPr>
-        <p:style>
-          <a:lnRef idx="2">
-            <a:schemeClr val="accent1">
-              <a:shade val="50000"/>
-            </a:schemeClr>
-          </a:lnRef>
-          <a:fillRef idx="1">
-            <a:schemeClr val="accent1"/>
-          </a:fillRef>
-          <a:effectRef idx="0">
-            <a:schemeClr val="accent1"/>
-          </a:effectRef>
-          <a:fontRef idx="minor">
-            <a:schemeClr val="lt1"/>
-          </a:fontRef>
-        </p:style>
-        <p:txBody>
-          <a:bodyPr rtlCol="0" anchor="ctr"/>
-          <a:lstStyle/>
-          <a:p>
-            <a:pPr algn="ctr"/>
-            <a:r>
-              <a:rPr lang="ko-KR" altLang="en-US" sz="1700" dirty="0">
-                <a:solidFill>
-                  <a:schemeClr val="tx1"/>
-                </a:solidFill>
-              </a:rPr>
-              <a:t>반납확인 종료</a:t>
-            </a:r>
-            <a:endParaRPr lang="en-US" altLang="ko-KR" sz="1700" dirty="0">
-              <a:solidFill>
-                <a:schemeClr val="tx1"/>
-              </a:solidFill>
-            </a:endParaRPr>
-          </a:p>
-        </p:txBody>
-      </p:sp>
-      <p:cxnSp>
-        <p:nvCxnSpPr>
-          <p:cNvPr id="3" name="직선 화살표 연결선 2">
-            <a:extLst>
-              <a:ext uri="{FF2B5EF4-FFF2-40B4-BE49-F238E27FC236}">
-                <a16:creationId xmlns:a16="http://schemas.microsoft.com/office/drawing/2014/main" id="{FE2ACFF0-A552-44FB-996C-424AAA4E7697}"/>
-              </a:ext>
-            </a:extLst>
-          </p:cNvPr>
-          <p:cNvCxnSpPr>
-            <a:cxnSpLocks/>
-          </p:cNvCxnSpPr>
-          <p:nvPr/>
-        </p:nvCxnSpPr>
-        <p:spPr>
-          <a:xfrm>
-            <a:off x="8563066" y="710003"/>
-            <a:ext cx="0" cy="225911"/>
-          </a:xfrm>
-          <a:prstGeom prst="straightConnector1">
-            <a:avLst/>
-          </a:prstGeom>
-          <a:ln>
-            <a:tailEnd type="triangle"/>
-          </a:ln>
-        </p:spPr>
-        <p:style>
-          <a:lnRef idx="1">
-            <a:schemeClr val="accent1"/>
-          </a:lnRef>
-          <a:fillRef idx="0">
-            <a:schemeClr val="accent1"/>
-          </a:fillRef>
-          <a:effectRef idx="0">
-            <a:schemeClr val="accent1"/>
-          </a:effectRef>
-          <a:fontRef idx="minor">
-            <a:schemeClr val="tx1"/>
-          </a:fontRef>
-        </p:style>
-      </p:cxnSp>
-      <p:cxnSp>
-        <p:nvCxnSpPr>
-          <p:cNvPr id="13" name="직선 화살표 연결선 12">
-            <a:extLst>
-              <a:ext uri="{FF2B5EF4-FFF2-40B4-BE49-F238E27FC236}">
-                <a16:creationId xmlns:a16="http://schemas.microsoft.com/office/drawing/2014/main" id="{7DCF8DA5-26E3-4C49-A514-778351580260}"/>
-              </a:ext>
-            </a:extLst>
-          </p:cNvPr>
-          <p:cNvCxnSpPr>
-            <a:cxnSpLocks/>
-          </p:cNvCxnSpPr>
-          <p:nvPr/>
-        </p:nvCxnSpPr>
-        <p:spPr>
-          <a:xfrm>
-            <a:off x="8595339" y="1570610"/>
-            <a:ext cx="0" cy="225911"/>
-          </a:xfrm>
-          <a:prstGeom prst="straightConnector1">
-            <a:avLst/>
-          </a:prstGeom>
-          <a:ln>
-            <a:tailEnd type="triangle"/>
-          </a:ln>
-        </p:spPr>
-        <p:style>
-          <a:lnRef idx="1">
-            <a:schemeClr val="accent1"/>
-          </a:lnRef>
-          <a:fillRef idx="0">
-            <a:schemeClr val="accent1"/>
-          </a:fillRef>
-          <a:effectRef idx="0">
-            <a:schemeClr val="accent1"/>
-          </a:effectRef>
-          <a:fontRef idx="minor">
-            <a:schemeClr val="tx1"/>
-          </a:fontRef>
-        </p:style>
-      </p:cxnSp>
-      <p:cxnSp>
-        <p:nvCxnSpPr>
-          <p:cNvPr id="20" name="직선 화살표 연결선 19">
-            <a:extLst>
-              <a:ext uri="{FF2B5EF4-FFF2-40B4-BE49-F238E27FC236}">
-                <a16:creationId xmlns:a16="http://schemas.microsoft.com/office/drawing/2014/main" id="{77BBA47E-EDFE-4060-B940-9A1C5381D260}"/>
-              </a:ext>
-            </a:extLst>
-          </p:cNvPr>
-          <p:cNvCxnSpPr>
-            <a:cxnSpLocks/>
-          </p:cNvCxnSpPr>
-          <p:nvPr/>
-        </p:nvCxnSpPr>
-        <p:spPr>
-          <a:xfrm>
-            <a:off x="8573823" y="2474249"/>
-            <a:ext cx="0" cy="225911"/>
-          </a:xfrm>
-          <a:prstGeom prst="straightConnector1">
-            <a:avLst/>
-          </a:prstGeom>
-          <a:ln>
-            <a:tailEnd type="triangle"/>
-          </a:ln>
-        </p:spPr>
-        <p:style>
-          <a:lnRef idx="1">
-            <a:schemeClr val="accent1"/>
-          </a:lnRef>
-          <a:fillRef idx="0">
-            <a:schemeClr val="accent1"/>
-          </a:fillRef>
-          <a:effectRef idx="0">
-            <a:schemeClr val="accent1"/>
-          </a:effectRef>
-          <a:fontRef idx="minor">
-            <a:schemeClr val="tx1"/>
-          </a:fontRef>
-        </p:style>
-      </p:cxnSp>
-      <p:cxnSp>
-        <p:nvCxnSpPr>
-          <p:cNvPr id="21" name="직선 화살표 연결선 20">
-            <a:extLst>
-              <a:ext uri="{FF2B5EF4-FFF2-40B4-BE49-F238E27FC236}">
-                <a16:creationId xmlns:a16="http://schemas.microsoft.com/office/drawing/2014/main" id="{261CECB3-2D78-4FF6-B77F-CBE751A6A748}"/>
-              </a:ext>
-            </a:extLst>
-          </p:cNvPr>
-          <p:cNvCxnSpPr>
-            <a:cxnSpLocks/>
-          </p:cNvCxnSpPr>
-          <p:nvPr/>
-        </p:nvCxnSpPr>
-        <p:spPr>
-          <a:xfrm>
-            <a:off x="8573823" y="3326802"/>
-            <a:ext cx="0" cy="225911"/>
-          </a:xfrm>
-          <a:prstGeom prst="straightConnector1">
-            <a:avLst/>
-          </a:prstGeom>
-          <a:ln>
-            <a:tailEnd type="triangle"/>
-          </a:ln>
-        </p:spPr>
-        <p:style>
-          <a:lnRef idx="1">
-            <a:schemeClr val="accent1"/>
-          </a:lnRef>
-          <a:fillRef idx="0">
-            <a:schemeClr val="accent1"/>
-          </a:fillRef>
-          <a:effectRef idx="0">
-            <a:schemeClr val="accent1"/>
-          </a:effectRef>
-          <a:fontRef idx="minor">
-            <a:schemeClr val="tx1"/>
-          </a:fontRef>
-        </p:style>
-      </p:cxnSp>
-      <p:cxnSp>
-        <p:nvCxnSpPr>
-          <p:cNvPr id="22" name="직선 화살표 연결선 21">
-            <a:extLst>
-              <a:ext uri="{FF2B5EF4-FFF2-40B4-BE49-F238E27FC236}">
-                <a16:creationId xmlns:a16="http://schemas.microsoft.com/office/drawing/2014/main" id="{6DC92B9D-3117-40AD-9C6F-2A8BB871FBE7}"/>
-              </a:ext>
-            </a:extLst>
-          </p:cNvPr>
-          <p:cNvCxnSpPr>
-            <a:cxnSpLocks/>
-          </p:cNvCxnSpPr>
-          <p:nvPr/>
-        </p:nvCxnSpPr>
-        <p:spPr>
-          <a:xfrm>
-            <a:off x="8563066" y="4184721"/>
-            <a:ext cx="0" cy="225911"/>
-          </a:xfrm>
-          <a:prstGeom prst="straightConnector1">
-            <a:avLst/>
-          </a:prstGeom>
-          <a:ln>
-            <a:tailEnd type="triangle"/>
-          </a:ln>
-        </p:spPr>
-        <p:style>
-          <a:lnRef idx="1">
-            <a:schemeClr val="accent1"/>
-          </a:lnRef>
-          <a:fillRef idx="0">
-            <a:schemeClr val="accent1"/>
-          </a:fillRef>
-          <a:effectRef idx="0">
-            <a:schemeClr val="accent1"/>
-          </a:effectRef>
-          <a:fontRef idx="minor">
-            <a:schemeClr val="tx1"/>
-          </a:fontRef>
-        </p:style>
-      </p:cxnSp>
-      <p:cxnSp>
-        <p:nvCxnSpPr>
-          <p:cNvPr id="23" name="직선 화살표 연결선 22">
-            <a:extLst>
-              <a:ext uri="{FF2B5EF4-FFF2-40B4-BE49-F238E27FC236}">
-                <a16:creationId xmlns:a16="http://schemas.microsoft.com/office/drawing/2014/main" id="{986D86D0-2686-462E-BFF6-55B982568072}"/>
-              </a:ext>
-            </a:extLst>
-          </p:cNvPr>
-          <p:cNvCxnSpPr>
-            <a:cxnSpLocks/>
-          </p:cNvCxnSpPr>
-          <p:nvPr/>
-        </p:nvCxnSpPr>
-        <p:spPr>
-          <a:xfrm>
-            <a:off x="8573823" y="5077605"/>
-            <a:ext cx="0" cy="225911"/>
-          </a:xfrm>
-          <a:prstGeom prst="straightConnector1">
-            <a:avLst/>
-          </a:prstGeom>
-          <a:ln>
-            <a:tailEnd type="triangle"/>
-          </a:ln>
-        </p:spPr>
-        <p:style>
-          <a:lnRef idx="1">
-            <a:schemeClr val="accent1"/>
-          </a:lnRef>
-          <a:fillRef idx="0">
-            <a:schemeClr val="accent1"/>
-          </a:fillRef>
-          <a:effectRef idx="0">
-            <a:schemeClr val="accent1"/>
-          </a:effectRef>
-          <a:fontRef idx="minor">
-            <a:schemeClr val="tx1"/>
-          </a:fontRef>
-        </p:style>
-      </p:cxnSp>
-      <p:cxnSp>
-        <p:nvCxnSpPr>
-          <p:cNvPr id="24" name="직선 화살표 연결선 23">
-            <a:extLst>
-              <a:ext uri="{FF2B5EF4-FFF2-40B4-BE49-F238E27FC236}">
-                <a16:creationId xmlns:a16="http://schemas.microsoft.com/office/drawing/2014/main" id="{D1574DB9-947D-4F6F-9107-0BE1BA02771A}"/>
-              </a:ext>
-            </a:extLst>
-          </p:cNvPr>
-          <p:cNvCxnSpPr>
-            <a:cxnSpLocks/>
-          </p:cNvCxnSpPr>
-          <p:nvPr/>
-        </p:nvCxnSpPr>
-        <p:spPr>
-          <a:xfrm>
-            <a:off x="8563066" y="5938216"/>
-            <a:ext cx="0" cy="225911"/>
-          </a:xfrm>
-          <a:prstGeom prst="straightConnector1">
-            <a:avLst/>
-          </a:prstGeom>
-          <a:ln>
-            <a:tailEnd type="triangle"/>
-          </a:ln>
-        </p:spPr>
-        <p:style>
-          <a:lnRef idx="1">
-            <a:schemeClr val="accent1"/>
-          </a:lnRef>
-          <a:fillRef idx="0">
-            <a:schemeClr val="accent1"/>
-          </a:fillRef>
-          <a:effectRef idx="0">
-            <a:schemeClr val="accent1"/>
-          </a:effectRef>
-          <a:fontRef idx="minor">
-            <a:schemeClr val="tx1"/>
-          </a:fontRef>
-        </p:style>
-      </p:cxnSp>
-      <p:sp>
-        <p:nvSpPr>
-          <p:cNvPr id="25" name="직사각형 24">
-            <a:extLst>
-              <a:ext uri="{FF2B5EF4-FFF2-40B4-BE49-F238E27FC236}">
-                <a16:creationId xmlns:a16="http://schemas.microsoft.com/office/drawing/2014/main" id="{1FF780C1-4F6F-4299-A569-15AD97D7D33B}"/>
-              </a:ext>
-            </a:extLst>
-          </p:cNvPr>
-          <p:cNvSpPr/>
-          <p:nvPr/>
-        </p:nvSpPr>
-        <p:spPr>
-          <a:xfrm>
-            <a:off x="1721233" y="357692"/>
-            <a:ext cx="3872719" cy="1320502"/>
+            <a:off x="6529313" y="1502129"/>
+            <a:ext cx="4902200" cy="2235195"/>
           </a:xfrm>
           <a:prstGeom prst="rect">
             <a:avLst/>
@@ -12093,21 +11240,1410 @@
           <a:lstStyle/>
           <a:p>
             <a:pPr algn="ctr"/>
-            <a:r>
-              <a:rPr lang="ko-KR" altLang="en-US" dirty="0" err="1"/>
-              <a:t>테스크</a:t>
-            </a:r>
-            <a:r>
-              <a:rPr lang="ko-KR" altLang="en-US" dirty="0"/>
-              <a:t> 플로우</a:t>
-            </a:r>
+            <a:endParaRPr lang="ko-KR" altLang="en-US" dirty="0">
+              <a:solidFill>
+                <a:schemeClr val="bg1"/>
+              </a:solidFill>
+            </a:endParaRPr>
+          </a:p>
+        </p:txBody>
+      </p:sp>
+      <p:sp>
+        <p:nvSpPr>
+          <p:cNvPr id="5" name="직사각형 4">
+            <a:extLst>
+              <a:ext uri="{FF2B5EF4-FFF2-40B4-BE49-F238E27FC236}">
+                <a16:creationId xmlns:a16="http://schemas.microsoft.com/office/drawing/2014/main" id="{B9576B35-CD3C-423D-93D2-0646784DDD4A}"/>
+              </a:ext>
+            </a:extLst>
+          </p:cNvPr>
+          <p:cNvSpPr/>
+          <p:nvPr/>
+        </p:nvSpPr>
+        <p:spPr>
+          <a:xfrm>
+            <a:off x="527140" y="4171065"/>
+            <a:ext cx="4902200" cy="2235195"/>
+          </a:xfrm>
+          <a:prstGeom prst="rect">
+            <a:avLst/>
+          </a:prstGeom>
+          <a:solidFill>
+            <a:schemeClr val="accent2"/>
+          </a:solidFill>
+          <a:ln>
+            <a:noFill/>
+          </a:ln>
+        </p:spPr>
+        <p:style>
+          <a:lnRef idx="2">
+            <a:schemeClr val="accent1">
+              <a:shade val="50000"/>
+            </a:schemeClr>
+          </a:lnRef>
+          <a:fillRef idx="1">
+            <a:schemeClr val="accent1"/>
+          </a:fillRef>
+          <a:effectRef idx="0">
+            <a:schemeClr val="accent1"/>
+          </a:effectRef>
+          <a:fontRef idx="minor">
+            <a:schemeClr val="lt1"/>
+          </a:fontRef>
+        </p:style>
+        <p:txBody>
+          <a:bodyPr rtlCol="0" anchor="ctr"/>
+          <a:lstStyle/>
+          <a:p>
+            <a:pPr algn="ctr"/>
+            <a:endParaRPr lang="ko-KR" altLang="en-US">
+              <a:solidFill>
+                <a:schemeClr val="bg1"/>
+              </a:solidFill>
+            </a:endParaRPr>
+          </a:p>
+        </p:txBody>
+      </p:sp>
+      <p:sp>
+        <p:nvSpPr>
+          <p:cNvPr id="7" name="직사각형 6">
+            <a:extLst>
+              <a:ext uri="{FF2B5EF4-FFF2-40B4-BE49-F238E27FC236}">
+                <a16:creationId xmlns:a16="http://schemas.microsoft.com/office/drawing/2014/main" id="{065F2E44-F418-45DF-9F1F-1481BFD71AA0}"/>
+              </a:ext>
+            </a:extLst>
+          </p:cNvPr>
+          <p:cNvSpPr/>
+          <p:nvPr/>
+        </p:nvSpPr>
+        <p:spPr>
+          <a:xfrm>
+            <a:off x="6529313" y="4181816"/>
+            <a:ext cx="4902200" cy="2235195"/>
+          </a:xfrm>
+          <a:prstGeom prst="rect">
+            <a:avLst/>
+          </a:prstGeom>
+          <a:solidFill>
+            <a:schemeClr val="accent5"/>
+          </a:solidFill>
+          <a:ln>
+            <a:noFill/>
+          </a:ln>
+        </p:spPr>
+        <p:style>
+          <a:lnRef idx="2">
+            <a:schemeClr val="accent1">
+              <a:shade val="50000"/>
+            </a:schemeClr>
+          </a:lnRef>
+          <a:fillRef idx="1">
+            <a:schemeClr val="accent1"/>
+          </a:fillRef>
+          <a:effectRef idx="0">
+            <a:schemeClr val="accent1"/>
+          </a:effectRef>
+          <a:fontRef idx="minor">
+            <a:schemeClr val="lt1"/>
+          </a:fontRef>
+        </p:style>
+        <p:txBody>
+          <a:bodyPr rtlCol="0" anchor="ctr"/>
+          <a:lstStyle/>
+          <a:p>
+            <a:pPr algn="ctr"/>
+            <a:endParaRPr lang="ko-KR" altLang="en-US">
+              <a:solidFill>
+                <a:schemeClr val="bg1"/>
+              </a:solidFill>
+            </a:endParaRPr>
+          </a:p>
+        </p:txBody>
+      </p:sp>
+      <p:sp>
+        <p:nvSpPr>
+          <p:cNvPr id="10" name="직사각형 9">
+            <a:extLst>
+              <a:ext uri="{FF2B5EF4-FFF2-40B4-BE49-F238E27FC236}">
+                <a16:creationId xmlns:a16="http://schemas.microsoft.com/office/drawing/2014/main" id="{9FEB6928-56CE-4D1B-961F-55CB97BB2BAE}"/>
+              </a:ext>
+            </a:extLst>
+          </p:cNvPr>
+          <p:cNvSpPr/>
+          <p:nvPr/>
+        </p:nvSpPr>
+        <p:spPr>
+          <a:xfrm>
+            <a:off x="6648269" y="3144507"/>
+            <a:ext cx="482600" cy="482600"/>
+          </a:xfrm>
+          <a:prstGeom prst="rect">
+            <a:avLst/>
+          </a:prstGeom>
+          <a:noFill/>
+          <a:ln>
+            <a:noFill/>
+          </a:ln>
+        </p:spPr>
+        <p:style>
+          <a:lnRef idx="2">
+            <a:schemeClr val="accent1">
+              <a:shade val="50000"/>
+            </a:schemeClr>
+          </a:lnRef>
+          <a:fillRef idx="1">
+            <a:schemeClr val="accent1"/>
+          </a:fillRef>
+          <a:effectRef idx="0">
+            <a:schemeClr val="accent1"/>
+          </a:effectRef>
+          <a:fontRef idx="minor">
+            <a:schemeClr val="lt1"/>
+          </a:fontRef>
+        </p:style>
+        <p:txBody>
+          <a:bodyPr rtlCol="0" anchor="ctr"/>
+          <a:lstStyle/>
+          <a:p>
+            <a:pPr algn="ctr"/>
+            <a:endParaRPr lang="ko-KR" altLang="en-US">
+              <a:solidFill>
+                <a:schemeClr val="bg1"/>
+              </a:solidFill>
+              <a:latin typeface="+mj-lt"/>
+            </a:endParaRPr>
+          </a:p>
+        </p:txBody>
+      </p:sp>
+      <p:sp>
+        <p:nvSpPr>
+          <p:cNvPr id="14" name="직사각형 13">
+            <a:extLst>
+              <a:ext uri="{FF2B5EF4-FFF2-40B4-BE49-F238E27FC236}">
+                <a16:creationId xmlns:a16="http://schemas.microsoft.com/office/drawing/2014/main" id="{2F1F9BF4-F74A-46FD-AE15-860E7F714C05}"/>
+              </a:ext>
+            </a:extLst>
+          </p:cNvPr>
+          <p:cNvSpPr/>
+          <p:nvPr/>
+        </p:nvSpPr>
+        <p:spPr>
+          <a:xfrm>
+            <a:off x="753006" y="1662932"/>
+            <a:ext cx="1614672" cy="1766067"/>
+          </a:xfrm>
+          <a:prstGeom prst="rect">
+            <a:avLst/>
+          </a:prstGeom>
+          <a:solidFill>
+            <a:schemeClr val="accent6"/>
+          </a:solidFill>
+          <a:ln>
+            <a:noFill/>
+          </a:ln>
+        </p:spPr>
+        <p:style>
+          <a:lnRef idx="2">
+            <a:schemeClr val="accent1">
+              <a:shade val="50000"/>
+            </a:schemeClr>
+          </a:lnRef>
+          <a:fillRef idx="1">
+            <a:schemeClr val="accent1"/>
+          </a:fillRef>
+          <a:effectRef idx="0">
+            <a:schemeClr val="accent1"/>
+          </a:effectRef>
+          <a:fontRef idx="minor">
+            <a:schemeClr val="lt1"/>
+          </a:fontRef>
+        </p:style>
+        <p:txBody>
+          <a:bodyPr rtlCol="0" anchor="ctr"/>
+          <a:lstStyle/>
+          <a:p>
+            <a:pPr algn="ctr"/>
+            <a:endParaRPr lang="ko-KR" altLang="en-US">
+              <a:solidFill>
+                <a:schemeClr val="bg1"/>
+              </a:solidFill>
+              <a:latin typeface="+mj-lt"/>
+            </a:endParaRPr>
+          </a:p>
+        </p:txBody>
+      </p:sp>
+      <p:sp>
+        <p:nvSpPr>
+          <p:cNvPr id="16" name="TextBox 15">
+            <a:extLst>
+              <a:ext uri="{FF2B5EF4-FFF2-40B4-BE49-F238E27FC236}">
+                <a16:creationId xmlns:a16="http://schemas.microsoft.com/office/drawing/2014/main" id="{CB3F00C6-FDDF-48AB-A8B6-E47D459D5CEC}"/>
+              </a:ext>
+            </a:extLst>
+          </p:cNvPr>
+          <p:cNvSpPr txBox="1"/>
+          <p:nvPr/>
+        </p:nvSpPr>
+        <p:spPr>
+          <a:xfrm>
+            <a:off x="2818724" y="1562601"/>
+            <a:ext cx="2280395" cy="2116285"/>
+          </a:xfrm>
+          <a:prstGeom prst="rect">
+            <a:avLst/>
+          </a:prstGeom>
+          <a:noFill/>
+        </p:spPr>
+        <p:txBody>
+          <a:bodyPr wrap="square" rtlCol="0">
+            <a:spAutoFit/>
+          </a:bodyPr>
+          <a:lstStyle/>
+          <a:p>
+            <a:pPr marL="285750" indent="-285750">
+              <a:lnSpc>
+                <a:spcPct val="150000"/>
+              </a:lnSpc>
+              <a:buFont typeface="Wingdings" panose="05000000000000000000" pitchFamily="2" charset="2"/>
+              <a:buChar char="§"/>
+            </a:pPr>
+            <a:r>
+              <a:rPr lang="ko-KR" altLang="en-US" spc="-150" dirty="0">
+                <a:solidFill>
+                  <a:schemeClr val="bg1"/>
+                </a:solidFill>
+                <a:latin typeface="+mn-ea"/>
+              </a:rPr>
+              <a:t>이   </a:t>
+            </a:r>
+            <a:r>
+              <a:rPr lang="ko-KR" altLang="en-US" spc="-150" dirty="0" err="1">
+                <a:solidFill>
+                  <a:schemeClr val="bg1"/>
+                </a:solidFill>
+                <a:latin typeface="+mn-ea"/>
+              </a:rPr>
+              <a:t>름</a:t>
+            </a:r>
+            <a:r>
+              <a:rPr lang="ko-KR" altLang="en-US" spc="-150" dirty="0">
+                <a:solidFill>
+                  <a:schemeClr val="bg1"/>
+                </a:solidFill>
+                <a:latin typeface="+mn-ea"/>
+              </a:rPr>
+              <a:t> </a:t>
+            </a:r>
+            <a:r>
+              <a:rPr lang="en-US" altLang="ko-KR" spc="-150" dirty="0">
+                <a:solidFill>
+                  <a:schemeClr val="bg1"/>
+                </a:solidFill>
+                <a:latin typeface="+mn-ea"/>
+              </a:rPr>
+              <a:t>:</a:t>
+            </a:r>
+            <a:r>
+              <a:rPr lang="ko-KR" altLang="en-US" spc="-150" dirty="0">
+                <a:solidFill>
+                  <a:schemeClr val="bg1"/>
+                </a:solidFill>
+                <a:latin typeface="+mn-ea"/>
+              </a:rPr>
+              <a:t> 장희빈</a:t>
+            </a:r>
+            <a:endParaRPr lang="en-US" altLang="ko-KR" spc="-150" dirty="0">
+              <a:solidFill>
+                <a:schemeClr val="bg1"/>
+              </a:solidFill>
+              <a:latin typeface="+mn-ea"/>
+            </a:endParaRPr>
+          </a:p>
+          <a:p>
+            <a:pPr marL="285750" indent="-285750">
+              <a:lnSpc>
+                <a:spcPct val="150000"/>
+              </a:lnSpc>
+              <a:buFont typeface="Wingdings" panose="05000000000000000000" pitchFamily="2" charset="2"/>
+              <a:buChar char="§"/>
+            </a:pPr>
+            <a:r>
+              <a:rPr lang="ko-KR" altLang="en-US" spc="-150" dirty="0">
+                <a:solidFill>
+                  <a:schemeClr val="bg1"/>
+                </a:solidFill>
+                <a:latin typeface="+mn-ea"/>
+              </a:rPr>
+              <a:t>나   이 </a:t>
+            </a:r>
+            <a:r>
+              <a:rPr lang="en-US" altLang="ko-KR" spc="-150" dirty="0">
+                <a:solidFill>
+                  <a:schemeClr val="bg1"/>
+                </a:solidFill>
+                <a:latin typeface="+mn-ea"/>
+              </a:rPr>
+              <a:t>: 49</a:t>
+            </a:r>
+            <a:r>
+              <a:rPr lang="ko-KR" altLang="en-US" spc="-150" dirty="0">
+                <a:solidFill>
+                  <a:schemeClr val="bg1"/>
+                </a:solidFill>
+                <a:latin typeface="+mn-ea"/>
+              </a:rPr>
+              <a:t>세</a:t>
+            </a:r>
+            <a:endParaRPr lang="en-US" altLang="ko-KR" spc="-150" dirty="0">
+              <a:solidFill>
+                <a:schemeClr val="bg1"/>
+              </a:solidFill>
+              <a:latin typeface="+mn-ea"/>
+            </a:endParaRPr>
+          </a:p>
+          <a:p>
+            <a:pPr marL="285750" indent="-285750">
+              <a:lnSpc>
+                <a:spcPct val="150000"/>
+              </a:lnSpc>
+              <a:buFont typeface="Wingdings" panose="05000000000000000000" pitchFamily="2" charset="2"/>
+              <a:buChar char="§"/>
+            </a:pPr>
+            <a:r>
+              <a:rPr lang="ko-KR" altLang="en-US" spc="-150" dirty="0">
+                <a:solidFill>
+                  <a:schemeClr val="bg1"/>
+                </a:solidFill>
+                <a:latin typeface="+mn-ea"/>
+              </a:rPr>
+              <a:t>직   업 </a:t>
+            </a:r>
+            <a:r>
+              <a:rPr lang="en-US" altLang="ko-KR" spc="-150" dirty="0">
+                <a:solidFill>
+                  <a:schemeClr val="bg1"/>
+                </a:solidFill>
+                <a:latin typeface="+mn-ea"/>
+              </a:rPr>
+              <a:t>: </a:t>
+            </a:r>
+            <a:r>
+              <a:rPr lang="ko-KR" altLang="en-US" spc="-150" dirty="0">
+                <a:solidFill>
+                  <a:schemeClr val="bg1"/>
+                </a:solidFill>
+                <a:latin typeface="+mn-ea"/>
+              </a:rPr>
+              <a:t>프리랜서</a:t>
+            </a:r>
+            <a:endParaRPr lang="en-US" altLang="ko-KR" spc="-150" dirty="0">
+              <a:solidFill>
+                <a:schemeClr val="bg1"/>
+              </a:solidFill>
+              <a:latin typeface="+mn-ea"/>
+            </a:endParaRPr>
+          </a:p>
+          <a:p>
+            <a:pPr marL="285750" indent="-285750">
+              <a:lnSpc>
+                <a:spcPct val="150000"/>
+              </a:lnSpc>
+              <a:buFont typeface="Wingdings" panose="05000000000000000000" pitchFamily="2" charset="2"/>
+              <a:buChar char="§"/>
+            </a:pPr>
+            <a:r>
+              <a:rPr lang="ko-KR" altLang="en-US" spc="-150" dirty="0">
+                <a:solidFill>
+                  <a:schemeClr val="bg1"/>
+                </a:solidFill>
+                <a:latin typeface="+mn-ea"/>
+              </a:rPr>
+              <a:t>거주지 </a:t>
+            </a:r>
+            <a:r>
+              <a:rPr lang="en-US" altLang="ko-KR" spc="-150" dirty="0">
+                <a:solidFill>
+                  <a:schemeClr val="bg1"/>
+                </a:solidFill>
+                <a:latin typeface="+mn-ea"/>
+              </a:rPr>
+              <a:t>: </a:t>
+            </a:r>
+            <a:r>
+              <a:rPr lang="ko-KR" altLang="en-US" spc="-150" dirty="0">
+                <a:solidFill>
+                  <a:schemeClr val="bg1"/>
+                </a:solidFill>
+                <a:latin typeface="+mn-ea"/>
+              </a:rPr>
+              <a:t>서울시</a:t>
+            </a:r>
+            <a:endParaRPr lang="en-US" altLang="ko-KR" spc="-150" dirty="0">
+              <a:solidFill>
+                <a:schemeClr val="bg1"/>
+              </a:solidFill>
+              <a:latin typeface="+mn-ea"/>
+            </a:endParaRPr>
+          </a:p>
+          <a:p>
+            <a:pPr marL="285750" indent="-285750">
+              <a:lnSpc>
+                <a:spcPct val="150000"/>
+              </a:lnSpc>
+              <a:buFont typeface="Wingdings" panose="05000000000000000000" pitchFamily="2" charset="2"/>
+              <a:buChar char="§"/>
+            </a:pPr>
+            <a:r>
+              <a:rPr lang="ko-KR" altLang="en-US" spc="-150" dirty="0">
+                <a:solidFill>
+                  <a:schemeClr val="bg1"/>
+                </a:solidFill>
+                <a:latin typeface="+mn-ea"/>
+              </a:rPr>
+              <a:t>역   할 </a:t>
+            </a:r>
+            <a:r>
+              <a:rPr lang="en-US" altLang="ko-KR" spc="-150" dirty="0">
+                <a:solidFill>
+                  <a:schemeClr val="bg1"/>
+                </a:solidFill>
+                <a:latin typeface="+mn-ea"/>
+              </a:rPr>
+              <a:t>: </a:t>
+            </a:r>
+            <a:r>
+              <a:rPr lang="ko-KR" altLang="en-US" spc="-150" dirty="0">
+                <a:solidFill>
+                  <a:schemeClr val="bg1"/>
+                </a:solidFill>
+                <a:latin typeface="+mn-ea"/>
+              </a:rPr>
+              <a:t>이용자</a:t>
+            </a:r>
+            <a:endParaRPr lang="en-US" altLang="ko-KR" spc="-150" dirty="0">
+              <a:solidFill>
+                <a:schemeClr val="bg1"/>
+              </a:solidFill>
+              <a:latin typeface="+mn-ea"/>
+            </a:endParaRPr>
+          </a:p>
+        </p:txBody>
+      </p:sp>
+      <p:sp>
+        <p:nvSpPr>
+          <p:cNvPr id="18" name="TextBox 17">
+            <a:extLst>
+              <a:ext uri="{FF2B5EF4-FFF2-40B4-BE49-F238E27FC236}">
+                <a16:creationId xmlns:a16="http://schemas.microsoft.com/office/drawing/2014/main" id="{920051E8-FA4A-471B-BAA3-612D1166F082}"/>
+              </a:ext>
+            </a:extLst>
+          </p:cNvPr>
+          <p:cNvSpPr txBox="1"/>
+          <p:nvPr/>
+        </p:nvSpPr>
+        <p:spPr>
+          <a:xfrm>
+            <a:off x="753010" y="4431471"/>
+            <a:ext cx="4453691" cy="2808782"/>
+          </a:xfrm>
+          <a:prstGeom prst="rect">
+            <a:avLst/>
+          </a:prstGeom>
+          <a:noFill/>
+        </p:spPr>
+        <p:txBody>
+          <a:bodyPr wrap="square" rtlCol="0">
+            <a:spAutoFit/>
+          </a:bodyPr>
+          <a:lstStyle/>
+          <a:p>
+            <a:pPr marL="285750" indent="-285750">
+              <a:lnSpc>
+                <a:spcPct val="150000"/>
+              </a:lnSpc>
+              <a:buFont typeface="Wingdings" panose="05000000000000000000" pitchFamily="2" charset="2"/>
+              <a:buChar char="§"/>
+            </a:pPr>
+            <a:r>
+              <a:rPr lang="ko-KR" altLang="en-US" spc="-150" dirty="0">
+                <a:solidFill>
+                  <a:schemeClr val="bg1"/>
+                </a:solidFill>
+                <a:latin typeface="+mn-ea"/>
+              </a:rPr>
+              <a:t>익숙하지 않은 </a:t>
+            </a:r>
+            <a:r>
+              <a:rPr lang="ko-KR" altLang="en-US" spc="-150" dirty="0" err="1">
+                <a:solidFill>
+                  <a:schemeClr val="bg1"/>
+                </a:solidFill>
+                <a:latin typeface="+mn-ea"/>
+              </a:rPr>
+              <a:t>킥보드</a:t>
+            </a:r>
+            <a:r>
+              <a:rPr lang="ko-KR" altLang="en-US" spc="-150" dirty="0">
+                <a:solidFill>
+                  <a:schemeClr val="bg1"/>
+                </a:solidFill>
+                <a:latin typeface="+mn-ea"/>
+              </a:rPr>
+              <a:t> 이용법에 대해 간결한 사용법 및 단순한 화면구성이 필요 </a:t>
+            </a:r>
+            <a:endParaRPr lang="en-US" altLang="ko-KR" spc="-150" dirty="0">
+              <a:solidFill>
+                <a:schemeClr val="bg1"/>
+              </a:solidFill>
+              <a:latin typeface="+mn-ea"/>
+            </a:endParaRPr>
+          </a:p>
+          <a:p>
+            <a:pPr marL="285750" indent="-285750">
+              <a:lnSpc>
+                <a:spcPct val="150000"/>
+              </a:lnSpc>
+              <a:buFont typeface="Wingdings" panose="05000000000000000000" pitchFamily="2" charset="2"/>
+              <a:buChar char="§"/>
+            </a:pPr>
+            <a:r>
+              <a:rPr lang="ko-KR" altLang="en-US" spc="-150" dirty="0">
+                <a:solidFill>
+                  <a:schemeClr val="bg1"/>
+                </a:solidFill>
+                <a:latin typeface="+mn-ea"/>
+              </a:rPr>
+              <a:t>이용료에 대한 계좌연결을 </a:t>
+            </a:r>
+            <a:r>
+              <a:rPr lang="ko-KR" altLang="en-US" spc="-150" dirty="0" err="1">
+                <a:solidFill>
+                  <a:schemeClr val="bg1"/>
+                </a:solidFill>
+                <a:latin typeface="+mn-ea"/>
+              </a:rPr>
+              <a:t>간결한게</a:t>
+            </a:r>
+            <a:r>
+              <a:rPr lang="ko-KR" altLang="en-US" spc="-150" dirty="0">
+                <a:solidFill>
+                  <a:schemeClr val="bg1"/>
+                </a:solidFill>
+                <a:latin typeface="+mn-ea"/>
+              </a:rPr>
+              <a:t> 구성</a:t>
+            </a:r>
+            <a:endParaRPr lang="en-US" altLang="ko-KR" spc="-150" dirty="0">
+              <a:solidFill>
+                <a:schemeClr val="bg1"/>
+              </a:solidFill>
+              <a:latin typeface="+mn-ea"/>
+            </a:endParaRPr>
+          </a:p>
+          <a:p>
+            <a:pPr marL="285750" indent="-285750">
+              <a:lnSpc>
+                <a:spcPct val="150000"/>
+              </a:lnSpc>
+              <a:buFont typeface="Wingdings" panose="05000000000000000000" pitchFamily="2" charset="2"/>
+              <a:buChar char="§"/>
+            </a:pPr>
+            <a:r>
+              <a:rPr lang="ko-KR" altLang="en-US" spc="-150" dirty="0">
+                <a:solidFill>
+                  <a:schemeClr val="bg1"/>
+                </a:solidFill>
+                <a:latin typeface="+mn-ea"/>
+              </a:rPr>
+              <a:t>이용방법 및 반납방법 통일</a:t>
+            </a:r>
+            <a:endParaRPr lang="en-US" altLang="ko-KR" spc="-150" dirty="0">
+              <a:solidFill>
+                <a:schemeClr val="bg1"/>
+              </a:solidFill>
+              <a:latin typeface="+mn-ea"/>
+            </a:endParaRPr>
+          </a:p>
+          <a:p>
+            <a:r>
+              <a:rPr lang="ko-KR" altLang="en-US" sz="1800" dirty="0"/>
+              <a:t> </a:t>
+            </a:r>
+            <a:endParaRPr lang="en-US" altLang="ko-KR" sz="1800" dirty="0"/>
+          </a:p>
+          <a:p>
+            <a:pPr marL="285750" indent="-285750">
+              <a:lnSpc>
+                <a:spcPct val="150000"/>
+              </a:lnSpc>
+              <a:buFont typeface="Wingdings" panose="05000000000000000000" pitchFamily="2" charset="2"/>
+              <a:buChar char="§"/>
+            </a:pPr>
+            <a:endParaRPr lang="en-US" altLang="ko-KR" spc="-150" dirty="0">
+              <a:solidFill>
+                <a:schemeClr val="bg1"/>
+              </a:solidFill>
+              <a:latin typeface="+mn-ea"/>
+            </a:endParaRPr>
+          </a:p>
+          <a:p>
+            <a:pPr marL="285750" indent="-285750">
+              <a:lnSpc>
+                <a:spcPct val="150000"/>
+              </a:lnSpc>
+              <a:buFont typeface="Wingdings" panose="05000000000000000000" pitchFamily="2" charset="2"/>
+              <a:buChar char="§"/>
+            </a:pPr>
+            <a:endParaRPr lang="en-US" altLang="ko-KR" spc="-150" dirty="0">
+              <a:solidFill>
+                <a:schemeClr val="bg1"/>
+              </a:solidFill>
+              <a:latin typeface="+mn-ea"/>
+            </a:endParaRPr>
+          </a:p>
+        </p:txBody>
+      </p:sp>
+      <p:sp>
+        <p:nvSpPr>
+          <p:cNvPr id="25" name="직사각형 24">
+            <a:extLst>
+              <a:ext uri="{FF2B5EF4-FFF2-40B4-BE49-F238E27FC236}">
+                <a16:creationId xmlns:a16="http://schemas.microsoft.com/office/drawing/2014/main" id="{A0BD850B-4F79-4E6F-B4BA-06668402D335}"/>
+              </a:ext>
+            </a:extLst>
+          </p:cNvPr>
+          <p:cNvSpPr/>
+          <p:nvPr/>
+        </p:nvSpPr>
+        <p:spPr>
+          <a:xfrm>
+            <a:off x="0" y="0"/>
+            <a:ext cx="121920" cy="1076960"/>
+          </a:xfrm>
+          <a:prstGeom prst="rect">
+            <a:avLst/>
+          </a:prstGeom>
+          <a:ln>
+            <a:noFill/>
+          </a:ln>
+        </p:spPr>
+        <p:style>
+          <a:lnRef idx="2">
+            <a:schemeClr val="accent1">
+              <a:shade val="50000"/>
+            </a:schemeClr>
+          </a:lnRef>
+          <a:fillRef idx="1">
+            <a:schemeClr val="accent1"/>
+          </a:fillRef>
+          <a:effectRef idx="0">
+            <a:schemeClr val="accent1"/>
+          </a:effectRef>
+          <a:fontRef idx="minor">
+            <a:schemeClr val="lt1"/>
+          </a:fontRef>
+        </p:style>
+        <p:txBody>
+          <a:bodyPr rtlCol="0" anchor="ctr"/>
+          <a:lstStyle/>
+          <a:p>
+            <a:pPr algn="ctr"/>
+            <a:endParaRPr lang="ko-KR" altLang="en-US"/>
+          </a:p>
+        </p:txBody>
+      </p:sp>
+      <p:sp>
+        <p:nvSpPr>
+          <p:cNvPr id="26" name="직사각형 25">
+            <a:extLst>
+              <a:ext uri="{FF2B5EF4-FFF2-40B4-BE49-F238E27FC236}">
+                <a16:creationId xmlns:a16="http://schemas.microsoft.com/office/drawing/2014/main" id="{2AE21047-2F4E-4AD2-AE02-C2867E3A9473}"/>
+              </a:ext>
+            </a:extLst>
+          </p:cNvPr>
+          <p:cNvSpPr/>
+          <p:nvPr/>
+        </p:nvSpPr>
+        <p:spPr>
+          <a:xfrm rot="5400000">
+            <a:off x="269240" y="-147320"/>
+            <a:ext cx="121920" cy="416560"/>
+          </a:xfrm>
+          <a:prstGeom prst="rect">
+            <a:avLst/>
+          </a:prstGeom>
+          <a:solidFill>
+            <a:schemeClr val="accent4"/>
+          </a:solidFill>
+          <a:ln>
+            <a:noFill/>
+          </a:ln>
+        </p:spPr>
+        <p:style>
+          <a:lnRef idx="2">
+            <a:schemeClr val="accent1">
+              <a:shade val="50000"/>
+            </a:schemeClr>
+          </a:lnRef>
+          <a:fillRef idx="1">
+            <a:schemeClr val="accent1"/>
+          </a:fillRef>
+          <a:effectRef idx="0">
+            <a:schemeClr val="accent1"/>
+          </a:effectRef>
+          <a:fontRef idx="minor">
+            <a:schemeClr val="lt1"/>
+          </a:fontRef>
+        </p:style>
+        <p:txBody>
+          <a:bodyPr rtlCol="0" anchor="ctr"/>
+          <a:lstStyle/>
+          <a:p>
+            <a:pPr algn="ctr"/>
+            <a:endParaRPr lang="ko-KR" altLang="en-US"/>
+          </a:p>
+        </p:txBody>
+      </p:sp>
+      <p:sp>
+        <p:nvSpPr>
+          <p:cNvPr id="27" name="TextBox 26">
+            <a:extLst>
+              <a:ext uri="{FF2B5EF4-FFF2-40B4-BE49-F238E27FC236}">
+                <a16:creationId xmlns:a16="http://schemas.microsoft.com/office/drawing/2014/main" id="{4B58C8C5-C53A-428E-990B-8F9EA90BB753}"/>
+              </a:ext>
+            </a:extLst>
+          </p:cNvPr>
+          <p:cNvSpPr txBox="1"/>
+          <p:nvPr/>
+        </p:nvSpPr>
+        <p:spPr>
+          <a:xfrm>
+            <a:off x="660400" y="246513"/>
+            <a:ext cx="4621605" cy="615553"/>
+          </a:xfrm>
+          <a:prstGeom prst="rect">
+            <a:avLst/>
+          </a:prstGeom>
+          <a:noFill/>
+        </p:spPr>
+        <p:txBody>
+          <a:bodyPr wrap="square" rtlCol="0">
+            <a:spAutoFit/>
+          </a:bodyPr>
+          <a:lstStyle/>
+          <a:p>
+            <a:r>
+              <a:rPr lang="ko-KR" altLang="en-US" sz="3300" spc="-300" dirty="0">
+                <a:solidFill>
+                  <a:schemeClr val="tx1">
+                    <a:lumMod val="85000"/>
+                    <a:lumOff val="15000"/>
+                  </a:schemeClr>
+                </a:solidFill>
+              </a:rPr>
+              <a:t>페르소나</a:t>
+            </a:r>
+          </a:p>
+        </p:txBody>
+      </p:sp>
+      <p:cxnSp>
+        <p:nvCxnSpPr>
+          <p:cNvPr id="30" name="직선 연결선 29">
+            <a:extLst>
+              <a:ext uri="{FF2B5EF4-FFF2-40B4-BE49-F238E27FC236}">
+                <a16:creationId xmlns:a16="http://schemas.microsoft.com/office/drawing/2014/main" id="{92C3B47C-5A28-4E80-9CA5-A36F7299F556}"/>
+              </a:ext>
+            </a:extLst>
+          </p:cNvPr>
+          <p:cNvCxnSpPr/>
+          <p:nvPr/>
+        </p:nvCxnSpPr>
+        <p:spPr>
+          <a:xfrm>
+            <a:off x="660400" y="1073885"/>
+            <a:ext cx="11531600" cy="0"/>
+          </a:xfrm>
+          <a:prstGeom prst="line">
+            <a:avLst/>
+          </a:prstGeom>
+          <a:ln>
+            <a:solidFill>
+              <a:schemeClr val="bg1">
+                <a:lumMod val="75000"/>
+              </a:schemeClr>
+            </a:solidFill>
+          </a:ln>
+        </p:spPr>
+        <p:style>
+          <a:lnRef idx="1">
+            <a:schemeClr val="accent1"/>
+          </a:lnRef>
+          <a:fillRef idx="0">
+            <a:schemeClr val="accent1"/>
+          </a:fillRef>
+          <a:effectRef idx="0">
+            <a:schemeClr val="accent1"/>
+          </a:effectRef>
+          <a:fontRef idx="minor">
+            <a:schemeClr val="tx1"/>
+          </a:fontRef>
+        </p:style>
+      </p:cxnSp>
+      <p:sp>
+        <p:nvSpPr>
+          <p:cNvPr id="24" name="직사각형 23">
+            <a:extLst>
+              <a:ext uri="{FF2B5EF4-FFF2-40B4-BE49-F238E27FC236}">
+                <a16:creationId xmlns:a16="http://schemas.microsoft.com/office/drawing/2014/main" id="{CF965FBF-FEFF-43D4-BA53-26FA3FDF3FDE}"/>
+              </a:ext>
+            </a:extLst>
+          </p:cNvPr>
+          <p:cNvSpPr/>
+          <p:nvPr/>
+        </p:nvSpPr>
+        <p:spPr>
+          <a:xfrm>
+            <a:off x="1427519" y="1219990"/>
+            <a:ext cx="3101434" cy="369890"/>
+          </a:xfrm>
+          <a:prstGeom prst="rect">
+            <a:avLst/>
+          </a:prstGeom>
+          <a:solidFill>
+            <a:schemeClr val="accent6"/>
+          </a:solidFill>
+          <a:ln>
+            <a:noFill/>
+          </a:ln>
+        </p:spPr>
+        <p:style>
+          <a:lnRef idx="2">
+            <a:schemeClr val="accent1">
+              <a:shade val="50000"/>
+            </a:schemeClr>
+          </a:lnRef>
+          <a:fillRef idx="1">
+            <a:schemeClr val="accent1"/>
+          </a:fillRef>
+          <a:effectRef idx="0">
+            <a:schemeClr val="accent1"/>
+          </a:effectRef>
+          <a:fontRef idx="minor">
+            <a:schemeClr val="lt1"/>
+          </a:fontRef>
+        </p:style>
+        <p:txBody>
+          <a:bodyPr rtlCol="0" anchor="ctr"/>
+          <a:lstStyle/>
+          <a:p>
+            <a:pPr algn="ctr"/>
+            <a:r>
+              <a:rPr lang="ko-KR" altLang="en-US" dirty="0" err="1">
+                <a:solidFill>
+                  <a:schemeClr val="tx1"/>
+                </a:solidFill>
+                <a:latin typeface="+mj-lt"/>
+              </a:rPr>
+              <a:t>프</a:t>
+            </a:r>
+            <a:r>
+              <a:rPr lang="ko-KR" altLang="en-US" dirty="0">
+                <a:solidFill>
+                  <a:schemeClr val="tx1"/>
+                </a:solidFill>
+                <a:latin typeface="+mj-lt"/>
+              </a:rPr>
+              <a:t> 로 필</a:t>
+            </a:r>
+          </a:p>
+        </p:txBody>
+      </p:sp>
+      <p:sp>
+        <p:nvSpPr>
+          <p:cNvPr id="31" name="직사각형 30">
+            <a:extLst>
+              <a:ext uri="{FF2B5EF4-FFF2-40B4-BE49-F238E27FC236}">
+                <a16:creationId xmlns:a16="http://schemas.microsoft.com/office/drawing/2014/main" id="{4CDA714C-3663-4761-BE73-0795A1BA93AF}"/>
+              </a:ext>
+            </a:extLst>
+          </p:cNvPr>
+          <p:cNvSpPr/>
+          <p:nvPr/>
+        </p:nvSpPr>
+        <p:spPr>
+          <a:xfrm>
+            <a:off x="7567542" y="1214332"/>
+            <a:ext cx="3101434" cy="369890"/>
+          </a:xfrm>
+          <a:prstGeom prst="rect">
+            <a:avLst/>
+          </a:prstGeom>
+          <a:solidFill>
+            <a:schemeClr val="accent6"/>
+          </a:solidFill>
+          <a:ln>
+            <a:noFill/>
+          </a:ln>
+        </p:spPr>
+        <p:style>
+          <a:lnRef idx="2">
+            <a:schemeClr val="accent1">
+              <a:shade val="50000"/>
+            </a:schemeClr>
+          </a:lnRef>
+          <a:fillRef idx="1">
+            <a:schemeClr val="accent1"/>
+          </a:fillRef>
+          <a:effectRef idx="0">
+            <a:schemeClr val="accent1"/>
+          </a:effectRef>
+          <a:fontRef idx="minor">
+            <a:schemeClr val="lt1"/>
+          </a:fontRef>
+        </p:style>
+        <p:txBody>
+          <a:bodyPr rtlCol="0" anchor="ctr"/>
+          <a:lstStyle/>
+          <a:p>
+            <a:pPr algn="ctr"/>
+            <a:r>
+              <a:rPr lang="ko-KR" altLang="en-US" dirty="0" err="1">
+                <a:solidFill>
+                  <a:schemeClr val="tx1"/>
+                </a:solidFill>
+                <a:latin typeface="+mj-lt"/>
+              </a:rPr>
+              <a:t>특</a:t>
+            </a:r>
+            <a:r>
+              <a:rPr lang="ko-KR" altLang="en-US" dirty="0">
+                <a:solidFill>
+                  <a:schemeClr val="tx1"/>
+                </a:solidFill>
+                <a:latin typeface="+mj-lt"/>
+              </a:rPr>
+              <a:t> 성</a:t>
+            </a:r>
+          </a:p>
+        </p:txBody>
+      </p:sp>
+      <p:sp>
+        <p:nvSpPr>
+          <p:cNvPr id="32" name="직사각형 31">
+            <a:extLst>
+              <a:ext uri="{FF2B5EF4-FFF2-40B4-BE49-F238E27FC236}">
+                <a16:creationId xmlns:a16="http://schemas.microsoft.com/office/drawing/2014/main" id="{439C6F4A-7A83-4157-8CCA-20D8913BFA0A}"/>
+              </a:ext>
+            </a:extLst>
+          </p:cNvPr>
+          <p:cNvSpPr/>
+          <p:nvPr/>
+        </p:nvSpPr>
+        <p:spPr>
+          <a:xfrm>
+            <a:off x="1268011" y="3915088"/>
+            <a:ext cx="3101434" cy="369890"/>
+          </a:xfrm>
+          <a:prstGeom prst="rect">
+            <a:avLst/>
+          </a:prstGeom>
+          <a:solidFill>
+            <a:schemeClr val="accent6"/>
+          </a:solidFill>
+          <a:ln>
+            <a:noFill/>
+          </a:ln>
+        </p:spPr>
+        <p:style>
+          <a:lnRef idx="2">
+            <a:schemeClr val="accent1">
+              <a:shade val="50000"/>
+            </a:schemeClr>
+          </a:lnRef>
+          <a:fillRef idx="1">
+            <a:schemeClr val="accent1"/>
+          </a:fillRef>
+          <a:effectRef idx="0">
+            <a:schemeClr val="accent1"/>
+          </a:effectRef>
+          <a:fontRef idx="minor">
+            <a:schemeClr val="lt1"/>
+          </a:fontRef>
+        </p:style>
+        <p:txBody>
+          <a:bodyPr rtlCol="0" anchor="ctr"/>
+          <a:lstStyle/>
+          <a:p>
+            <a:pPr algn="ctr"/>
+            <a:r>
+              <a:rPr lang="ko-KR" altLang="en-US" dirty="0">
+                <a:solidFill>
+                  <a:schemeClr val="tx1"/>
+                </a:solidFill>
+                <a:latin typeface="+mj-lt"/>
+              </a:rPr>
+              <a:t>목 적</a:t>
+            </a:r>
+          </a:p>
+        </p:txBody>
+      </p:sp>
+      <p:sp>
+        <p:nvSpPr>
+          <p:cNvPr id="33" name="직사각형 32">
+            <a:extLst>
+              <a:ext uri="{FF2B5EF4-FFF2-40B4-BE49-F238E27FC236}">
+                <a16:creationId xmlns:a16="http://schemas.microsoft.com/office/drawing/2014/main" id="{94381503-FFA8-4DC9-AD9C-ACE8CE630530}"/>
+              </a:ext>
+            </a:extLst>
+          </p:cNvPr>
+          <p:cNvSpPr/>
+          <p:nvPr/>
+        </p:nvSpPr>
+        <p:spPr>
+          <a:xfrm>
+            <a:off x="7567542" y="3951030"/>
+            <a:ext cx="3101434" cy="369890"/>
+          </a:xfrm>
+          <a:prstGeom prst="rect">
+            <a:avLst/>
+          </a:prstGeom>
+          <a:solidFill>
+            <a:schemeClr val="accent6"/>
+          </a:solidFill>
+          <a:ln>
+            <a:noFill/>
+          </a:ln>
+        </p:spPr>
+        <p:style>
+          <a:lnRef idx="2">
+            <a:schemeClr val="accent1">
+              <a:shade val="50000"/>
+            </a:schemeClr>
+          </a:lnRef>
+          <a:fillRef idx="1">
+            <a:schemeClr val="accent1"/>
+          </a:fillRef>
+          <a:effectRef idx="0">
+            <a:schemeClr val="accent1"/>
+          </a:effectRef>
+          <a:fontRef idx="minor">
+            <a:schemeClr val="lt1"/>
+          </a:fontRef>
+        </p:style>
+        <p:txBody>
+          <a:bodyPr rtlCol="0" anchor="ctr"/>
+          <a:lstStyle/>
+          <a:p>
+            <a:pPr algn="ctr"/>
+            <a:r>
+              <a:rPr lang="ko-KR" altLang="en-US" dirty="0">
+                <a:solidFill>
+                  <a:schemeClr val="tx1"/>
+                </a:solidFill>
+                <a:latin typeface="+mj-lt"/>
+              </a:rPr>
+              <a:t>불만사항</a:t>
+            </a:r>
+          </a:p>
+        </p:txBody>
+      </p:sp>
+      <p:sp>
+        <p:nvSpPr>
+          <p:cNvPr id="34" name="TextBox 33">
+            <a:extLst>
+              <a:ext uri="{FF2B5EF4-FFF2-40B4-BE49-F238E27FC236}">
+                <a16:creationId xmlns:a16="http://schemas.microsoft.com/office/drawing/2014/main" id="{186227E9-57BD-4B6C-8909-0AC7BD58ABEB}"/>
+              </a:ext>
+            </a:extLst>
+          </p:cNvPr>
+          <p:cNvSpPr txBox="1"/>
+          <p:nvPr/>
+        </p:nvSpPr>
+        <p:spPr>
+          <a:xfrm>
+            <a:off x="6753567" y="1613469"/>
+            <a:ext cx="4453691" cy="2531783"/>
+          </a:xfrm>
+          <a:prstGeom prst="rect">
+            <a:avLst/>
+          </a:prstGeom>
+          <a:noFill/>
+        </p:spPr>
+        <p:txBody>
+          <a:bodyPr wrap="square" rtlCol="0">
+            <a:spAutoFit/>
+          </a:bodyPr>
+          <a:lstStyle/>
+          <a:p>
+            <a:pPr marL="285750" indent="-285750">
+              <a:lnSpc>
+                <a:spcPct val="150000"/>
+              </a:lnSpc>
+              <a:buFont typeface="Wingdings" panose="05000000000000000000" pitchFamily="2" charset="2"/>
+              <a:buChar char="§"/>
+            </a:pPr>
+            <a:r>
+              <a:rPr lang="ko-KR" altLang="en-US" spc="-150" dirty="0">
+                <a:solidFill>
+                  <a:schemeClr val="bg1"/>
+                </a:solidFill>
+                <a:latin typeface="+mn-ea"/>
+              </a:rPr>
+              <a:t>프리랜서로 일 하고 있는 </a:t>
+            </a:r>
+            <a:r>
+              <a:rPr lang="ko-KR" altLang="en-US" spc="-150" dirty="0" err="1">
+                <a:solidFill>
+                  <a:schemeClr val="bg1"/>
+                </a:solidFill>
+                <a:latin typeface="+mn-ea"/>
+              </a:rPr>
+              <a:t>박영은씨는</a:t>
+            </a:r>
+            <a:r>
+              <a:rPr lang="ko-KR" altLang="en-US" spc="-150" dirty="0">
+                <a:solidFill>
+                  <a:schemeClr val="bg1"/>
+                </a:solidFill>
+                <a:latin typeface="+mn-ea"/>
+              </a:rPr>
+              <a:t> 미팅을 위해 사무실 근처로 짧은 거리를 이동할 일이 많다</a:t>
+            </a:r>
+            <a:r>
+              <a:rPr lang="en-US" altLang="ko-KR" spc="-150" dirty="0">
+                <a:solidFill>
+                  <a:schemeClr val="bg1"/>
+                </a:solidFill>
+                <a:latin typeface="+mn-ea"/>
+              </a:rPr>
+              <a:t>. </a:t>
+            </a:r>
+          </a:p>
+          <a:p>
+            <a:pPr marL="285750" indent="-285750">
+              <a:lnSpc>
+                <a:spcPct val="150000"/>
+              </a:lnSpc>
+              <a:buFont typeface="Wingdings" panose="05000000000000000000" pitchFamily="2" charset="2"/>
+              <a:buChar char="§"/>
+            </a:pPr>
+            <a:r>
+              <a:rPr lang="ko-KR" altLang="en-US" spc="-150" dirty="0">
+                <a:solidFill>
+                  <a:schemeClr val="bg1"/>
+                </a:solidFill>
+                <a:latin typeface="+mn-ea"/>
+              </a:rPr>
+              <a:t>대중교통을 이용하여 사무실까지 도보로 이동하기에는 거리가 있는 편이다</a:t>
+            </a:r>
+            <a:r>
+              <a:rPr lang="en-US" altLang="ko-KR" spc="-150" dirty="0">
+                <a:solidFill>
+                  <a:schemeClr val="bg1"/>
+                </a:solidFill>
+                <a:latin typeface="+mn-ea"/>
+              </a:rPr>
+              <a:t>. </a:t>
+            </a:r>
+          </a:p>
+          <a:p>
+            <a:pPr>
+              <a:lnSpc>
+                <a:spcPct val="150000"/>
+              </a:lnSpc>
+            </a:pPr>
+            <a:endParaRPr lang="en-US" altLang="ko-KR" spc="-150" dirty="0">
+              <a:solidFill>
+                <a:schemeClr val="bg1"/>
+              </a:solidFill>
+              <a:latin typeface="+mn-ea"/>
+            </a:endParaRPr>
+          </a:p>
+        </p:txBody>
+      </p:sp>
+      <p:sp>
+        <p:nvSpPr>
+          <p:cNvPr id="35" name="TextBox 34">
+            <a:extLst>
+              <a:ext uri="{FF2B5EF4-FFF2-40B4-BE49-F238E27FC236}">
+                <a16:creationId xmlns:a16="http://schemas.microsoft.com/office/drawing/2014/main" id="{C4BC61B5-E8A3-4F94-931C-E6774805C7EA}"/>
+              </a:ext>
+            </a:extLst>
+          </p:cNvPr>
+          <p:cNvSpPr txBox="1"/>
+          <p:nvPr/>
+        </p:nvSpPr>
+        <p:spPr>
+          <a:xfrm>
+            <a:off x="6753567" y="4313133"/>
+            <a:ext cx="4453691" cy="2118080"/>
+          </a:xfrm>
+          <a:prstGeom prst="rect">
+            <a:avLst/>
+          </a:prstGeom>
+          <a:noFill/>
+        </p:spPr>
+        <p:txBody>
+          <a:bodyPr wrap="square" rtlCol="0">
+            <a:spAutoFit/>
+          </a:bodyPr>
+          <a:lstStyle/>
+          <a:p>
+            <a:pPr marL="285750" indent="-285750">
+              <a:lnSpc>
+                <a:spcPct val="150000"/>
+              </a:lnSpc>
+              <a:buFont typeface="Wingdings" panose="05000000000000000000" pitchFamily="2" charset="2"/>
+              <a:buChar char="§"/>
+            </a:pPr>
+            <a:r>
+              <a:rPr lang="ko-KR" altLang="en-US" spc="-150" dirty="0">
+                <a:solidFill>
+                  <a:schemeClr val="bg1"/>
+                </a:solidFill>
+                <a:latin typeface="+mn-ea"/>
+              </a:rPr>
+              <a:t>킥보드를 이용해 본적이 없어</a:t>
+            </a:r>
+            <a:r>
+              <a:rPr lang="en-US" altLang="ko-KR" spc="-150" dirty="0">
+                <a:solidFill>
+                  <a:schemeClr val="bg1"/>
+                </a:solidFill>
+                <a:latin typeface="+mn-ea"/>
+              </a:rPr>
+              <a:t> </a:t>
+            </a:r>
+            <a:r>
+              <a:rPr lang="ko-KR" altLang="en-US" spc="-150" dirty="0">
+                <a:solidFill>
+                  <a:schemeClr val="bg1"/>
+                </a:solidFill>
+                <a:latin typeface="+mn-ea"/>
+              </a:rPr>
+              <a:t>가입</a:t>
+            </a:r>
+            <a:r>
+              <a:rPr lang="en-US" altLang="ko-KR" spc="-150" dirty="0">
+                <a:solidFill>
+                  <a:schemeClr val="bg1"/>
+                </a:solidFill>
+                <a:latin typeface="+mn-ea"/>
+              </a:rPr>
+              <a:t>, </a:t>
+            </a:r>
+            <a:r>
+              <a:rPr lang="ko-KR" altLang="en-US" spc="-150" dirty="0">
+                <a:solidFill>
+                  <a:schemeClr val="bg1"/>
+                </a:solidFill>
+                <a:latin typeface="+mn-ea"/>
+              </a:rPr>
+              <a:t>사용법 </a:t>
+            </a:r>
+            <a:r>
+              <a:rPr lang="en-US" altLang="ko-KR" spc="-150" dirty="0">
+                <a:solidFill>
+                  <a:schemeClr val="bg1"/>
+                </a:solidFill>
+                <a:latin typeface="+mn-ea"/>
+              </a:rPr>
+              <a:t>,</a:t>
+            </a:r>
+            <a:r>
+              <a:rPr lang="ko-KR" altLang="en-US" spc="-150" dirty="0">
+                <a:solidFill>
+                  <a:schemeClr val="bg1"/>
+                </a:solidFill>
+                <a:latin typeface="+mn-ea"/>
+              </a:rPr>
+              <a:t>활용방법</a:t>
+            </a:r>
+            <a:r>
+              <a:rPr lang="en-US" altLang="ko-KR" spc="-150" dirty="0">
+                <a:solidFill>
+                  <a:schemeClr val="bg1"/>
+                </a:solidFill>
+                <a:latin typeface="+mn-ea"/>
+              </a:rPr>
+              <a:t> </a:t>
+            </a:r>
+            <a:r>
+              <a:rPr lang="ko-KR" altLang="en-US" spc="-150" dirty="0">
+                <a:solidFill>
+                  <a:schemeClr val="bg1"/>
+                </a:solidFill>
+                <a:latin typeface="+mn-ea"/>
+              </a:rPr>
+              <a:t>등에 미숙하다</a:t>
+            </a:r>
+            <a:r>
+              <a:rPr lang="en-US" altLang="ko-KR" spc="-150" dirty="0">
+                <a:solidFill>
+                  <a:schemeClr val="bg1"/>
+                </a:solidFill>
+                <a:latin typeface="+mn-ea"/>
+              </a:rPr>
+              <a:t>.</a:t>
+            </a:r>
+          </a:p>
+          <a:p>
+            <a:pPr marL="285750" indent="-285750">
+              <a:lnSpc>
+                <a:spcPct val="150000"/>
+              </a:lnSpc>
+              <a:buFont typeface="Wingdings" panose="05000000000000000000" pitchFamily="2" charset="2"/>
+              <a:buChar char="§"/>
+            </a:pPr>
+            <a:r>
+              <a:rPr lang="en-US" altLang="ko-KR" spc="-150" dirty="0">
+                <a:solidFill>
+                  <a:schemeClr val="bg1"/>
+                </a:solidFill>
+                <a:latin typeface="+mn-ea"/>
+              </a:rPr>
+              <a:t> </a:t>
+            </a:r>
+            <a:r>
+              <a:rPr lang="ko-KR" altLang="en-US" spc="-150" dirty="0">
+                <a:solidFill>
+                  <a:schemeClr val="bg1"/>
+                </a:solidFill>
+                <a:latin typeface="+mn-ea"/>
+              </a:rPr>
+              <a:t>주변에 킥보드가 있어도 자신이 사용하고 있는 </a:t>
+            </a:r>
+            <a:r>
+              <a:rPr lang="ko-KR" altLang="en-US" spc="-150" dirty="0" err="1">
+                <a:solidFill>
+                  <a:schemeClr val="bg1"/>
+                </a:solidFill>
+                <a:latin typeface="+mn-ea"/>
+              </a:rPr>
+              <a:t>킥보드</a:t>
+            </a:r>
+            <a:r>
+              <a:rPr lang="ko-KR" altLang="en-US" spc="-150" dirty="0">
+                <a:solidFill>
+                  <a:schemeClr val="bg1"/>
+                </a:solidFill>
+                <a:latin typeface="+mn-ea"/>
+              </a:rPr>
+              <a:t> 사가 아니면 이용하지 못한다는 것에 불편함을 느낌 </a:t>
+            </a:r>
+            <a:endParaRPr lang="en-US" altLang="ko-KR" spc="-150" dirty="0">
+              <a:solidFill>
+                <a:schemeClr val="bg1"/>
+              </a:solidFill>
+              <a:latin typeface="+mn-ea"/>
+            </a:endParaRPr>
           </a:p>
         </p:txBody>
       </p:sp>
     </p:spTree>
     <p:extLst>
       <p:ext uri="{BB962C8B-B14F-4D97-AF65-F5344CB8AC3E}">
-        <p14:creationId xmlns:p14="http://schemas.microsoft.com/office/powerpoint/2010/main" val="1111075636"/>
+        <p14:creationId xmlns:p14="http://schemas.microsoft.com/office/powerpoint/2010/main" val="2960842390"/>
       </p:ext>
     </p:extLst>
   </p:cSld>
